--- a/doc/시나리오.pptx
+++ b/doc/시나리오.pptx
@@ -8,6 +8,8 @@
     <p:sldId id="256" r:id="rId2"/>
     <p:sldId id="257" r:id="rId3"/>
     <p:sldId id="258" r:id="rId4"/>
+    <p:sldId id="259" r:id="rId5"/>
+    <p:sldId id="260" r:id="rId6"/>
   </p:sldIdLst>
   <p:sldSz cx="12192000" cy="6858000"/>
   <p:notesSz cx="6858000" cy="9144000"/>
@@ -106,6 +108,11 @@
       </a:defRPr>
     </a:lvl9pPr>
   </p:defaultTextStyle>
+  <p:extLst>
+    <p:ext uri="{EFAFB233-063F-42B5-8137-9DF3F51BA10A}">
+      <p15:sldGuideLst xmlns:p15="http://schemas.microsoft.com/office/powerpoint/2012/main"/>
+    </p:ext>
+  </p:extLst>
 </p:presentation>
 </file>
 
@@ -256,7 +263,7 @@
           <a:p>
             <a:fld id="{4486901E-76BC-42D3-A3CB-56AE8BC3E0FC}" type="datetimeFigureOut">
               <a:rPr lang="ko-KR" altLang="en-US" smtClean="0"/>
-              <a:t>2019-07-01</a:t>
+              <a:t>2019-07-02</a:t>
             </a:fld>
             <a:endParaRPr lang="ko-KR" altLang="en-US"/>
           </a:p>
@@ -454,7 +461,7 @@
           <a:p>
             <a:fld id="{4486901E-76BC-42D3-A3CB-56AE8BC3E0FC}" type="datetimeFigureOut">
               <a:rPr lang="ko-KR" altLang="en-US" smtClean="0"/>
-              <a:t>2019-07-01</a:t>
+              <a:t>2019-07-02</a:t>
             </a:fld>
             <a:endParaRPr lang="ko-KR" altLang="en-US"/>
           </a:p>
@@ -662,7 +669,7 @@
           <a:p>
             <a:fld id="{4486901E-76BC-42D3-A3CB-56AE8BC3E0FC}" type="datetimeFigureOut">
               <a:rPr lang="ko-KR" altLang="en-US" smtClean="0"/>
-              <a:t>2019-07-01</a:t>
+              <a:t>2019-07-02</a:t>
             </a:fld>
             <a:endParaRPr lang="ko-KR" altLang="en-US"/>
           </a:p>
@@ -860,7 +867,7 @@
           <a:p>
             <a:fld id="{4486901E-76BC-42D3-A3CB-56AE8BC3E0FC}" type="datetimeFigureOut">
               <a:rPr lang="ko-KR" altLang="en-US" smtClean="0"/>
-              <a:t>2019-07-01</a:t>
+              <a:t>2019-07-02</a:t>
             </a:fld>
             <a:endParaRPr lang="ko-KR" altLang="en-US"/>
           </a:p>
@@ -1135,7 +1142,7 @@
           <a:p>
             <a:fld id="{4486901E-76BC-42D3-A3CB-56AE8BC3E0FC}" type="datetimeFigureOut">
               <a:rPr lang="ko-KR" altLang="en-US" smtClean="0"/>
-              <a:t>2019-07-01</a:t>
+              <a:t>2019-07-02</a:t>
             </a:fld>
             <a:endParaRPr lang="ko-KR" altLang="en-US"/>
           </a:p>
@@ -1400,7 +1407,7 @@
           <a:p>
             <a:fld id="{4486901E-76BC-42D3-A3CB-56AE8BC3E0FC}" type="datetimeFigureOut">
               <a:rPr lang="ko-KR" altLang="en-US" smtClean="0"/>
-              <a:t>2019-07-01</a:t>
+              <a:t>2019-07-02</a:t>
             </a:fld>
             <a:endParaRPr lang="ko-KR" altLang="en-US"/>
           </a:p>
@@ -1812,7 +1819,7 @@
           <a:p>
             <a:fld id="{4486901E-76BC-42D3-A3CB-56AE8BC3E0FC}" type="datetimeFigureOut">
               <a:rPr lang="ko-KR" altLang="en-US" smtClean="0"/>
-              <a:t>2019-07-01</a:t>
+              <a:t>2019-07-02</a:t>
             </a:fld>
             <a:endParaRPr lang="ko-KR" altLang="en-US"/>
           </a:p>
@@ -1953,7 +1960,7 @@
           <a:p>
             <a:fld id="{4486901E-76BC-42D3-A3CB-56AE8BC3E0FC}" type="datetimeFigureOut">
               <a:rPr lang="ko-KR" altLang="en-US" smtClean="0"/>
-              <a:t>2019-07-01</a:t>
+              <a:t>2019-07-02</a:t>
             </a:fld>
             <a:endParaRPr lang="ko-KR" altLang="en-US"/>
           </a:p>
@@ -2066,7 +2073,7 @@
           <a:p>
             <a:fld id="{4486901E-76BC-42D3-A3CB-56AE8BC3E0FC}" type="datetimeFigureOut">
               <a:rPr lang="ko-KR" altLang="en-US" smtClean="0"/>
-              <a:t>2019-07-01</a:t>
+              <a:t>2019-07-02</a:t>
             </a:fld>
             <a:endParaRPr lang="ko-KR" altLang="en-US"/>
           </a:p>
@@ -2377,7 +2384,7 @@
           <a:p>
             <a:fld id="{4486901E-76BC-42D3-A3CB-56AE8BC3E0FC}" type="datetimeFigureOut">
               <a:rPr lang="ko-KR" altLang="en-US" smtClean="0"/>
-              <a:t>2019-07-01</a:t>
+              <a:t>2019-07-02</a:t>
             </a:fld>
             <a:endParaRPr lang="ko-KR" altLang="en-US"/>
           </a:p>
@@ -2665,7 +2672,7 @@
           <a:p>
             <a:fld id="{4486901E-76BC-42D3-A3CB-56AE8BC3E0FC}" type="datetimeFigureOut">
               <a:rPr lang="ko-KR" altLang="en-US" smtClean="0"/>
-              <a:t>2019-07-01</a:t>
+              <a:t>2019-07-02</a:t>
             </a:fld>
             <a:endParaRPr lang="ko-KR" altLang="en-US"/>
           </a:p>
@@ -2906,7 +2913,7 @@
           <a:p>
             <a:fld id="{4486901E-76BC-42D3-A3CB-56AE8BC3E0FC}" type="datetimeFigureOut">
               <a:rPr lang="ko-KR" altLang="en-US" smtClean="0"/>
-              <a:t>2019-07-01</a:t>
+              <a:t>2019-07-02</a:t>
             </a:fld>
             <a:endParaRPr lang="ko-KR" altLang="en-US"/>
           </a:p>
@@ -8421,6 +8428,25 @@
               </a:rPr>
               <a:t>색상</a:t>
             </a:r>
+            <a:r>
+              <a:rPr lang="en-US" altLang="ko-KR" sz="700" dirty="0">
+                <a:solidFill>
+                  <a:schemeClr val="tx1"/>
+                </a:solidFill>
+              </a:rPr>
+              <a:t>,</a:t>
+            </a:r>
+          </a:p>
+          <a:p>
+            <a:pPr algn="ctr"/>
+            <a:r>
+              <a:rPr lang="ko-KR" altLang="en-US" sz="700" dirty="0">
+                <a:solidFill>
+                  <a:schemeClr val="tx1"/>
+                </a:solidFill>
+              </a:rPr>
+              <a:t>수량</a:t>
+            </a:r>
           </a:p>
         </p:txBody>
       </p:sp>
@@ -8540,6 +8566,25 @@
                 </a:solidFill>
               </a:rPr>
               <a:t>색상</a:t>
+            </a:r>
+            <a:r>
+              <a:rPr lang="en-US" altLang="ko-KR" sz="700" dirty="0">
+                <a:solidFill>
+                  <a:schemeClr val="tx1"/>
+                </a:solidFill>
+              </a:rPr>
+              <a:t>,</a:t>
+            </a:r>
+          </a:p>
+          <a:p>
+            <a:pPr algn="ctr"/>
+            <a:r>
+              <a:rPr lang="ko-KR" altLang="en-US" sz="700" dirty="0">
+                <a:solidFill>
+                  <a:schemeClr val="tx1"/>
+                </a:solidFill>
+              </a:rPr>
+              <a:t>수량</a:t>
             </a:r>
           </a:p>
         </p:txBody>
@@ -8891,8 +8936,8 @@
         </p:nvSpPr>
         <p:spPr>
           <a:xfrm>
-            <a:off x="127000" y="2841994"/>
-            <a:ext cx="542167" cy="1072405"/>
+            <a:off x="469900" y="2653829"/>
+            <a:ext cx="447573" cy="1065902"/>
           </a:xfrm>
           <a:prstGeom prst="smileyFace">
             <a:avLst/>
@@ -8970,8 +9015,8 @@
         </p:nvSpPr>
         <p:spPr>
           <a:xfrm>
-            <a:off x="127000" y="4028789"/>
-            <a:ext cx="607487" cy="443260"/>
+            <a:off x="469900" y="3833427"/>
+            <a:ext cx="577850" cy="252794"/>
           </a:xfrm>
           <a:prstGeom prst="rect">
             <a:avLst/>
@@ -9052,8 +9097,8 @@
         </p:nvSpPr>
         <p:spPr>
           <a:xfrm>
-            <a:off x="916454" y="2906339"/>
-            <a:ext cx="1051673" cy="943717"/>
+            <a:off x="1121615" y="2717784"/>
+            <a:ext cx="868184" cy="937994"/>
           </a:xfrm>
           <a:prstGeom prst="rect">
             <a:avLst/>
@@ -9115,7 +9160,7 @@
                   <a:schemeClr val="tx1"/>
                 </a:solidFill>
               </a:rPr>
-              <a:t>메인</a:t>
+              <a:t>구매</a:t>
             </a:r>
           </a:p>
         </p:txBody>
@@ -9137,8 +9182,8 @@
         </p:nvCxnSpPr>
         <p:spPr>
           <a:xfrm>
-            <a:off x="669167" y="3378197"/>
-            <a:ext cx="247288" cy="0"/>
+            <a:off x="917473" y="3186780"/>
+            <a:ext cx="204143" cy="0"/>
           </a:xfrm>
           <a:prstGeom prst="straightConnector1">
             <a:avLst/>
@@ -9165,12 +9210,57 @@
           </a:fontRef>
         </p:style>
       </p:cxnSp>
-      <p:sp>
-        <p:nvSpPr>
-          <p:cNvPr id="44" name="직사각형 43">
-            <a:extLst>
-              <a:ext uri="{FF2B5EF4-FFF2-40B4-BE49-F238E27FC236}">
-                <a16:creationId xmlns:a16="http://schemas.microsoft.com/office/drawing/2014/main" id="{DF962915-263F-4967-9234-369337C10094}"/>
+      <p:cxnSp>
+        <p:nvCxnSpPr>
+          <p:cNvPr id="4" name="직선 화살표 연결선 3">
+            <a:extLst>
+              <a:ext uri="{FF2B5EF4-FFF2-40B4-BE49-F238E27FC236}">
+                <a16:creationId xmlns:a16="http://schemas.microsoft.com/office/drawing/2014/main" id="{74357166-6E7D-4CD3-98B4-672622D0C81B}"/>
+              </a:ext>
+            </a:extLst>
+          </p:cNvPr>
+          <p:cNvCxnSpPr>
+            <a:cxnSpLocks/>
+            <a:stCxn id="42" idx="3"/>
+          </p:cNvCxnSpPr>
+          <p:nvPr/>
+        </p:nvCxnSpPr>
+        <p:spPr>
+          <a:xfrm flipV="1">
+            <a:off x="1989799" y="3186779"/>
+            <a:ext cx="397782" cy="2"/>
+          </a:xfrm>
+          <a:prstGeom prst="straightConnector1">
+            <a:avLst/>
+          </a:prstGeom>
+          <a:ln>
+            <a:solidFill>
+              <a:srgbClr val="7030A0"/>
+            </a:solidFill>
+            <a:tailEnd type="triangle"/>
+          </a:ln>
+        </p:spPr>
+        <p:style>
+          <a:lnRef idx="1">
+            <a:schemeClr val="accent1"/>
+          </a:lnRef>
+          <a:fillRef idx="0">
+            <a:schemeClr val="accent1"/>
+          </a:fillRef>
+          <a:effectRef idx="0">
+            <a:schemeClr val="accent1"/>
+          </a:effectRef>
+          <a:fontRef idx="minor">
+            <a:schemeClr val="tx1"/>
+          </a:fontRef>
+        </p:style>
+      </p:cxnSp>
+      <p:sp>
+        <p:nvSpPr>
+          <p:cNvPr id="7" name="순서도: 판단 6">
+            <a:extLst>
+              <a:ext uri="{FF2B5EF4-FFF2-40B4-BE49-F238E27FC236}">
+                <a16:creationId xmlns:a16="http://schemas.microsoft.com/office/drawing/2014/main" id="{7FFAC8BD-F5D2-4825-9EF0-496E86086670}"/>
               </a:ext>
             </a:extLst>
           </p:cNvPr>
@@ -9179,10 +9269,10 @@
         </p:nvSpPr>
         <p:spPr>
           <a:xfrm>
-            <a:off x="2383382" y="495985"/>
-            <a:ext cx="1051673" cy="943717"/>
-          </a:xfrm>
-          <a:prstGeom prst="rect">
+            <a:off x="4160025" y="2826052"/>
+            <a:ext cx="1012649" cy="721454"/>
+          </a:xfrm>
+          <a:prstGeom prst="flowChartDecision">
             <a:avLst/>
           </a:prstGeom>
           <a:gradFill flip="none" rotWithShape="1">
@@ -9237,22 +9327,41 @@
           <a:p>
             <a:pPr algn="ctr"/>
             <a:r>
-              <a:rPr lang="ko-KR" altLang="en-US" sz="1000" dirty="0">
-                <a:solidFill>
-                  <a:schemeClr val="tx1"/>
-                </a:solidFill>
-              </a:rPr>
-              <a:t>카테고리</a:t>
-            </a:r>
-          </a:p>
-        </p:txBody>
-      </p:sp>
-      <p:sp>
-        <p:nvSpPr>
-          <p:cNvPr id="46" name="직사각형 45">
-            <a:extLst>
-              <a:ext uri="{FF2B5EF4-FFF2-40B4-BE49-F238E27FC236}">
-                <a16:creationId xmlns:a16="http://schemas.microsoft.com/office/drawing/2014/main" id="{FCEEE8FB-50E8-468D-B7E9-9EC6B865F9DA}"/>
+              <a:rPr lang="ko-KR" altLang="en-US" sz="800" dirty="0">
+                <a:solidFill>
+                  <a:schemeClr val="tx1"/>
+                </a:solidFill>
+              </a:rPr>
+              <a:t>회원</a:t>
+            </a:r>
+            <a:r>
+              <a:rPr lang="en-US" altLang="ko-KR" sz="800" dirty="0">
+                <a:solidFill>
+                  <a:schemeClr val="tx1"/>
+                </a:solidFill>
+              </a:rPr>
+              <a:t>/</a:t>
+            </a:r>
+          </a:p>
+          <a:p>
+            <a:pPr algn="ctr"/>
+            <a:r>
+              <a:rPr lang="ko-KR" altLang="en-US" sz="800" dirty="0">
+                <a:solidFill>
+                  <a:schemeClr val="tx1"/>
+                </a:solidFill>
+              </a:rPr>
+              <a:t>비회원</a:t>
+            </a:r>
+          </a:p>
+        </p:txBody>
+      </p:sp>
+      <p:sp>
+        <p:nvSpPr>
+          <p:cNvPr id="41" name="직사각형 40">
+            <a:extLst>
+              <a:ext uri="{FF2B5EF4-FFF2-40B4-BE49-F238E27FC236}">
+                <a16:creationId xmlns:a16="http://schemas.microsoft.com/office/drawing/2014/main" id="{C40BD7B9-75C8-41A2-8B8D-1752E418D3D7}"/>
               </a:ext>
             </a:extLst>
           </p:cNvPr>
@@ -9261,8 +9370,8 @@
         </p:nvSpPr>
         <p:spPr>
           <a:xfrm>
-            <a:off x="4500986" y="2926766"/>
-            <a:ext cx="1051673" cy="943717"/>
+            <a:off x="5958862" y="1475292"/>
+            <a:ext cx="868184" cy="937994"/>
           </a:xfrm>
           <a:prstGeom prst="rect">
             <a:avLst/>
@@ -9324,17 +9433,62 @@
                   <a:schemeClr val="tx1"/>
                 </a:solidFill>
               </a:rPr>
-              <a:t>상품 리스트</a:t>
-            </a:r>
-          </a:p>
-        </p:txBody>
-      </p:sp>
-      <p:sp>
-        <p:nvSpPr>
-          <p:cNvPr id="48" name="직사각형 47">
-            <a:extLst>
-              <a:ext uri="{FF2B5EF4-FFF2-40B4-BE49-F238E27FC236}">
-                <a16:creationId xmlns:a16="http://schemas.microsoft.com/office/drawing/2014/main" id="{3A710CD4-FC8A-4B8E-BC5A-494CB8174A67}"/>
+              <a:t>결제</a:t>
+            </a:r>
+          </a:p>
+        </p:txBody>
+      </p:sp>
+      <p:cxnSp>
+        <p:nvCxnSpPr>
+          <p:cNvPr id="13" name="직선 화살표 연결선 12">
+            <a:extLst>
+              <a:ext uri="{FF2B5EF4-FFF2-40B4-BE49-F238E27FC236}">
+                <a16:creationId xmlns:a16="http://schemas.microsoft.com/office/drawing/2014/main" id="{2F150853-D9D6-47F6-BC11-6501F60F11F4}"/>
+              </a:ext>
+            </a:extLst>
+          </p:cNvPr>
+          <p:cNvCxnSpPr>
+            <a:stCxn id="7" idx="3"/>
+            <a:endCxn id="41" idx="1"/>
+          </p:cNvCxnSpPr>
+          <p:nvPr/>
+        </p:nvCxnSpPr>
+        <p:spPr>
+          <a:xfrm flipV="1">
+            <a:off x="5172674" y="1944290"/>
+            <a:ext cx="786188" cy="1242490"/>
+          </a:xfrm>
+          <a:prstGeom prst="straightConnector1">
+            <a:avLst/>
+          </a:prstGeom>
+          <a:ln>
+            <a:solidFill>
+              <a:srgbClr val="7030A0"/>
+            </a:solidFill>
+            <a:tailEnd type="triangle"/>
+          </a:ln>
+        </p:spPr>
+        <p:style>
+          <a:lnRef idx="1">
+            <a:schemeClr val="accent1"/>
+          </a:lnRef>
+          <a:fillRef idx="0">
+            <a:schemeClr val="accent1"/>
+          </a:fillRef>
+          <a:effectRef idx="0">
+            <a:schemeClr val="accent1"/>
+          </a:effectRef>
+          <a:fontRef idx="minor">
+            <a:schemeClr val="tx1"/>
+          </a:fontRef>
+        </p:style>
+      </p:cxnSp>
+      <p:sp>
+        <p:nvSpPr>
+          <p:cNvPr id="50" name="직사각형 49">
+            <a:extLst>
+              <a:ext uri="{FF2B5EF4-FFF2-40B4-BE49-F238E27FC236}">
+                <a16:creationId xmlns:a16="http://schemas.microsoft.com/office/drawing/2014/main" id="{C32D40FC-9FF7-4D3C-99D6-87C19A95F337}"/>
               </a:ext>
             </a:extLst>
           </p:cNvPr>
@@ -9343,8 +9497,8 @@
         </p:nvSpPr>
         <p:spPr>
           <a:xfrm>
-            <a:off x="2383382" y="2913491"/>
-            <a:ext cx="1051673" cy="943717"/>
+            <a:off x="5958862" y="3719731"/>
+            <a:ext cx="868184" cy="937994"/>
           </a:xfrm>
           <a:prstGeom prst="rect">
             <a:avLst/>
@@ -9406,8 +9560,622 @@
                   <a:schemeClr val="tx1"/>
                 </a:solidFill>
               </a:rPr>
-              <a:t>상품 조회</a:t>
-            </a:r>
+              <a:t>비밀번호 </a:t>
+            </a:r>
+            <a:endParaRPr lang="en-US" altLang="ko-KR" sz="1000" dirty="0">
+              <a:solidFill>
+                <a:schemeClr val="tx1"/>
+              </a:solidFill>
+            </a:endParaRPr>
+          </a:p>
+          <a:p>
+            <a:pPr algn="ctr"/>
+            <a:r>
+              <a:rPr lang="ko-KR" altLang="en-US" sz="1000" dirty="0">
+                <a:solidFill>
+                  <a:schemeClr val="tx1"/>
+                </a:solidFill>
+              </a:rPr>
+              <a:t>설정</a:t>
+            </a:r>
+          </a:p>
+        </p:txBody>
+      </p:sp>
+      <p:cxnSp>
+        <p:nvCxnSpPr>
+          <p:cNvPr id="17" name="직선 화살표 연결선 16">
+            <a:extLst>
+              <a:ext uri="{FF2B5EF4-FFF2-40B4-BE49-F238E27FC236}">
+                <a16:creationId xmlns:a16="http://schemas.microsoft.com/office/drawing/2014/main" id="{55B89C47-7EE8-4608-9D37-491E39D0CB09}"/>
+              </a:ext>
+            </a:extLst>
+          </p:cNvPr>
+          <p:cNvCxnSpPr>
+            <a:stCxn id="7" idx="3"/>
+            <a:endCxn id="50" idx="1"/>
+          </p:cNvCxnSpPr>
+          <p:nvPr/>
+        </p:nvCxnSpPr>
+        <p:spPr>
+          <a:xfrm>
+            <a:off x="5172674" y="3186779"/>
+            <a:ext cx="786188" cy="1001949"/>
+          </a:xfrm>
+          <a:prstGeom prst="straightConnector1">
+            <a:avLst/>
+          </a:prstGeom>
+          <a:ln>
+            <a:solidFill>
+              <a:srgbClr val="7030A0"/>
+            </a:solidFill>
+            <a:tailEnd type="triangle"/>
+          </a:ln>
+        </p:spPr>
+        <p:style>
+          <a:lnRef idx="1">
+            <a:schemeClr val="accent1"/>
+          </a:lnRef>
+          <a:fillRef idx="0">
+            <a:schemeClr val="accent1"/>
+          </a:fillRef>
+          <a:effectRef idx="0">
+            <a:schemeClr val="accent1"/>
+          </a:effectRef>
+          <a:fontRef idx="minor">
+            <a:schemeClr val="tx1"/>
+          </a:fontRef>
+        </p:style>
+      </p:cxnSp>
+      <p:sp>
+        <p:nvSpPr>
+          <p:cNvPr id="58" name="직사각형 57">
+            <a:extLst>
+              <a:ext uri="{FF2B5EF4-FFF2-40B4-BE49-F238E27FC236}">
+                <a16:creationId xmlns:a16="http://schemas.microsoft.com/office/drawing/2014/main" id="{BAB525AC-C324-42C9-9E69-93898160ACA6}"/>
+              </a:ext>
+            </a:extLst>
+          </p:cNvPr>
+          <p:cNvSpPr/>
+          <p:nvPr/>
+        </p:nvSpPr>
+        <p:spPr>
+          <a:xfrm>
+            <a:off x="2387580" y="2749759"/>
+            <a:ext cx="868184" cy="937994"/>
+          </a:xfrm>
+          <a:prstGeom prst="rect">
+            <a:avLst/>
+          </a:prstGeom>
+          <a:gradFill flip="none" rotWithShape="1">
+            <a:gsLst>
+              <a:gs pos="0">
+                <a:srgbClr val="7030A0">
+                  <a:tint val="66000"/>
+                  <a:satMod val="160000"/>
+                </a:srgbClr>
+              </a:gs>
+              <a:gs pos="50000">
+                <a:srgbClr val="7030A0">
+                  <a:tint val="44500"/>
+                  <a:satMod val="160000"/>
+                </a:srgbClr>
+              </a:gs>
+              <a:gs pos="100000">
+                <a:srgbClr val="7030A0">
+                  <a:tint val="23500"/>
+                  <a:satMod val="160000"/>
+                </a:srgbClr>
+              </a:gs>
+            </a:gsLst>
+            <a:lin ang="2700000" scaled="1"/>
+            <a:tileRect/>
+          </a:gradFill>
+          <a:ln>
+            <a:solidFill>
+              <a:srgbClr val="7030A0"/>
+            </a:solidFill>
+          </a:ln>
+        </p:spPr>
+        <p:style>
+          <a:lnRef idx="2">
+            <a:schemeClr val="accent1">
+              <a:shade val="50000"/>
+            </a:schemeClr>
+          </a:lnRef>
+          <a:fillRef idx="1">
+            <a:schemeClr val="accent1"/>
+          </a:fillRef>
+          <a:effectRef idx="0">
+            <a:schemeClr val="accent1"/>
+          </a:effectRef>
+          <a:fontRef idx="minor">
+            <a:schemeClr val="lt1"/>
+          </a:fontRef>
+        </p:style>
+        <p:txBody>
+          <a:bodyPr rtlCol="0" anchor="ctr"/>
+          <a:lstStyle/>
+          <a:p>
+            <a:pPr algn="ctr"/>
+            <a:r>
+              <a:rPr lang="ko-KR" altLang="en-US" sz="1000" dirty="0">
+                <a:solidFill>
+                  <a:schemeClr val="tx1"/>
+                </a:solidFill>
+              </a:rPr>
+              <a:t>구매페이지</a:t>
+            </a:r>
+          </a:p>
+        </p:txBody>
+      </p:sp>
+      <p:cxnSp>
+        <p:nvCxnSpPr>
+          <p:cNvPr id="29" name="직선 화살표 연결선 28">
+            <a:extLst>
+              <a:ext uri="{FF2B5EF4-FFF2-40B4-BE49-F238E27FC236}">
+                <a16:creationId xmlns:a16="http://schemas.microsoft.com/office/drawing/2014/main" id="{943A5155-476E-4C7C-BD91-9CEF8D863F83}"/>
+              </a:ext>
+            </a:extLst>
+          </p:cNvPr>
+          <p:cNvCxnSpPr>
+            <a:stCxn id="58" idx="3"/>
+            <a:endCxn id="7" idx="1"/>
+          </p:cNvCxnSpPr>
+          <p:nvPr/>
+        </p:nvCxnSpPr>
+        <p:spPr>
+          <a:xfrm flipV="1">
+            <a:off x="3255764" y="3186779"/>
+            <a:ext cx="904261" cy="31978"/>
+          </a:xfrm>
+          <a:prstGeom prst="straightConnector1">
+            <a:avLst/>
+          </a:prstGeom>
+          <a:ln>
+            <a:solidFill>
+              <a:srgbClr val="7030A0"/>
+            </a:solidFill>
+            <a:tailEnd type="triangle"/>
+          </a:ln>
+        </p:spPr>
+        <p:style>
+          <a:lnRef idx="1">
+            <a:schemeClr val="accent1"/>
+          </a:lnRef>
+          <a:fillRef idx="0">
+            <a:schemeClr val="accent1"/>
+          </a:fillRef>
+          <a:effectRef idx="0">
+            <a:schemeClr val="accent1"/>
+          </a:effectRef>
+          <a:fontRef idx="minor">
+            <a:schemeClr val="tx1"/>
+          </a:fontRef>
+        </p:style>
+      </p:cxnSp>
+      <p:sp>
+        <p:nvSpPr>
+          <p:cNvPr id="63" name="순서도: 천공 테이프 62">
+            <a:extLst>
+              <a:ext uri="{FF2B5EF4-FFF2-40B4-BE49-F238E27FC236}">
+                <a16:creationId xmlns:a16="http://schemas.microsoft.com/office/drawing/2014/main" id="{E6C92A3F-0DFF-4979-8438-1DF462EA5756}"/>
+              </a:ext>
+            </a:extLst>
+          </p:cNvPr>
+          <p:cNvSpPr/>
+          <p:nvPr/>
+        </p:nvSpPr>
+        <p:spPr>
+          <a:xfrm>
+            <a:off x="3394062" y="3259989"/>
+            <a:ext cx="614868" cy="450274"/>
+          </a:xfrm>
+          <a:prstGeom prst="flowChartPunchedTape">
+            <a:avLst/>
+          </a:prstGeom>
+          <a:gradFill flip="none" rotWithShape="1">
+            <a:gsLst>
+              <a:gs pos="0">
+                <a:srgbClr val="7030A0">
+                  <a:tint val="66000"/>
+                  <a:satMod val="160000"/>
+                </a:srgbClr>
+              </a:gs>
+              <a:gs pos="50000">
+                <a:srgbClr val="7030A0">
+                  <a:tint val="44500"/>
+                  <a:satMod val="160000"/>
+                </a:srgbClr>
+              </a:gs>
+              <a:gs pos="100000">
+                <a:srgbClr val="7030A0">
+                  <a:tint val="23500"/>
+                  <a:satMod val="160000"/>
+                </a:srgbClr>
+              </a:gs>
+            </a:gsLst>
+            <a:lin ang="2700000" scaled="1"/>
+            <a:tileRect/>
+          </a:gradFill>
+          <a:ln>
+            <a:solidFill>
+              <a:srgbClr val="7030A0"/>
+            </a:solidFill>
+          </a:ln>
+        </p:spPr>
+        <p:style>
+          <a:lnRef idx="2">
+            <a:schemeClr val="accent1">
+              <a:shade val="50000"/>
+            </a:schemeClr>
+          </a:lnRef>
+          <a:fillRef idx="1">
+            <a:schemeClr val="accent1"/>
+          </a:fillRef>
+          <a:effectRef idx="0">
+            <a:schemeClr val="accent1"/>
+          </a:effectRef>
+          <a:fontRef idx="minor">
+            <a:schemeClr val="lt1"/>
+          </a:fontRef>
+        </p:style>
+        <p:txBody>
+          <a:bodyPr rtlCol="0" anchor="ctr"/>
+          <a:lstStyle/>
+          <a:p>
+            <a:pPr algn="ctr"/>
+            <a:r>
+              <a:rPr lang="ko-KR" altLang="en-US" sz="800" dirty="0">
+                <a:solidFill>
+                  <a:schemeClr val="tx1"/>
+                </a:solidFill>
+              </a:rPr>
+              <a:t>구매정보</a:t>
+            </a:r>
+            <a:endParaRPr lang="en-US" altLang="ko-KR" sz="800" dirty="0">
+              <a:solidFill>
+                <a:schemeClr val="tx1"/>
+              </a:solidFill>
+            </a:endParaRPr>
+          </a:p>
+        </p:txBody>
+      </p:sp>
+      <p:sp>
+        <p:nvSpPr>
+          <p:cNvPr id="31" name="직사각형 30">
+            <a:extLst>
+              <a:ext uri="{FF2B5EF4-FFF2-40B4-BE49-F238E27FC236}">
+                <a16:creationId xmlns:a16="http://schemas.microsoft.com/office/drawing/2014/main" id="{6EFA2F45-7800-4788-A3B9-06BE5FDCB93F}"/>
+              </a:ext>
+            </a:extLst>
+          </p:cNvPr>
+          <p:cNvSpPr/>
+          <p:nvPr/>
+        </p:nvSpPr>
+        <p:spPr>
+          <a:xfrm>
+            <a:off x="5259492" y="2413286"/>
+            <a:ext cx="531455" cy="302613"/>
+          </a:xfrm>
+          <a:prstGeom prst="rect">
+            <a:avLst/>
+          </a:prstGeom>
+          <a:solidFill>
+            <a:schemeClr val="bg1"/>
+          </a:solidFill>
+          <a:ln>
+            <a:solidFill>
+              <a:schemeClr val="tx1"/>
+            </a:solidFill>
+          </a:ln>
+        </p:spPr>
+        <p:style>
+          <a:lnRef idx="2">
+            <a:schemeClr val="accent1">
+              <a:shade val="50000"/>
+            </a:schemeClr>
+          </a:lnRef>
+          <a:fillRef idx="1">
+            <a:schemeClr val="accent1"/>
+          </a:fillRef>
+          <a:effectRef idx="0">
+            <a:schemeClr val="accent1"/>
+          </a:effectRef>
+          <a:fontRef idx="minor">
+            <a:schemeClr val="lt1"/>
+          </a:fontRef>
+        </p:style>
+        <p:txBody>
+          <a:bodyPr rtlCol="0" anchor="ctr"/>
+          <a:lstStyle/>
+          <a:p>
+            <a:pPr algn="ctr"/>
+            <a:r>
+              <a:rPr lang="ko-KR" altLang="en-US" sz="1200">
+                <a:solidFill>
+                  <a:schemeClr val="tx1"/>
+                </a:solidFill>
+              </a:rPr>
+              <a:t>회원</a:t>
+            </a:r>
+          </a:p>
+        </p:txBody>
+      </p:sp>
+      <p:sp>
+        <p:nvSpPr>
+          <p:cNvPr id="65" name="직사각형 64">
+            <a:extLst>
+              <a:ext uri="{FF2B5EF4-FFF2-40B4-BE49-F238E27FC236}">
+                <a16:creationId xmlns:a16="http://schemas.microsoft.com/office/drawing/2014/main" id="{A0680389-DBEA-4268-BA30-32A6943F395E}"/>
+              </a:ext>
+            </a:extLst>
+          </p:cNvPr>
+          <p:cNvSpPr/>
+          <p:nvPr/>
+        </p:nvSpPr>
+        <p:spPr>
+          <a:xfrm>
+            <a:off x="5300040" y="3517215"/>
+            <a:ext cx="604898" cy="302613"/>
+          </a:xfrm>
+          <a:prstGeom prst="rect">
+            <a:avLst/>
+          </a:prstGeom>
+          <a:solidFill>
+            <a:schemeClr val="bg1"/>
+          </a:solidFill>
+          <a:ln>
+            <a:solidFill>
+              <a:schemeClr val="tx1"/>
+            </a:solidFill>
+          </a:ln>
+        </p:spPr>
+        <p:style>
+          <a:lnRef idx="2">
+            <a:schemeClr val="accent1">
+              <a:shade val="50000"/>
+            </a:schemeClr>
+          </a:lnRef>
+          <a:fillRef idx="1">
+            <a:schemeClr val="accent1"/>
+          </a:fillRef>
+          <a:effectRef idx="0">
+            <a:schemeClr val="accent1"/>
+          </a:effectRef>
+          <a:fontRef idx="minor">
+            <a:schemeClr val="lt1"/>
+          </a:fontRef>
+        </p:style>
+        <p:txBody>
+          <a:bodyPr rtlCol="0" anchor="ctr"/>
+          <a:lstStyle/>
+          <a:p>
+            <a:pPr algn="ctr"/>
+            <a:r>
+              <a:rPr lang="ko-KR" altLang="en-US" sz="1000" dirty="0">
+                <a:solidFill>
+                  <a:schemeClr val="tx1"/>
+                </a:solidFill>
+              </a:rPr>
+              <a:t>비회원</a:t>
+            </a:r>
+          </a:p>
+        </p:txBody>
+      </p:sp>
+      <p:sp>
+        <p:nvSpPr>
+          <p:cNvPr id="66" name="직사각형 65">
+            <a:extLst>
+              <a:ext uri="{FF2B5EF4-FFF2-40B4-BE49-F238E27FC236}">
+                <a16:creationId xmlns:a16="http://schemas.microsoft.com/office/drawing/2014/main" id="{7A167678-C8DD-481B-88E1-7C9F4387F89D}"/>
+              </a:ext>
+            </a:extLst>
+          </p:cNvPr>
+          <p:cNvSpPr/>
+          <p:nvPr/>
+        </p:nvSpPr>
+        <p:spPr>
+          <a:xfrm>
+            <a:off x="7693860" y="3719731"/>
+            <a:ext cx="868184" cy="937994"/>
+          </a:xfrm>
+          <a:prstGeom prst="rect">
+            <a:avLst/>
+          </a:prstGeom>
+          <a:gradFill flip="none" rotWithShape="1">
+            <a:gsLst>
+              <a:gs pos="0">
+                <a:srgbClr val="7030A0">
+                  <a:tint val="66000"/>
+                  <a:satMod val="160000"/>
+                </a:srgbClr>
+              </a:gs>
+              <a:gs pos="50000">
+                <a:srgbClr val="7030A0">
+                  <a:tint val="44500"/>
+                  <a:satMod val="160000"/>
+                </a:srgbClr>
+              </a:gs>
+              <a:gs pos="100000">
+                <a:srgbClr val="7030A0">
+                  <a:tint val="23500"/>
+                  <a:satMod val="160000"/>
+                </a:srgbClr>
+              </a:gs>
+            </a:gsLst>
+            <a:lin ang="2700000" scaled="1"/>
+            <a:tileRect/>
+          </a:gradFill>
+          <a:ln>
+            <a:solidFill>
+              <a:srgbClr val="7030A0"/>
+            </a:solidFill>
+          </a:ln>
+        </p:spPr>
+        <p:style>
+          <a:lnRef idx="2">
+            <a:schemeClr val="accent1">
+              <a:shade val="50000"/>
+            </a:schemeClr>
+          </a:lnRef>
+          <a:fillRef idx="1">
+            <a:schemeClr val="accent1"/>
+          </a:fillRef>
+          <a:effectRef idx="0">
+            <a:schemeClr val="accent1"/>
+          </a:effectRef>
+          <a:fontRef idx="minor">
+            <a:schemeClr val="lt1"/>
+          </a:fontRef>
+        </p:style>
+        <p:txBody>
+          <a:bodyPr rtlCol="0" anchor="ctr"/>
+          <a:lstStyle/>
+          <a:p>
+            <a:pPr algn="ctr"/>
+            <a:r>
+              <a:rPr lang="ko-KR" altLang="en-US" sz="1000" dirty="0">
+                <a:solidFill>
+                  <a:schemeClr val="tx1"/>
+                </a:solidFill>
+              </a:rPr>
+              <a:t>결제</a:t>
+            </a:r>
+          </a:p>
+        </p:txBody>
+      </p:sp>
+      <p:cxnSp>
+        <p:nvCxnSpPr>
+          <p:cNvPr id="35" name="직선 화살표 연결선 34">
+            <a:extLst>
+              <a:ext uri="{FF2B5EF4-FFF2-40B4-BE49-F238E27FC236}">
+                <a16:creationId xmlns:a16="http://schemas.microsoft.com/office/drawing/2014/main" id="{EDABF065-184C-460D-A4E2-19D5AF02F133}"/>
+              </a:ext>
+            </a:extLst>
+          </p:cNvPr>
+          <p:cNvCxnSpPr>
+            <a:stCxn id="50" idx="3"/>
+            <a:endCxn id="66" idx="1"/>
+          </p:cNvCxnSpPr>
+          <p:nvPr/>
+        </p:nvCxnSpPr>
+        <p:spPr>
+          <a:xfrm>
+            <a:off x="6827046" y="4188728"/>
+            <a:ext cx="866814" cy="0"/>
+          </a:xfrm>
+          <a:prstGeom prst="straightConnector1">
+            <a:avLst/>
+          </a:prstGeom>
+          <a:ln>
+            <a:solidFill>
+              <a:srgbClr val="7030A0"/>
+            </a:solidFill>
+            <a:tailEnd type="triangle"/>
+          </a:ln>
+        </p:spPr>
+        <p:style>
+          <a:lnRef idx="1">
+            <a:schemeClr val="accent1"/>
+          </a:lnRef>
+          <a:fillRef idx="0">
+            <a:schemeClr val="accent1"/>
+          </a:fillRef>
+          <a:effectRef idx="0">
+            <a:schemeClr val="accent1"/>
+          </a:effectRef>
+          <a:fontRef idx="minor">
+            <a:schemeClr val="tx1"/>
+          </a:fontRef>
+        </p:style>
+      </p:cxnSp>
+      <p:sp>
+        <p:nvSpPr>
+          <p:cNvPr id="69" name="직사각형 68">
+            <a:extLst>
+              <a:ext uri="{FF2B5EF4-FFF2-40B4-BE49-F238E27FC236}">
+                <a16:creationId xmlns:a16="http://schemas.microsoft.com/office/drawing/2014/main" id="{AE70A6DD-88A9-4684-8691-79C41A037639}"/>
+              </a:ext>
+            </a:extLst>
+          </p:cNvPr>
+          <p:cNvSpPr/>
+          <p:nvPr/>
+        </p:nvSpPr>
+        <p:spPr>
+          <a:xfrm>
+            <a:off x="8936236" y="3719731"/>
+            <a:ext cx="868184" cy="937994"/>
+          </a:xfrm>
+          <a:prstGeom prst="rect">
+            <a:avLst/>
+          </a:prstGeom>
+          <a:gradFill flip="none" rotWithShape="1">
+            <a:gsLst>
+              <a:gs pos="0">
+                <a:srgbClr val="7030A0">
+                  <a:tint val="66000"/>
+                  <a:satMod val="160000"/>
+                </a:srgbClr>
+              </a:gs>
+              <a:gs pos="50000">
+                <a:srgbClr val="7030A0">
+                  <a:tint val="44500"/>
+                  <a:satMod val="160000"/>
+                </a:srgbClr>
+              </a:gs>
+              <a:gs pos="100000">
+                <a:srgbClr val="7030A0">
+                  <a:tint val="23500"/>
+                  <a:satMod val="160000"/>
+                </a:srgbClr>
+              </a:gs>
+            </a:gsLst>
+            <a:lin ang="2700000" scaled="1"/>
+            <a:tileRect/>
+          </a:gradFill>
+          <a:ln>
+            <a:solidFill>
+              <a:srgbClr val="7030A0"/>
+            </a:solidFill>
+          </a:ln>
+        </p:spPr>
+        <p:style>
+          <a:lnRef idx="2">
+            <a:schemeClr val="accent1">
+              <a:shade val="50000"/>
+            </a:schemeClr>
+          </a:lnRef>
+          <a:fillRef idx="1">
+            <a:schemeClr val="accent1"/>
+          </a:fillRef>
+          <a:effectRef idx="0">
+            <a:schemeClr val="accent1"/>
+          </a:effectRef>
+          <a:fontRef idx="minor">
+            <a:schemeClr val="lt1"/>
+          </a:fontRef>
+        </p:style>
+        <p:txBody>
+          <a:bodyPr rtlCol="0" anchor="ctr"/>
+          <a:lstStyle/>
+          <a:p>
+            <a:pPr algn="ctr"/>
+            <a:r>
+              <a:rPr lang="ko-KR" altLang="en-US" sz="1000" dirty="0">
+                <a:solidFill>
+                  <a:schemeClr val="tx1"/>
+                </a:solidFill>
+              </a:rPr>
+              <a:t>결제완료</a:t>
+            </a:r>
+            <a:endParaRPr lang="en-US" altLang="ko-KR" sz="1000" dirty="0">
+              <a:solidFill>
+                <a:schemeClr val="tx1"/>
+              </a:solidFill>
+            </a:endParaRPr>
+          </a:p>
+          <a:p>
+            <a:pPr algn="ctr"/>
             <a:r>
               <a:rPr lang="en-US" altLang="ko-KR" sz="1000" dirty="0">
                 <a:solidFill>
@@ -9422,7 +10190,7 @@
                   <a:schemeClr val="tx1"/>
                 </a:solidFill>
               </a:rPr>
-              <a:t>정렬</a:t>
+              <a:t>주문번호 제공</a:t>
             </a:r>
             <a:r>
               <a:rPr lang="en-US" altLang="ko-KR" sz="1000" dirty="0">
@@ -9440,12 +10208,57 @@
           </a:p>
         </p:txBody>
       </p:sp>
-      <p:sp>
-        <p:nvSpPr>
-          <p:cNvPr id="49" name="직사각형 48">
-            <a:extLst>
-              <a:ext uri="{FF2B5EF4-FFF2-40B4-BE49-F238E27FC236}">
-                <a16:creationId xmlns:a16="http://schemas.microsoft.com/office/drawing/2014/main" id="{93D44383-C85C-4530-B0BF-0558164F8DA0}"/>
+      <p:cxnSp>
+        <p:nvCxnSpPr>
+          <p:cNvPr id="39" name="직선 화살표 연결선 38">
+            <a:extLst>
+              <a:ext uri="{FF2B5EF4-FFF2-40B4-BE49-F238E27FC236}">
+                <a16:creationId xmlns:a16="http://schemas.microsoft.com/office/drawing/2014/main" id="{D4FB7BC9-5C9B-4294-AF24-11E87EEABE49}"/>
+              </a:ext>
+            </a:extLst>
+          </p:cNvPr>
+          <p:cNvCxnSpPr>
+            <a:stCxn id="66" idx="3"/>
+            <a:endCxn id="69" idx="1"/>
+          </p:cNvCxnSpPr>
+          <p:nvPr/>
+        </p:nvCxnSpPr>
+        <p:spPr>
+          <a:xfrm>
+            <a:off x="8562044" y="4188728"/>
+            <a:ext cx="374192" cy="0"/>
+          </a:xfrm>
+          <a:prstGeom prst="straightConnector1">
+            <a:avLst/>
+          </a:prstGeom>
+          <a:ln>
+            <a:solidFill>
+              <a:srgbClr val="7030A0"/>
+            </a:solidFill>
+            <a:tailEnd type="triangle"/>
+          </a:ln>
+        </p:spPr>
+        <p:style>
+          <a:lnRef idx="1">
+            <a:schemeClr val="accent1"/>
+          </a:lnRef>
+          <a:fillRef idx="0">
+            <a:schemeClr val="accent1"/>
+          </a:fillRef>
+          <a:effectRef idx="0">
+            <a:schemeClr val="accent1"/>
+          </a:effectRef>
+          <a:fontRef idx="minor">
+            <a:schemeClr val="tx1"/>
+          </a:fontRef>
+        </p:style>
+      </p:cxnSp>
+      <p:sp>
+        <p:nvSpPr>
+          <p:cNvPr id="73" name="직사각형 72">
+            <a:extLst>
+              <a:ext uri="{FF2B5EF4-FFF2-40B4-BE49-F238E27FC236}">
+                <a16:creationId xmlns:a16="http://schemas.microsoft.com/office/drawing/2014/main" id="{F9D55F58-4201-4B04-856B-A8DE18C40C4A}"/>
               </a:ext>
             </a:extLst>
           </p:cNvPr>
@@ -9454,8 +10267,8 @@
         </p:nvSpPr>
         <p:spPr>
           <a:xfrm>
-            <a:off x="2383382" y="5330997"/>
-            <a:ext cx="1051673" cy="943717"/>
+            <a:off x="7750395" y="1475292"/>
+            <a:ext cx="868184" cy="937994"/>
           </a:xfrm>
           <a:prstGeom prst="rect">
             <a:avLst/>
@@ -9517,38 +10330,39 @@
                   <a:schemeClr val="tx1"/>
                 </a:solidFill>
               </a:rPr>
-              <a:t>장바구니</a:t>
+              <a:t>결제완료</a:t>
             </a:r>
           </a:p>
         </p:txBody>
       </p:sp>
       <p:cxnSp>
         <p:nvCxnSpPr>
-          <p:cNvPr id="9" name="직선 연결선 8">
-            <a:extLst>
-              <a:ext uri="{FF2B5EF4-FFF2-40B4-BE49-F238E27FC236}">
-                <a16:creationId xmlns:a16="http://schemas.microsoft.com/office/drawing/2014/main" id="{99D14F55-1653-4274-A04A-BC1885703342}"/>
+          <p:cNvPr id="43" name="직선 화살표 연결선 42">
+            <a:extLst>
+              <a:ext uri="{FF2B5EF4-FFF2-40B4-BE49-F238E27FC236}">
+                <a16:creationId xmlns:a16="http://schemas.microsoft.com/office/drawing/2014/main" id="{FBAAB932-10C3-4B48-A663-0D3AEF0D1677}"/>
               </a:ext>
             </a:extLst>
           </p:cNvPr>
           <p:cNvCxnSpPr>
-            <a:stCxn id="42" idx="3"/>
-            <a:endCxn id="44" idx="1"/>
+            <a:stCxn id="41" idx="3"/>
+            <a:endCxn id="73" idx="1"/>
           </p:cNvCxnSpPr>
           <p:nvPr/>
         </p:nvCxnSpPr>
         <p:spPr>
-          <a:xfrm flipV="1">
-            <a:off x="1968126" y="967843"/>
-            <a:ext cx="415256" cy="2410353"/>
-          </a:xfrm>
-          <a:prstGeom prst="line">
+          <a:xfrm>
+            <a:off x="6827046" y="1944289"/>
+            <a:ext cx="923349" cy="0"/>
+          </a:xfrm>
+          <a:prstGeom prst="straightConnector1">
             <a:avLst/>
           </a:prstGeom>
           <a:ln>
             <a:solidFill>
               <a:srgbClr val="7030A0"/>
             </a:solidFill>
+            <a:tailEnd type="triangle"/>
           </a:ln>
         </p:spPr>
         <p:style>
@@ -9566,190 +10380,12 @@
           </a:fontRef>
         </p:style>
       </p:cxnSp>
-      <p:cxnSp>
-        <p:nvCxnSpPr>
-          <p:cNvPr id="15" name="직선 연결선 14">
-            <a:extLst>
-              <a:ext uri="{FF2B5EF4-FFF2-40B4-BE49-F238E27FC236}">
-                <a16:creationId xmlns:a16="http://schemas.microsoft.com/office/drawing/2014/main" id="{E6E982FA-AF62-4767-AC3A-B5F8544DC293}"/>
-              </a:ext>
-            </a:extLst>
-          </p:cNvPr>
-          <p:cNvCxnSpPr>
-            <a:stCxn id="42" idx="3"/>
-            <a:endCxn id="48" idx="1"/>
-          </p:cNvCxnSpPr>
-          <p:nvPr/>
-        </p:nvCxnSpPr>
-        <p:spPr>
-          <a:xfrm>
-            <a:off x="1968126" y="3378197"/>
-            <a:ext cx="415256" cy="7152"/>
-          </a:xfrm>
-          <a:prstGeom prst="line">
-            <a:avLst/>
-          </a:prstGeom>
-          <a:ln>
-            <a:solidFill>
-              <a:srgbClr val="7030A0"/>
-            </a:solidFill>
-          </a:ln>
-        </p:spPr>
-        <p:style>
-          <a:lnRef idx="1">
-            <a:schemeClr val="accent1"/>
-          </a:lnRef>
-          <a:fillRef idx="0">
-            <a:schemeClr val="accent1"/>
-          </a:fillRef>
-          <a:effectRef idx="0">
-            <a:schemeClr val="accent1"/>
-          </a:effectRef>
-          <a:fontRef idx="minor">
-            <a:schemeClr val="tx1"/>
-          </a:fontRef>
-        </p:style>
-      </p:cxnSp>
-      <p:cxnSp>
-        <p:nvCxnSpPr>
-          <p:cNvPr id="18" name="직선 연결선 17">
-            <a:extLst>
-              <a:ext uri="{FF2B5EF4-FFF2-40B4-BE49-F238E27FC236}">
-                <a16:creationId xmlns:a16="http://schemas.microsoft.com/office/drawing/2014/main" id="{1FE60999-0648-4022-B32F-B6B3984347B9}"/>
-              </a:ext>
-            </a:extLst>
-          </p:cNvPr>
-          <p:cNvCxnSpPr>
-            <a:stCxn id="42" idx="3"/>
-            <a:endCxn id="49" idx="1"/>
-          </p:cNvCxnSpPr>
-          <p:nvPr/>
-        </p:nvCxnSpPr>
-        <p:spPr>
-          <a:xfrm>
-            <a:off x="1968126" y="3378197"/>
-            <a:ext cx="415256" cy="2424659"/>
-          </a:xfrm>
-          <a:prstGeom prst="line">
-            <a:avLst/>
-          </a:prstGeom>
-          <a:ln>
-            <a:solidFill>
-              <a:srgbClr val="7030A0"/>
-            </a:solidFill>
-          </a:ln>
-        </p:spPr>
-        <p:style>
-          <a:lnRef idx="1">
-            <a:schemeClr val="accent1"/>
-          </a:lnRef>
-          <a:fillRef idx="0">
-            <a:schemeClr val="accent1"/>
-          </a:fillRef>
-          <a:effectRef idx="0">
-            <a:schemeClr val="accent1"/>
-          </a:effectRef>
-          <a:fontRef idx="minor">
-            <a:schemeClr val="tx1"/>
-          </a:fontRef>
-        </p:style>
-      </p:cxnSp>
-      <p:cxnSp>
-        <p:nvCxnSpPr>
-          <p:cNvPr id="22" name="직선 화살표 연결선 21">
-            <a:extLst>
-              <a:ext uri="{FF2B5EF4-FFF2-40B4-BE49-F238E27FC236}">
-                <a16:creationId xmlns:a16="http://schemas.microsoft.com/office/drawing/2014/main" id="{9472C8FF-5845-4B63-B0EA-80FB42F6A682}"/>
-              </a:ext>
-            </a:extLst>
-          </p:cNvPr>
-          <p:cNvCxnSpPr>
-            <a:stCxn id="44" idx="3"/>
-            <a:endCxn id="46" idx="1"/>
-          </p:cNvCxnSpPr>
-          <p:nvPr/>
-        </p:nvCxnSpPr>
-        <p:spPr>
-          <a:xfrm>
-            <a:off x="3435055" y="967844"/>
-            <a:ext cx="1065931" cy="2430780"/>
-          </a:xfrm>
-          <a:prstGeom prst="straightConnector1">
-            <a:avLst/>
-          </a:prstGeom>
-          <a:ln>
-            <a:solidFill>
-              <a:srgbClr val="7030A0"/>
-            </a:solidFill>
-            <a:tailEnd type="triangle"/>
-          </a:ln>
-        </p:spPr>
-        <p:style>
-          <a:lnRef idx="1">
-            <a:schemeClr val="accent1"/>
-          </a:lnRef>
-          <a:fillRef idx="0">
-            <a:schemeClr val="accent1"/>
-          </a:fillRef>
-          <a:effectRef idx="0">
-            <a:schemeClr val="accent1"/>
-          </a:effectRef>
-          <a:fontRef idx="minor">
-            <a:schemeClr val="tx1"/>
-          </a:fontRef>
-        </p:style>
-      </p:cxnSp>
-      <p:cxnSp>
-        <p:nvCxnSpPr>
-          <p:cNvPr id="24" name="직선 화살표 연결선 23">
-            <a:extLst>
-              <a:ext uri="{FF2B5EF4-FFF2-40B4-BE49-F238E27FC236}">
-                <a16:creationId xmlns:a16="http://schemas.microsoft.com/office/drawing/2014/main" id="{A25606F2-86D3-4F44-9855-9FCD5B73DBB8}"/>
-              </a:ext>
-            </a:extLst>
-          </p:cNvPr>
-          <p:cNvCxnSpPr>
-            <a:stCxn id="48" idx="3"/>
-            <a:endCxn id="46" idx="1"/>
-          </p:cNvCxnSpPr>
-          <p:nvPr/>
-        </p:nvCxnSpPr>
-        <p:spPr>
-          <a:xfrm>
-            <a:off x="3435055" y="3385350"/>
-            <a:ext cx="1065931" cy="13275"/>
-          </a:xfrm>
-          <a:prstGeom prst="straightConnector1">
-            <a:avLst/>
-          </a:prstGeom>
-          <a:ln>
-            <a:solidFill>
-              <a:srgbClr val="7030A0"/>
-            </a:solidFill>
-            <a:tailEnd type="triangle"/>
-          </a:ln>
-        </p:spPr>
-        <p:style>
-          <a:lnRef idx="1">
-            <a:schemeClr val="accent1"/>
-          </a:lnRef>
-          <a:fillRef idx="0">
-            <a:schemeClr val="accent1"/>
-          </a:fillRef>
-          <a:effectRef idx="0">
-            <a:schemeClr val="accent1"/>
-          </a:effectRef>
-          <a:fontRef idx="minor">
-            <a:schemeClr val="tx1"/>
-          </a:fontRef>
-        </p:style>
-      </p:cxnSp>
-      <p:sp>
-        <p:nvSpPr>
-          <p:cNvPr id="68" name="직사각형 67">
-            <a:extLst>
-              <a:ext uri="{FF2B5EF4-FFF2-40B4-BE49-F238E27FC236}">
-                <a16:creationId xmlns:a16="http://schemas.microsoft.com/office/drawing/2014/main" id="{A91BF4FA-0DDA-466F-995C-FD46FFC06DB9}"/>
+      <p:sp>
+        <p:nvSpPr>
+          <p:cNvPr id="75" name="직사각형 74">
+            <a:extLst>
+              <a:ext uri="{FF2B5EF4-FFF2-40B4-BE49-F238E27FC236}">
+                <a16:creationId xmlns:a16="http://schemas.microsoft.com/office/drawing/2014/main" id="{03BCAD77-E5BC-4FCE-A872-60C65ED7BCEB}"/>
               </a:ext>
             </a:extLst>
           </p:cNvPr>
@@ -9758,8 +10394,8 @@
         </p:nvSpPr>
         <p:spPr>
           <a:xfrm>
-            <a:off x="6407017" y="1331420"/>
-            <a:ext cx="1051673" cy="943717"/>
+            <a:off x="10561816" y="2715899"/>
+            <a:ext cx="868184" cy="937994"/>
           </a:xfrm>
           <a:prstGeom prst="rect">
             <a:avLst/>
@@ -9767,19 +10403,19 @@
           <a:gradFill flip="none" rotWithShape="1">
             <a:gsLst>
               <a:gs pos="0">
-                <a:srgbClr val="7030A0">
+                <a:srgbClr val="0000FF">
                   <a:tint val="66000"/>
                   <a:satMod val="160000"/>
                 </a:srgbClr>
               </a:gs>
               <a:gs pos="50000">
-                <a:srgbClr val="7030A0">
+                <a:srgbClr val="0000FF">
                   <a:tint val="44500"/>
                   <a:satMod val="160000"/>
                 </a:srgbClr>
               </a:gs>
               <a:gs pos="100000">
-                <a:srgbClr val="7030A0">
+                <a:srgbClr val="0000FF">
                   <a:tint val="23500"/>
                   <a:satMod val="160000"/>
                 </a:srgbClr>
@@ -9790,7 +10426,7 @@
           </a:gradFill>
           <a:ln>
             <a:solidFill>
-              <a:srgbClr val="7030A0"/>
+              <a:srgbClr val="0000FF"/>
             </a:solidFill>
           </a:ln>
         </p:spPr>
@@ -9821,30 +10457,30 @@
                   <a:schemeClr val="tx1"/>
                 </a:solidFill>
               </a:rPr>
-              <a:t>상세보기</a:t>
+              <a:t>주문조회</a:t>
             </a:r>
           </a:p>
         </p:txBody>
       </p:sp>
       <p:cxnSp>
         <p:nvCxnSpPr>
-          <p:cNvPr id="30" name="직선 화살표 연결선 29">
-            <a:extLst>
-              <a:ext uri="{FF2B5EF4-FFF2-40B4-BE49-F238E27FC236}">
-                <a16:creationId xmlns:a16="http://schemas.microsoft.com/office/drawing/2014/main" id="{6466CAAE-2C61-4D91-AF69-B3F100F8E5D0}"/>
+          <p:cNvPr id="51" name="직선 화살표 연결선 50">
+            <a:extLst>
+              <a:ext uri="{FF2B5EF4-FFF2-40B4-BE49-F238E27FC236}">
+                <a16:creationId xmlns:a16="http://schemas.microsoft.com/office/drawing/2014/main" id="{EF78AFB0-B0FF-45CD-8526-4EE044C3A343}"/>
               </a:ext>
             </a:extLst>
           </p:cNvPr>
           <p:cNvCxnSpPr>
-            <a:stCxn id="46" idx="3"/>
-            <a:endCxn id="68" idx="1"/>
+            <a:stCxn id="69" idx="3"/>
+            <a:endCxn id="75" idx="1"/>
           </p:cNvCxnSpPr>
           <p:nvPr/>
         </p:nvCxnSpPr>
         <p:spPr>
           <a:xfrm flipV="1">
-            <a:off x="5552659" y="1803279"/>
-            <a:ext cx="854358" cy="1595345"/>
+            <a:off x="9804420" y="3184896"/>
+            <a:ext cx="757396" cy="1003832"/>
           </a:xfrm>
           <a:prstGeom prst="straightConnector1">
             <a:avLst/>
@@ -9871,12 +10507,87 @@
           </a:fontRef>
         </p:style>
       </p:cxnSp>
-      <p:sp>
-        <p:nvSpPr>
-          <p:cNvPr id="70" name="직사각형 69">
-            <a:extLst>
-              <a:ext uri="{FF2B5EF4-FFF2-40B4-BE49-F238E27FC236}">
-                <a16:creationId xmlns:a16="http://schemas.microsoft.com/office/drawing/2014/main" id="{C749FC82-64E9-4471-9595-3DA23C06175E}"/>
+      <p:cxnSp>
+        <p:nvCxnSpPr>
+          <p:cNvPr id="54" name="직선 화살표 연결선 53">
+            <a:extLst>
+              <a:ext uri="{FF2B5EF4-FFF2-40B4-BE49-F238E27FC236}">
+                <a16:creationId xmlns:a16="http://schemas.microsoft.com/office/drawing/2014/main" id="{E1318AB0-9B86-4625-9171-53EA9ACACD2D}"/>
+              </a:ext>
+            </a:extLst>
+          </p:cNvPr>
+          <p:cNvCxnSpPr>
+            <a:stCxn id="73" idx="3"/>
+            <a:endCxn id="75" idx="1"/>
+          </p:cNvCxnSpPr>
+          <p:nvPr/>
+        </p:nvCxnSpPr>
+        <p:spPr>
+          <a:xfrm>
+            <a:off x="8618579" y="1944289"/>
+            <a:ext cx="1943237" cy="1240607"/>
+          </a:xfrm>
+          <a:prstGeom prst="straightConnector1">
+            <a:avLst/>
+          </a:prstGeom>
+          <a:ln>
+            <a:solidFill>
+              <a:srgbClr val="7030A0"/>
+            </a:solidFill>
+            <a:tailEnd type="triangle"/>
+          </a:ln>
+        </p:spPr>
+        <p:style>
+          <a:lnRef idx="1">
+            <a:schemeClr val="accent1"/>
+          </a:lnRef>
+          <a:fillRef idx="0">
+            <a:schemeClr val="accent1"/>
+          </a:fillRef>
+          <a:effectRef idx="0">
+            <a:schemeClr val="accent1"/>
+          </a:effectRef>
+          <a:fontRef idx="minor">
+            <a:schemeClr val="tx1"/>
+          </a:fontRef>
+        </p:style>
+      </p:cxnSp>
+    </p:spTree>
+    <p:extLst>
+      <p:ext uri="{BB962C8B-B14F-4D97-AF65-F5344CB8AC3E}">
+        <p14:creationId xmlns:p14="http://schemas.microsoft.com/office/powerpoint/2010/main" val="3509807082"/>
+      </p:ext>
+    </p:extLst>
+  </p:cSld>
+  <p:clrMapOvr>
+    <a:masterClrMapping/>
+  </p:clrMapOvr>
+</p:sld>
+</file>
+
+<file path=ppt/slides/slide4.xml><?xml version="1.0" encoding="utf-8"?>
+<p:sld xmlns:a="http://schemas.openxmlformats.org/drawingml/2006/main" xmlns:r="http://schemas.openxmlformats.org/officeDocument/2006/relationships" xmlns:p="http://schemas.openxmlformats.org/presentationml/2006/main">
+  <p:cSld>
+    <p:spTree>
+      <p:nvGrpSpPr>
+        <p:cNvPr id="1" name=""/>
+        <p:cNvGrpSpPr/>
+        <p:nvPr/>
+      </p:nvGrpSpPr>
+      <p:grpSpPr>
+        <a:xfrm>
+          <a:off x="0" y="0"/>
+          <a:ext cx="0" cy="0"/>
+          <a:chOff x="0" y="0"/>
+          <a:chExt cx="0" cy="0"/>
+        </a:xfrm>
+      </p:grpSpPr>
+      <p:sp>
+        <p:nvSpPr>
+          <p:cNvPr id="112" name="직사각형 111">
+            <a:extLst>
+              <a:ext uri="{FF2B5EF4-FFF2-40B4-BE49-F238E27FC236}">
+                <a16:creationId xmlns:a16="http://schemas.microsoft.com/office/drawing/2014/main" id="{2CC308C1-609D-4520-9DBF-AE88C583643E}"/>
               </a:ext>
             </a:extLst>
           </p:cNvPr>
@@ -9885,28 +10596,89 @@
         </p:nvSpPr>
         <p:spPr>
           <a:xfrm>
-            <a:off x="4723421" y="5330997"/>
-            <a:ext cx="1051673" cy="943717"/>
+            <a:off x="4941307" y="-1461952"/>
+            <a:ext cx="1219874" cy="970197"/>
           </a:xfrm>
           <a:prstGeom prst="rect">
+            <a:avLst/>
+          </a:prstGeom>
+          <a:solidFill>
+            <a:srgbClr val="0000FF"/>
+          </a:solidFill>
+          <a:ln>
+            <a:solidFill>
+              <a:srgbClr val="0000FF"/>
+            </a:solidFill>
+          </a:ln>
+        </p:spPr>
+        <p:style>
+          <a:lnRef idx="2">
+            <a:schemeClr val="accent1">
+              <a:shade val="50000"/>
+            </a:schemeClr>
+          </a:lnRef>
+          <a:fillRef idx="1">
+            <a:schemeClr val="accent1"/>
+          </a:fillRef>
+          <a:effectRef idx="0">
+            <a:schemeClr val="accent1"/>
+          </a:effectRef>
+          <a:fontRef idx="minor">
+            <a:schemeClr val="lt1"/>
+          </a:fontRef>
+        </p:style>
+        <p:txBody>
+          <a:bodyPr rtlCol="0" anchor="ctr"/>
+          <a:lstStyle/>
+          <a:p>
+            <a:pPr algn="ctr"/>
+            <a:r>
+              <a:rPr lang="ko-KR" altLang="en-US" sz="1200" dirty="0">
+                <a:solidFill>
+                  <a:schemeClr val="bg1"/>
+                </a:solidFill>
+              </a:rPr>
+              <a:t>주문조회</a:t>
+            </a:r>
+          </a:p>
+        </p:txBody>
+      </p:sp>
+      <p:sp>
+        <p:nvSpPr>
+          <p:cNvPr id="5" name="웃는 얼굴 4">
+            <a:extLst>
+              <a:ext uri="{FF2B5EF4-FFF2-40B4-BE49-F238E27FC236}">
+                <a16:creationId xmlns:a16="http://schemas.microsoft.com/office/drawing/2014/main" id="{659F39EF-DDE7-4B7D-8AC0-56F473AF5DFC}"/>
+              </a:ext>
+            </a:extLst>
+          </p:cNvPr>
+          <p:cNvSpPr/>
+          <p:nvPr/>
+        </p:nvSpPr>
+        <p:spPr>
+          <a:xfrm>
+            <a:off x="2616200" y="3365046"/>
+            <a:ext cx="447573" cy="1065902"/>
+          </a:xfrm>
+          <a:prstGeom prst="smileyFace">
             <a:avLst/>
           </a:prstGeom>
           <a:gradFill flip="none" rotWithShape="1">
             <a:gsLst>
               <a:gs pos="0">
-                <a:srgbClr val="7030A0">
+                <a:srgbClr val="0000FF">
                   <a:tint val="66000"/>
                   <a:satMod val="160000"/>
                 </a:srgbClr>
               </a:gs>
               <a:gs pos="50000">
-                <a:srgbClr val="7030A0">
+                <a:srgbClr val="0000FF">
                   <a:tint val="44500"/>
                   <a:satMod val="160000"/>
                 </a:srgbClr>
               </a:gs>
               <a:gs pos="100000">
-                <a:srgbClr val="7030A0">
+                <a:srgbClr val="0000FF">
                   <a:tint val="23500"/>
                   <a:satMod val="160000"/>
                 </a:srgbClr>
@@ -9917,7 +10689,7 @@
           </a:gradFill>
           <a:ln>
             <a:solidFill>
-              <a:srgbClr val="7030A0"/>
+              <a:srgbClr val="0000FF"/>
             </a:solidFill>
           </a:ln>
         </p:spPr>
@@ -9942,68 +10714,20 @@
           <a:lstStyle/>
           <a:p>
             <a:pPr algn="ctr"/>
-            <a:r>
-              <a:rPr lang="ko-KR" altLang="en-US" sz="1000" dirty="0">
-                <a:solidFill>
-                  <a:schemeClr val="tx1"/>
-                </a:solidFill>
-              </a:rPr>
-              <a:t>구매</a:t>
-            </a:r>
-          </a:p>
-        </p:txBody>
-      </p:sp>
-      <p:cxnSp>
-        <p:nvCxnSpPr>
-          <p:cNvPr id="32" name="직선 화살표 연결선 31">
-            <a:extLst>
-              <a:ext uri="{FF2B5EF4-FFF2-40B4-BE49-F238E27FC236}">
-                <a16:creationId xmlns:a16="http://schemas.microsoft.com/office/drawing/2014/main" id="{C75278A8-C495-45DA-A665-89A7DA64F9FC}"/>
-              </a:ext>
-            </a:extLst>
-          </p:cNvPr>
-          <p:cNvCxnSpPr>
-            <a:stCxn id="49" idx="3"/>
-            <a:endCxn id="70" idx="1"/>
-          </p:cNvCxnSpPr>
-          <p:nvPr/>
-        </p:nvCxnSpPr>
-        <p:spPr>
-          <a:xfrm>
-            <a:off x="3435055" y="5802856"/>
-            <a:ext cx="1288367" cy="0"/>
-          </a:xfrm>
-          <a:prstGeom prst="straightConnector1">
-            <a:avLst/>
-          </a:prstGeom>
-          <a:ln>
-            <a:solidFill>
-              <a:srgbClr val="7030A0"/>
-            </a:solidFill>
-            <a:tailEnd type="triangle"/>
-          </a:ln>
-        </p:spPr>
-        <p:style>
-          <a:lnRef idx="1">
-            <a:schemeClr val="accent1"/>
-          </a:lnRef>
-          <a:fillRef idx="0">
-            <a:schemeClr val="accent1"/>
-          </a:fillRef>
-          <a:effectRef idx="0">
-            <a:schemeClr val="accent1"/>
-          </a:effectRef>
-          <a:fontRef idx="minor">
-            <a:schemeClr val="tx1"/>
-          </a:fontRef>
-        </p:style>
-      </p:cxnSp>
-      <p:sp>
-        <p:nvSpPr>
-          <p:cNvPr id="72" name="직사각형 71">
-            <a:extLst>
-              <a:ext uri="{FF2B5EF4-FFF2-40B4-BE49-F238E27FC236}">
-                <a16:creationId xmlns:a16="http://schemas.microsoft.com/office/drawing/2014/main" id="{98C2BE94-FC2A-4834-9237-83FD99429103}"/>
+            <a:endParaRPr lang="ko-KR" altLang="en-US" sz="1000">
+              <a:solidFill>
+                <a:schemeClr val="tx1"/>
+              </a:solidFill>
+            </a:endParaRPr>
+          </a:p>
+        </p:txBody>
+      </p:sp>
+      <p:sp>
+        <p:nvSpPr>
+          <p:cNvPr id="6" name="직사각형 5">
+            <a:extLst>
+              <a:ext uri="{FF2B5EF4-FFF2-40B4-BE49-F238E27FC236}">
+                <a16:creationId xmlns:a16="http://schemas.microsoft.com/office/drawing/2014/main" id="{D0827DE3-2E11-4F54-A476-804FDA1EE7EF}"/>
               </a:ext>
             </a:extLst>
           </p:cNvPr>
@@ -10012,8 +10736,8 @@
         </p:nvSpPr>
         <p:spPr>
           <a:xfrm>
-            <a:off x="8844406" y="239562"/>
-            <a:ext cx="1051673" cy="943717"/>
+            <a:off x="2616200" y="4544644"/>
+            <a:ext cx="577850" cy="252794"/>
           </a:xfrm>
           <a:prstGeom prst="rect">
             <a:avLst/>
@@ -10021,19 +10745,19 @@
           <a:gradFill flip="none" rotWithShape="1">
             <a:gsLst>
               <a:gs pos="0">
-                <a:srgbClr val="7030A0">
+                <a:srgbClr val="0000FF">
                   <a:tint val="66000"/>
                   <a:satMod val="160000"/>
                 </a:srgbClr>
               </a:gs>
               <a:gs pos="50000">
-                <a:srgbClr val="7030A0">
+                <a:srgbClr val="0000FF">
                   <a:tint val="44500"/>
                   <a:satMod val="160000"/>
                 </a:srgbClr>
               </a:gs>
               <a:gs pos="100000">
-                <a:srgbClr val="7030A0">
+                <a:srgbClr val="0000FF">
                   <a:tint val="23500"/>
                   <a:satMod val="160000"/>
                 </a:srgbClr>
@@ -10044,7 +10768,7 @@
           </a:gradFill>
           <a:ln>
             <a:solidFill>
-              <a:srgbClr val="7030A0"/>
+              <a:srgbClr val="0000FF"/>
             </a:solidFill>
           </a:ln>
         </p:spPr>
@@ -10075,63 +10799,17 @@
                   <a:schemeClr val="tx1"/>
                 </a:solidFill>
               </a:rPr>
-              <a:t>장바구니 담기</a:t>
-            </a:r>
-          </a:p>
-        </p:txBody>
-      </p:sp>
-      <p:cxnSp>
-        <p:nvCxnSpPr>
-          <p:cNvPr id="34" name="직선 화살표 연결선 33">
-            <a:extLst>
-              <a:ext uri="{FF2B5EF4-FFF2-40B4-BE49-F238E27FC236}">
-                <a16:creationId xmlns:a16="http://schemas.microsoft.com/office/drawing/2014/main" id="{636065C5-BD97-4ED0-9BD1-186AD2E309BF}"/>
-              </a:ext>
-            </a:extLst>
-          </p:cNvPr>
-          <p:cNvCxnSpPr>
-            <a:cxnSpLocks/>
-            <a:stCxn id="68" idx="3"/>
-            <a:endCxn id="72" idx="1"/>
-          </p:cNvCxnSpPr>
-          <p:nvPr/>
-        </p:nvCxnSpPr>
-        <p:spPr>
-          <a:xfrm flipV="1">
-            <a:off x="7458690" y="711421"/>
-            <a:ext cx="1385717" cy="1091858"/>
-          </a:xfrm>
-          <a:prstGeom prst="straightConnector1">
-            <a:avLst/>
-          </a:prstGeom>
-          <a:ln>
-            <a:solidFill>
-              <a:srgbClr val="7030A0"/>
-            </a:solidFill>
-            <a:tailEnd type="triangle"/>
-          </a:ln>
-        </p:spPr>
-        <p:style>
-          <a:lnRef idx="1">
-            <a:schemeClr val="accent1"/>
-          </a:lnRef>
-          <a:fillRef idx="0">
-            <a:schemeClr val="accent1"/>
-          </a:fillRef>
-          <a:effectRef idx="0">
-            <a:schemeClr val="accent1"/>
-          </a:effectRef>
-          <a:fontRef idx="minor">
-            <a:schemeClr val="tx1"/>
-          </a:fontRef>
-        </p:style>
-      </p:cxnSp>
-      <p:sp>
-        <p:nvSpPr>
-          <p:cNvPr id="77" name="직사각형 76">
-            <a:extLst>
-              <a:ext uri="{FF2B5EF4-FFF2-40B4-BE49-F238E27FC236}">
-                <a16:creationId xmlns:a16="http://schemas.microsoft.com/office/drawing/2014/main" id="{3667AF38-F01D-4821-BB12-8CD6244BFD00}"/>
+              <a:t>사용자</a:t>
+            </a:r>
+          </a:p>
+        </p:txBody>
+      </p:sp>
+      <p:sp>
+        <p:nvSpPr>
+          <p:cNvPr id="42" name="직사각형 41">
+            <a:extLst>
+              <a:ext uri="{FF2B5EF4-FFF2-40B4-BE49-F238E27FC236}">
+                <a16:creationId xmlns:a16="http://schemas.microsoft.com/office/drawing/2014/main" id="{6B423E40-BE79-4CA9-93D6-4F31AAC63469}"/>
               </a:ext>
             </a:extLst>
           </p:cNvPr>
@@ -10140,8 +10818,8 @@
         </p:nvSpPr>
         <p:spPr>
           <a:xfrm>
-            <a:off x="10975227" y="229349"/>
-            <a:ext cx="1051673" cy="943717"/>
+            <a:off x="3267915" y="3429001"/>
+            <a:ext cx="868184" cy="937994"/>
           </a:xfrm>
           <a:prstGeom prst="rect">
             <a:avLst/>
@@ -10149,19 +10827,19 @@
           <a:gradFill flip="none" rotWithShape="1">
             <a:gsLst>
               <a:gs pos="0">
-                <a:srgbClr val="7030A0">
+                <a:srgbClr val="0000FF">
                   <a:tint val="66000"/>
                   <a:satMod val="160000"/>
                 </a:srgbClr>
               </a:gs>
               <a:gs pos="50000">
-                <a:srgbClr val="7030A0">
+                <a:srgbClr val="0000FF">
                   <a:tint val="44500"/>
                   <a:satMod val="160000"/>
                 </a:srgbClr>
               </a:gs>
               <a:gs pos="100000">
-                <a:srgbClr val="7030A0">
+                <a:srgbClr val="0000FF">
                   <a:tint val="23500"/>
                   <a:satMod val="160000"/>
                 </a:srgbClr>
@@ -10172,7 +10850,7 @@
           </a:gradFill>
           <a:ln>
             <a:solidFill>
-              <a:srgbClr val="7030A0"/>
+              <a:srgbClr val="0000FF"/>
             </a:solidFill>
           </a:ln>
         </p:spPr>
@@ -10203,37 +10881,37 @@
                   <a:schemeClr val="tx1"/>
                 </a:solidFill>
               </a:rPr>
-              <a:t>구매</a:t>
+              <a:t>주문조회</a:t>
             </a:r>
           </a:p>
         </p:txBody>
       </p:sp>
       <p:cxnSp>
         <p:nvCxnSpPr>
-          <p:cNvPr id="37" name="직선 화살표 연결선 36">
-            <a:extLst>
-              <a:ext uri="{FF2B5EF4-FFF2-40B4-BE49-F238E27FC236}">
-                <a16:creationId xmlns:a16="http://schemas.microsoft.com/office/drawing/2014/main" id="{D2B56232-AD91-41DF-BA98-5B4E2144B3A9}"/>
+          <p:cNvPr id="3" name="직선 화살표 연결선 2">
+            <a:extLst>
+              <a:ext uri="{FF2B5EF4-FFF2-40B4-BE49-F238E27FC236}">
+                <a16:creationId xmlns:a16="http://schemas.microsoft.com/office/drawing/2014/main" id="{AFDC733B-20AF-4A36-A71B-433050B15333}"/>
               </a:ext>
             </a:extLst>
           </p:cNvPr>
           <p:cNvCxnSpPr>
-            <a:stCxn id="72" idx="3"/>
-            <a:endCxn id="77" idx="1"/>
+            <a:stCxn id="5" idx="6"/>
+            <a:endCxn id="42" idx="1"/>
           </p:cNvCxnSpPr>
           <p:nvPr/>
         </p:nvCxnSpPr>
         <p:spPr>
-          <a:xfrm flipV="1">
-            <a:off x="9896079" y="701208"/>
-            <a:ext cx="1079148" cy="10213"/>
+          <a:xfrm>
+            <a:off x="3063773" y="3897997"/>
+            <a:ext cx="204143" cy="0"/>
           </a:xfrm>
           <a:prstGeom prst="straightConnector1">
             <a:avLst/>
           </a:prstGeom>
           <a:ln>
             <a:solidFill>
-              <a:srgbClr val="7030A0"/>
+              <a:srgbClr val="0000FF"/>
             </a:solidFill>
             <a:tailEnd type="triangle"/>
           </a:ln>
@@ -10255,10 +10933,10 @@
       </p:cxnSp>
       <p:sp>
         <p:nvSpPr>
-          <p:cNvPr id="86" name="직사각형 85">
-            <a:extLst>
-              <a:ext uri="{FF2B5EF4-FFF2-40B4-BE49-F238E27FC236}">
-                <a16:creationId xmlns:a16="http://schemas.microsoft.com/office/drawing/2014/main" id="{B0CF5270-284F-4662-B45E-9D3FAC1818D2}"/>
+          <p:cNvPr id="27" name="직사각형 26">
+            <a:extLst>
+              <a:ext uri="{FF2B5EF4-FFF2-40B4-BE49-F238E27FC236}">
+                <a16:creationId xmlns:a16="http://schemas.microsoft.com/office/drawing/2014/main" id="{4816353E-CCDB-4818-B42A-307502FA82E6}"/>
               </a:ext>
             </a:extLst>
           </p:cNvPr>
@@ -10267,8 +10945,8 @@
         </p:nvSpPr>
         <p:spPr>
           <a:xfrm>
-            <a:off x="8844406" y="2497585"/>
-            <a:ext cx="1051673" cy="943717"/>
+            <a:off x="5108546" y="1397000"/>
+            <a:ext cx="868184" cy="937994"/>
           </a:xfrm>
           <a:prstGeom prst="rect">
             <a:avLst/>
@@ -10276,19 +10954,19 @@
           <a:gradFill flip="none" rotWithShape="1">
             <a:gsLst>
               <a:gs pos="0">
-                <a:srgbClr val="7030A0">
+                <a:srgbClr val="0000FF">
                   <a:tint val="66000"/>
                   <a:satMod val="160000"/>
                 </a:srgbClr>
               </a:gs>
               <a:gs pos="50000">
-                <a:srgbClr val="7030A0">
+                <a:srgbClr val="0000FF">
                   <a:tint val="44500"/>
                   <a:satMod val="160000"/>
                 </a:srgbClr>
               </a:gs>
               <a:gs pos="100000">
-                <a:srgbClr val="7030A0">
+                <a:srgbClr val="0000FF">
                   <a:tint val="23500"/>
                   <a:satMod val="160000"/>
                 </a:srgbClr>
@@ -10299,7 +10977,7 @@
           </a:gradFill>
           <a:ln>
             <a:solidFill>
-              <a:srgbClr val="7030A0"/>
+              <a:srgbClr val="0000FF"/>
             </a:solidFill>
           </a:ln>
         </p:spPr>
@@ -10330,561 +11008,7 @@
                   <a:schemeClr val="tx1"/>
                 </a:solidFill>
               </a:rPr>
-              <a:t>구매</a:t>
-            </a:r>
-          </a:p>
-        </p:txBody>
-      </p:sp>
-      <p:cxnSp>
-        <p:nvCxnSpPr>
-          <p:cNvPr id="88" name="직선 화살표 연결선 87">
-            <a:extLst>
-              <a:ext uri="{FF2B5EF4-FFF2-40B4-BE49-F238E27FC236}">
-                <a16:creationId xmlns:a16="http://schemas.microsoft.com/office/drawing/2014/main" id="{E6330E35-65BB-4A25-98DE-3AB9EDF43D48}"/>
-              </a:ext>
-            </a:extLst>
-          </p:cNvPr>
-          <p:cNvCxnSpPr>
-            <a:stCxn id="68" idx="3"/>
-            <a:endCxn id="86" idx="1"/>
-          </p:cNvCxnSpPr>
-          <p:nvPr/>
-        </p:nvCxnSpPr>
-        <p:spPr>
-          <a:xfrm>
-            <a:off x="7458690" y="1803279"/>
-            <a:ext cx="1385717" cy="1166165"/>
-          </a:xfrm>
-          <a:prstGeom prst="straightConnector1">
-            <a:avLst/>
-          </a:prstGeom>
-          <a:ln>
-            <a:solidFill>
-              <a:srgbClr val="7030A0"/>
-            </a:solidFill>
-            <a:tailEnd type="triangle"/>
-          </a:ln>
-        </p:spPr>
-        <p:style>
-          <a:lnRef idx="1">
-            <a:schemeClr val="accent1"/>
-          </a:lnRef>
-          <a:fillRef idx="0">
-            <a:schemeClr val="accent1"/>
-          </a:fillRef>
-          <a:effectRef idx="0">
-            <a:schemeClr val="accent1"/>
-          </a:effectRef>
-          <a:fontRef idx="minor">
-            <a:schemeClr val="tx1"/>
-          </a:fontRef>
-        </p:style>
-      </p:cxnSp>
-      <p:sp>
-        <p:nvSpPr>
-          <p:cNvPr id="91" name="직사각형 90">
-            <a:extLst>
-              <a:ext uri="{FF2B5EF4-FFF2-40B4-BE49-F238E27FC236}">
-                <a16:creationId xmlns:a16="http://schemas.microsoft.com/office/drawing/2014/main" id="{B67178E4-C3FC-479F-8147-7371B1307997}"/>
-              </a:ext>
-            </a:extLst>
-          </p:cNvPr>
-          <p:cNvSpPr/>
-          <p:nvPr/>
-        </p:nvSpPr>
-        <p:spPr>
-          <a:xfrm>
-            <a:off x="6407017" y="4142158"/>
-            <a:ext cx="1051673" cy="943717"/>
-          </a:xfrm>
-          <a:prstGeom prst="rect">
-            <a:avLst/>
-          </a:prstGeom>
-          <a:gradFill flip="none" rotWithShape="1">
-            <a:gsLst>
-              <a:gs pos="0">
-                <a:srgbClr val="7030A0">
-                  <a:tint val="66000"/>
-                  <a:satMod val="160000"/>
-                </a:srgbClr>
-              </a:gs>
-              <a:gs pos="50000">
-                <a:srgbClr val="7030A0">
-                  <a:tint val="44500"/>
-                  <a:satMod val="160000"/>
-                </a:srgbClr>
-              </a:gs>
-              <a:gs pos="100000">
-                <a:srgbClr val="7030A0">
-                  <a:tint val="23500"/>
-                  <a:satMod val="160000"/>
-                </a:srgbClr>
-              </a:gs>
-            </a:gsLst>
-            <a:lin ang="2700000" scaled="1"/>
-            <a:tileRect/>
-          </a:gradFill>
-          <a:ln>
-            <a:solidFill>
-              <a:srgbClr val="7030A0"/>
-            </a:solidFill>
-          </a:ln>
-        </p:spPr>
-        <p:style>
-          <a:lnRef idx="2">
-            <a:schemeClr val="accent1">
-              <a:shade val="50000"/>
-            </a:schemeClr>
-          </a:lnRef>
-          <a:fillRef idx="1">
-            <a:schemeClr val="accent1"/>
-          </a:fillRef>
-          <a:effectRef idx="0">
-            <a:schemeClr val="accent1"/>
-          </a:effectRef>
-          <a:fontRef idx="minor">
-            <a:schemeClr val="lt1"/>
-          </a:fontRef>
-        </p:style>
-        <p:txBody>
-          <a:bodyPr rtlCol="0" anchor="ctr"/>
-          <a:lstStyle/>
-          <a:p>
-            <a:pPr algn="ctr"/>
-            <a:r>
-              <a:rPr lang="ko-KR" altLang="en-US" sz="1000" dirty="0">
-                <a:solidFill>
-                  <a:schemeClr val="tx1"/>
-                </a:solidFill>
-              </a:rPr>
-              <a:t>상품 조회</a:t>
-            </a:r>
-            <a:r>
-              <a:rPr lang="en-US" altLang="ko-KR" sz="1000" dirty="0">
-                <a:solidFill>
-                  <a:schemeClr val="tx1"/>
-                </a:solidFill>
-              </a:rPr>
-              <a:t>(</a:t>
-            </a:r>
-            <a:r>
-              <a:rPr lang="ko-KR" altLang="en-US" sz="1000" dirty="0">
-                <a:solidFill>
-                  <a:schemeClr val="tx1"/>
-                </a:solidFill>
-              </a:rPr>
-              <a:t>정렬</a:t>
-            </a:r>
-            <a:r>
-              <a:rPr lang="en-US" altLang="ko-KR" sz="1000" dirty="0">
-                <a:solidFill>
-                  <a:schemeClr val="tx1"/>
-                </a:solidFill>
-              </a:rPr>
-              <a:t>)</a:t>
-            </a:r>
-            <a:endParaRPr lang="ko-KR" altLang="en-US" sz="1000" dirty="0">
-              <a:solidFill>
-                <a:schemeClr val="tx1"/>
-              </a:solidFill>
-            </a:endParaRPr>
-          </a:p>
-        </p:txBody>
-      </p:sp>
-      <p:cxnSp>
-        <p:nvCxnSpPr>
-          <p:cNvPr id="107" name="연결선: 꺾임 106">
-            <a:extLst>
-              <a:ext uri="{FF2B5EF4-FFF2-40B4-BE49-F238E27FC236}">
-                <a16:creationId xmlns:a16="http://schemas.microsoft.com/office/drawing/2014/main" id="{21FF79FB-173D-470B-B3F8-4B18D40DEC3B}"/>
-              </a:ext>
-            </a:extLst>
-          </p:cNvPr>
-          <p:cNvCxnSpPr>
-            <a:stCxn id="46" idx="2"/>
-            <a:endCxn id="91" idx="1"/>
-          </p:cNvCxnSpPr>
-          <p:nvPr/>
-        </p:nvCxnSpPr>
-        <p:spPr>
-          <a:xfrm rot="16200000" flipH="1">
-            <a:off x="5345152" y="3552152"/>
-            <a:ext cx="743535" cy="1380195"/>
-          </a:xfrm>
-          <a:prstGeom prst="bentConnector2">
-            <a:avLst/>
-          </a:prstGeom>
-          <a:ln>
-            <a:solidFill>
-              <a:srgbClr val="7030A0"/>
-            </a:solidFill>
-            <a:tailEnd type="triangle"/>
-          </a:ln>
-        </p:spPr>
-        <p:style>
-          <a:lnRef idx="1">
-            <a:schemeClr val="accent1"/>
-          </a:lnRef>
-          <a:fillRef idx="0">
-            <a:schemeClr val="accent1"/>
-          </a:fillRef>
-          <a:effectRef idx="0">
-            <a:schemeClr val="accent1"/>
-          </a:effectRef>
-          <a:fontRef idx="minor">
-            <a:schemeClr val="tx1"/>
-          </a:fontRef>
-        </p:style>
-      </p:cxnSp>
-      <p:cxnSp>
-        <p:nvCxnSpPr>
-          <p:cNvPr id="109" name="연결선: 꺾임 108">
-            <a:extLst>
-              <a:ext uri="{FF2B5EF4-FFF2-40B4-BE49-F238E27FC236}">
-                <a16:creationId xmlns:a16="http://schemas.microsoft.com/office/drawing/2014/main" id="{0ABBF6AB-234C-4FF8-88BE-B745A4A78298}"/>
-              </a:ext>
-            </a:extLst>
-          </p:cNvPr>
-          <p:cNvCxnSpPr>
-            <a:stCxn id="91" idx="0"/>
-            <a:endCxn id="46" idx="3"/>
-          </p:cNvCxnSpPr>
-          <p:nvPr/>
-        </p:nvCxnSpPr>
-        <p:spPr>
-          <a:xfrm rot="16200000" flipV="1">
-            <a:off x="5870990" y="3080294"/>
-            <a:ext cx="743534" cy="1380195"/>
-          </a:xfrm>
-          <a:prstGeom prst="bentConnector2">
-            <a:avLst/>
-          </a:prstGeom>
-          <a:ln>
-            <a:solidFill>
-              <a:srgbClr val="7030A0"/>
-            </a:solidFill>
-            <a:tailEnd type="triangle"/>
-          </a:ln>
-        </p:spPr>
-        <p:style>
-          <a:lnRef idx="1">
-            <a:schemeClr val="accent1"/>
-          </a:lnRef>
-          <a:fillRef idx="0">
-            <a:schemeClr val="accent1"/>
-          </a:fillRef>
-          <a:effectRef idx="0">
-            <a:schemeClr val="accent1"/>
-          </a:effectRef>
-          <a:fontRef idx="minor">
-            <a:schemeClr val="tx1"/>
-          </a:fontRef>
-        </p:style>
-      </p:cxnSp>
-      <p:sp>
-        <p:nvSpPr>
-          <p:cNvPr id="113" name="순서도: 천공 테이프 112">
-            <a:extLst>
-              <a:ext uri="{FF2B5EF4-FFF2-40B4-BE49-F238E27FC236}">
-                <a16:creationId xmlns:a16="http://schemas.microsoft.com/office/drawing/2014/main" id="{88B0182F-BF99-4ECA-A598-2B093D0C0D54}"/>
-              </a:ext>
-            </a:extLst>
-          </p:cNvPr>
-          <p:cNvSpPr/>
-          <p:nvPr/>
-        </p:nvSpPr>
-        <p:spPr>
-          <a:xfrm>
-            <a:off x="3364728" y="1616679"/>
-            <a:ext cx="1094881" cy="748343"/>
-          </a:xfrm>
-          <a:prstGeom prst="flowChartPunchedTape">
-            <a:avLst/>
-          </a:prstGeom>
-          <a:gradFill flip="none" rotWithShape="1">
-            <a:gsLst>
-              <a:gs pos="0">
-                <a:srgbClr val="7030A0">
-                  <a:tint val="66000"/>
-                  <a:satMod val="160000"/>
-                </a:srgbClr>
-              </a:gs>
-              <a:gs pos="50000">
-                <a:srgbClr val="7030A0">
-                  <a:tint val="44500"/>
-                  <a:satMod val="160000"/>
-                </a:srgbClr>
-              </a:gs>
-              <a:gs pos="100000">
-                <a:srgbClr val="7030A0">
-                  <a:tint val="23500"/>
-                  <a:satMod val="160000"/>
-                </a:srgbClr>
-              </a:gs>
-            </a:gsLst>
-            <a:lin ang="2700000" scaled="1"/>
-            <a:tileRect/>
-          </a:gradFill>
-          <a:ln>
-            <a:solidFill>
-              <a:srgbClr val="7030A0"/>
-            </a:solidFill>
-          </a:ln>
-        </p:spPr>
-        <p:style>
-          <a:lnRef idx="2">
-            <a:schemeClr val="accent1">
-              <a:shade val="50000"/>
-            </a:schemeClr>
-          </a:lnRef>
-          <a:fillRef idx="1">
-            <a:schemeClr val="accent1"/>
-          </a:fillRef>
-          <a:effectRef idx="0">
-            <a:schemeClr val="accent1"/>
-          </a:effectRef>
-          <a:fontRef idx="minor">
-            <a:schemeClr val="lt1"/>
-          </a:fontRef>
-        </p:style>
-        <p:txBody>
-          <a:bodyPr rtlCol="0" anchor="ctr"/>
-          <a:lstStyle/>
-          <a:p>
-            <a:pPr algn="ctr"/>
-            <a:r>
-              <a:rPr lang="ko-KR" altLang="en-US" sz="1000" dirty="0">
-                <a:solidFill>
-                  <a:schemeClr val="tx1"/>
-                </a:solidFill>
-              </a:rPr>
-              <a:t>카테고리 종류</a:t>
-            </a:r>
-          </a:p>
-        </p:txBody>
-      </p:sp>
-      <p:sp>
-        <p:nvSpPr>
-          <p:cNvPr id="114" name="순서도: 천공 테이프 113">
-            <a:extLst>
-              <a:ext uri="{FF2B5EF4-FFF2-40B4-BE49-F238E27FC236}">
-                <a16:creationId xmlns:a16="http://schemas.microsoft.com/office/drawing/2014/main" id="{04BDADE6-8195-4403-8AFE-EA6E6D6313DD}"/>
-              </a:ext>
-            </a:extLst>
-          </p:cNvPr>
-          <p:cNvSpPr/>
-          <p:nvPr/>
-        </p:nvSpPr>
-        <p:spPr>
-          <a:xfrm>
-            <a:off x="3561931" y="3501852"/>
-            <a:ext cx="828177" cy="1445757"/>
-          </a:xfrm>
-          <a:prstGeom prst="flowChartPunchedTape">
-            <a:avLst/>
-          </a:prstGeom>
-          <a:gradFill flip="none" rotWithShape="1">
-            <a:gsLst>
-              <a:gs pos="0">
-                <a:srgbClr val="7030A0">
-                  <a:tint val="66000"/>
-                  <a:satMod val="160000"/>
-                </a:srgbClr>
-              </a:gs>
-              <a:gs pos="50000">
-                <a:srgbClr val="7030A0">
-                  <a:tint val="44500"/>
-                  <a:satMod val="160000"/>
-                </a:srgbClr>
-              </a:gs>
-              <a:gs pos="100000">
-                <a:srgbClr val="7030A0">
-                  <a:tint val="23500"/>
-                  <a:satMod val="160000"/>
-                </a:srgbClr>
-              </a:gs>
-            </a:gsLst>
-            <a:lin ang="2700000" scaled="1"/>
-            <a:tileRect/>
-          </a:gradFill>
-          <a:ln>
-            <a:solidFill>
-              <a:srgbClr val="7030A0"/>
-            </a:solidFill>
-          </a:ln>
-        </p:spPr>
-        <p:style>
-          <a:lnRef idx="2">
-            <a:schemeClr val="accent1">
-              <a:shade val="50000"/>
-            </a:schemeClr>
-          </a:lnRef>
-          <a:fillRef idx="1">
-            <a:schemeClr val="accent1"/>
-          </a:fillRef>
-          <a:effectRef idx="0">
-            <a:schemeClr val="accent1"/>
-          </a:effectRef>
-          <a:fontRef idx="minor">
-            <a:schemeClr val="lt1"/>
-          </a:fontRef>
-        </p:style>
-        <p:txBody>
-          <a:bodyPr rtlCol="0" anchor="ctr"/>
-          <a:lstStyle/>
-          <a:p>
-            <a:pPr algn="ctr"/>
-            <a:r>
-              <a:rPr lang="ko-KR" altLang="en-US" sz="1000" dirty="0">
-                <a:solidFill>
-                  <a:schemeClr val="tx1"/>
-                </a:solidFill>
-              </a:rPr>
-              <a:t>상품이름</a:t>
-            </a:r>
-            <a:r>
-              <a:rPr lang="en-US" altLang="ko-KR" sz="1000" dirty="0">
-                <a:solidFill>
-                  <a:schemeClr val="tx1"/>
-                </a:solidFill>
-              </a:rPr>
-              <a:t>,</a:t>
-            </a:r>
-          </a:p>
-          <a:p>
-            <a:pPr algn="ctr"/>
-            <a:r>
-              <a:rPr lang="ko-KR" altLang="en-US" sz="1000" dirty="0">
-                <a:solidFill>
-                  <a:schemeClr val="tx1"/>
-                </a:solidFill>
-              </a:rPr>
-              <a:t>이름순</a:t>
-            </a:r>
-            <a:r>
-              <a:rPr lang="en-US" altLang="ko-KR" sz="1000" dirty="0">
-                <a:solidFill>
-                  <a:schemeClr val="tx1"/>
-                </a:solidFill>
-              </a:rPr>
-              <a:t>,</a:t>
-            </a:r>
-          </a:p>
-          <a:p>
-            <a:pPr algn="ctr"/>
-            <a:r>
-              <a:rPr lang="ko-KR" altLang="en-US" sz="1000" dirty="0" err="1">
-                <a:solidFill>
-                  <a:schemeClr val="tx1"/>
-                </a:solidFill>
-              </a:rPr>
-              <a:t>낮은가격순</a:t>
-            </a:r>
-            <a:r>
-              <a:rPr lang="en-US" altLang="ko-KR" sz="1000" dirty="0">
-                <a:solidFill>
-                  <a:schemeClr val="tx1"/>
-                </a:solidFill>
-              </a:rPr>
-              <a:t>,</a:t>
-            </a:r>
-          </a:p>
-          <a:p>
-            <a:pPr algn="ctr"/>
-            <a:r>
-              <a:rPr lang="ko-KR" altLang="en-US" sz="1000" dirty="0" err="1">
-                <a:solidFill>
-                  <a:schemeClr val="tx1"/>
-                </a:solidFill>
-              </a:rPr>
-              <a:t>높은가격순</a:t>
-            </a:r>
-            <a:endParaRPr lang="ko-KR" altLang="en-US" sz="1000" dirty="0">
-              <a:solidFill>
-                <a:schemeClr val="tx1"/>
-              </a:solidFill>
-            </a:endParaRPr>
-          </a:p>
-        </p:txBody>
-      </p:sp>
-      <p:sp>
-        <p:nvSpPr>
-          <p:cNvPr id="115" name="순서도: 천공 테이프 114">
-            <a:extLst>
-              <a:ext uri="{FF2B5EF4-FFF2-40B4-BE49-F238E27FC236}">
-                <a16:creationId xmlns:a16="http://schemas.microsoft.com/office/drawing/2014/main" id="{0E1B2FD6-B218-4610-877A-5C3A692BFB8D}"/>
-              </a:ext>
-            </a:extLst>
-          </p:cNvPr>
-          <p:cNvSpPr/>
-          <p:nvPr/>
-        </p:nvSpPr>
-        <p:spPr>
-          <a:xfrm>
-            <a:off x="3656458" y="5922551"/>
-            <a:ext cx="828177" cy="643350"/>
-          </a:xfrm>
-          <a:prstGeom prst="flowChartPunchedTape">
-            <a:avLst/>
-          </a:prstGeom>
-          <a:gradFill flip="none" rotWithShape="1">
-            <a:gsLst>
-              <a:gs pos="0">
-                <a:srgbClr val="7030A0">
-                  <a:tint val="66000"/>
-                  <a:satMod val="160000"/>
-                </a:srgbClr>
-              </a:gs>
-              <a:gs pos="50000">
-                <a:srgbClr val="7030A0">
-                  <a:tint val="44500"/>
-                  <a:satMod val="160000"/>
-                </a:srgbClr>
-              </a:gs>
-              <a:gs pos="100000">
-                <a:srgbClr val="7030A0">
-                  <a:tint val="23500"/>
-                  <a:satMod val="160000"/>
-                </a:srgbClr>
-              </a:gs>
-            </a:gsLst>
-            <a:lin ang="2700000" scaled="1"/>
-            <a:tileRect/>
-          </a:gradFill>
-          <a:ln>
-            <a:solidFill>
-              <a:srgbClr val="7030A0"/>
-            </a:solidFill>
-          </a:ln>
-        </p:spPr>
-        <p:style>
-          <a:lnRef idx="2">
-            <a:schemeClr val="accent1">
-              <a:shade val="50000"/>
-            </a:schemeClr>
-          </a:lnRef>
-          <a:fillRef idx="1">
-            <a:schemeClr val="accent1"/>
-          </a:fillRef>
-          <a:effectRef idx="0">
-            <a:schemeClr val="accent1"/>
-          </a:effectRef>
-          <a:fontRef idx="minor">
-            <a:schemeClr val="lt1"/>
-          </a:fontRef>
-        </p:style>
-        <p:txBody>
-          <a:bodyPr rtlCol="0" anchor="ctr"/>
-          <a:lstStyle/>
-          <a:p>
-            <a:pPr algn="ctr"/>
-            <a:r>
-              <a:rPr lang="ko-KR" altLang="en-US" sz="1000" dirty="0">
-                <a:solidFill>
-                  <a:schemeClr val="tx1"/>
-                </a:solidFill>
-              </a:rPr>
-              <a:t>장바구니</a:t>
+              <a:t>주문 </a:t>
             </a:r>
             <a:endParaRPr lang="en-US" altLang="ko-KR" sz="1000" dirty="0">
               <a:solidFill>
@@ -10905,12 +11029,57 @@
           </a:p>
         </p:txBody>
       </p:sp>
-      <p:sp>
-        <p:nvSpPr>
-          <p:cNvPr id="116" name="순서도: 천공 테이프 115">
-            <a:extLst>
-              <a:ext uri="{FF2B5EF4-FFF2-40B4-BE49-F238E27FC236}">
-                <a16:creationId xmlns:a16="http://schemas.microsoft.com/office/drawing/2014/main" id="{86030CC5-1AAD-4E63-A601-1D654451D9E9}"/>
+      <p:cxnSp>
+        <p:nvCxnSpPr>
+          <p:cNvPr id="8" name="직선 화살표 연결선 7">
+            <a:extLst>
+              <a:ext uri="{FF2B5EF4-FFF2-40B4-BE49-F238E27FC236}">
+                <a16:creationId xmlns:a16="http://schemas.microsoft.com/office/drawing/2014/main" id="{0AAD8825-745E-474D-A6DA-6F7CB771297E}"/>
+              </a:ext>
+            </a:extLst>
+          </p:cNvPr>
+          <p:cNvCxnSpPr>
+            <a:stCxn id="42" idx="3"/>
+            <a:endCxn id="27" idx="1"/>
+          </p:cNvCxnSpPr>
+          <p:nvPr/>
+        </p:nvCxnSpPr>
+        <p:spPr>
+          <a:xfrm flipV="1">
+            <a:off x="4136099" y="1865997"/>
+            <a:ext cx="972447" cy="2032001"/>
+          </a:xfrm>
+          <a:prstGeom prst="straightConnector1">
+            <a:avLst/>
+          </a:prstGeom>
+          <a:ln>
+            <a:solidFill>
+              <a:srgbClr val="0000FF"/>
+            </a:solidFill>
+            <a:tailEnd type="triangle"/>
+          </a:ln>
+        </p:spPr>
+        <p:style>
+          <a:lnRef idx="1">
+            <a:schemeClr val="accent1"/>
+          </a:lnRef>
+          <a:fillRef idx="0">
+            <a:schemeClr val="accent1"/>
+          </a:fillRef>
+          <a:effectRef idx="0">
+            <a:schemeClr val="accent1"/>
+          </a:effectRef>
+          <a:fontRef idx="minor">
+            <a:schemeClr val="tx1"/>
+          </a:fontRef>
+        </p:style>
+      </p:cxnSp>
+      <p:sp>
+        <p:nvSpPr>
+          <p:cNvPr id="30" name="직사각형 29">
+            <a:extLst>
+              <a:ext uri="{FF2B5EF4-FFF2-40B4-BE49-F238E27FC236}">
+                <a16:creationId xmlns:a16="http://schemas.microsoft.com/office/drawing/2014/main" id="{ABEFEAE7-0C91-4306-99DB-59FC1E902C1E}"/>
               </a:ext>
             </a:extLst>
           </p:cNvPr>
@@ -10919,28 +11088,28 @@
         </p:nvSpPr>
         <p:spPr>
           <a:xfrm>
-            <a:off x="5507474" y="2300081"/>
-            <a:ext cx="933243" cy="508624"/>
-          </a:xfrm>
-          <a:prstGeom prst="flowChartPunchedTape">
+            <a:off x="7293814" y="3429000"/>
+            <a:ext cx="868184" cy="937994"/>
+          </a:xfrm>
+          <a:prstGeom prst="rect">
             <a:avLst/>
           </a:prstGeom>
           <a:gradFill flip="none" rotWithShape="1">
             <a:gsLst>
               <a:gs pos="0">
-                <a:srgbClr val="7030A0">
+                <a:srgbClr val="0000FF">
                   <a:tint val="66000"/>
                   <a:satMod val="160000"/>
                 </a:srgbClr>
               </a:gs>
               <a:gs pos="50000">
-                <a:srgbClr val="7030A0">
+                <a:srgbClr val="0000FF">
                   <a:tint val="44500"/>
                   <a:satMod val="160000"/>
                 </a:srgbClr>
               </a:gs>
               <a:gs pos="100000">
-                <a:srgbClr val="7030A0">
+                <a:srgbClr val="0000FF">
                   <a:tint val="23500"/>
                   <a:satMod val="160000"/>
                 </a:srgbClr>
@@ -10951,7 +11120,7 @@
           </a:gradFill>
           <a:ln>
             <a:solidFill>
-              <a:srgbClr val="7030A0"/>
+              <a:srgbClr val="0000FF"/>
             </a:solidFill>
           </a:ln>
         </p:spPr>
@@ -10982,17 +11151,22 @@
                   <a:schemeClr val="tx1"/>
                 </a:solidFill>
               </a:rPr>
-              <a:t>상품번호</a:t>
-            </a:r>
-          </a:p>
-        </p:txBody>
-      </p:sp>
-      <p:sp>
-        <p:nvSpPr>
-          <p:cNvPr id="117" name="순서도: 천공 테이프 116">
-            <a:extLst>
-              <a:ext uri="{FF2B5EF4-FFF2-40B4-BE49-F238E27FC236}">
-                <a16:creationId xmlns:a16="http://schemas.microsoft.com/office/drawing/2014/main" id="{5576E73E-985D-488F-BC5D-4464A72455E6}"/>
+              <a:t>결제 상황 및 배송상황</a:t>
+            </a:r>
+            <a:endParaRPr lang="en-US" altLang="ko-KR" sz="1000" dirty="0">
+              <a:solidFill>
+                <a:schemeClr val="tx1"/>
+              </a:solidFill>
+            </a:endParaRPr>
+          </a:p>
+        </p:txBody>
+      </p:sp>
+      <p:sp>
+        <p:nvSpPr>
+          <p:cNvPr id="32" name="직사각형 31">
+            <a:extLst>
+              <a:ext uri="{FF2B5EF4-FFF2-40B4-BE49-F238E27FC236}">
+                <a16:creationId xmlns:a16="http://schemas.microsoft.com/office/drawing/2014/main" id="{ADE0BCE3-F57B-4F0E-8B7F-B3FC382DAAE4}"/>
               </a:ext>
             </a:extLst>
           </p:cNvPr>
@@ -11001,8 +11175,220 @@
         </p:nvSpPr>
         <p:spPr>
           <a:xfrm>
-            <a:off x="7737006" y="901955"/>
-            <a:ext cx="900896" cy="575258"/>
+            <a:off x="4167292" y="2629203"/>
+            <a:ext cx="531455" cy="302613"/>
+          </a:xfrm>
+          <a:prstGeom prst="rect">
+            <a:avLst/>
+          </a:prstGeom>
+          <a:solidFill>
+            <a:schemeClr val="bg1"/>
+          </a:solidFill>
+          <a:ln>
+            <a:solidFill>
+              <a:schemeClr val="tx1"/>
+            </a:solidFill>
+          </a:ln>
+        </p:spPr>
+        <p:style>
+          <a:lnRef idx="2">
+            <a:schemeClr val="accent1">
+              <a:shade val="50000"/>
+            </a:schemeClr>
+          </a:lnRef>
+          <a:fillRef idx="1">
+            <a:schemeClr val="accent1"/>
+          </a:fillRef>
+          <a:effectRef idx="0">
+            <a:schemeClr val="accent1"/>
+          </a:effectRef>
+          <a:fontRef idx="minor">
+            <a:schemeClr val="lt1"/>
+          </a:fontRef>
+        </p:style>
+        <p:txBody>
+          <a:bodyPr rtlCol="0" anchor="ctr"/>
+          <a:lstStyle/>
+          <a:p>
+            <a:pPr algn="ctr"/>
+            <a:r>
+              <a:rPr lang="ko-KR" altLang="en-US" sz="1200">
+                <a:solidFill>
+                  <a:schemeClr val="tx1"/>
+                </a:solidFill>
+              </a:rPr>
+              <a:t>회원</a:t>
+            </a:r>
+          </a:p>
+        </p:txBody>
+      </p:sp>
+      <p:sp>
+        <p:nvSpPr>
+          <p:cNvPr id="33" name="직사각형 32">
+            <a:extLst>
+              <a:ext uri="{FF2B5EF4-FFF2-40B4-BE49-F238E27FC236}">
+                <a16:creationId xmlns:a16="http://schemas.microsoft.com/office/drawing/2014/main" id="{2140B82A-2031-4632-A43E-ECC391955064}"/>
+              </a:ext>
+            </a:extLst>
+          </p:cNvPr>
+          <p:cNvSpPr/>
+          <p:nvPr/>
+        </p:nvSpPr>
+        <p:spPr>
+          <a:xfrm>
+            <a:off x="4402852" y="4024094"/>
+            <a:ext cx="671408" cy="253714"/>
+          </a:xfrm>
+          <a:prstGeom prst="rect">
+            <a:avLst/>
+          </a:prstGeom>
+          <a:solidFill>
+            <a:schemeClr val="bg1"/>
+          </a:solidFill>
+          <a:ln>
+            <a:solidFill>
+              <a:schemeClr val="tx1"/>
+            </a:solidFill>
+          </a:ln>
+        </p:spPr>
+        <p:style>
+          <a:lnRef idx="2">
+            <a:schemeClr val="accent1">
+              <a:shade val="50000"/>
+            </a:schemeClr>
+          </a:lnRef>
+          <a:fillRef idx="1">
+            <a:schemeClr val="accent1"/>
+          </a:fillRef>
+          <a:effectRef idx="0">
+            <a:schemeClr val="accent1"/>
+          </a:effectRef>
+          <a:fontRef idx="minor">
+            <a:schemeClr val="lt1"/>
+          </a:fontRef>
+        </p:style>
+        <p:txBody>
+          <a:bodyPr rtlCol="0" anchor="ctr"/>
+          <a:lstStyle/>
+          <a:p>
+            <a:pPr algn="ctr"/>
+            <a:r>
+              <a:rPr lang="ko-KR" altLang="en-US" sz="1200" dirty="0">
+                <a:solidFill>
+                  <a:schemeClr val="tx1"/>
+                </a:solidFill>
+              </a:rPr>
+              <a:t>비회원</a:t>
+            </a:r>
+          </a:p>
+        </p:txBody>
+      </p:sp>
+      <p:cxnSp>
+        <p:nvCxnSpPr>
+          <p:cNvPr id="10" name="직선 화살표 연결선 9">
+            <a:extLst>
+              <a:ext uri="{FF2B5EF4-FFF2-40B4-BE49-F238E27FC236}">
+                <a16:creationId xmlns:a16="http://schemas.microsoft.com/office/drawing/2014/main" id="{E4DA8934-7AA1-4043-900A-75D7D5C46B81}"/>
+              </a:ext>
+            </a:extLst>
+          </p:cNvPr>
+          <p:cNvCxnSpPr>
+            <a:stCxn id="42" idx="3"/>
+            <a:endCxn id="30" idx="1"/>
+          </p:cNvCxnSpPr>
+          <p:nvPr/>
+        </p:nvCxnSpPr>
+        <p:spPr>
+          <a:xfrm flipV="1">
+            <a:off x="4136099" y="3897997"/>
+            <a:ext cx="3157715" cy="1"/>
+          </a:xfrm>
+          <a:prstGeom prst="straightConnector1">
+            <a:avLst/>
+          </a:prstGeom>
+          <a:ln>
+            <a:solidFill>
+              <a:srgbClr val="0000FF"/>
+            </a:solidFill>
+            <a:tailEnd type="triangle"/>
+          </a:ln>
+        </p:spPr>
+        <p:style>
+          <a:lnRef idx="1">
+            <a:schemeClr val="accent1"/>
+          </a:lnRef>
+          <a:fillRef idx="0">
+            <a:schemeClr val="accent1"/>
+          </a:fillRef>
+          <a:effectRef idx="0">
+            <a:schemeClr val="accent1"/>
+          </a:effectRef>
+          <a:fontRef idx="minor">
+            <a:schemeClr val="tx1"/>
+          </a:fontRef>
+        </p:style>
+      </p:cxnSp>
+      <p:cxnSp>
+        <p:nvCxnSpPr>
+          <p:cNvPr id="12" name="직선 화살표 연결선 11">
+            <a:extLst>
+              <a:ext uri="{FF2B5EF4-FFF2-40B4-BE49-F238E27FC236}">
+                <a16:creationId xmlns:a16="http://schemas.microsoft.com/office/drawing/2014/main" id="{EB099C38-A90C-4661-A0E6-DE8FC3FF11DA}"/>
+              </a:ext>
+            </a:extLst>
+          </p:cNvPr>
+          <p:cNvCxnSpPr>
+            <a:stCxn id="27" idx="3"/>
+            <a:endCxn id="30" idx="1"/>
+          </p:cNvCxnSpPr>
+          <p:nvPr/>
+        </p:nvCxnSpPr>
+        <p:spPr>
+          <a:xfrm>
+            <a:off x="5976730" y="1865997"/>
+            <a:ext cx="1317084" cy="2032000"/>
+          </a:xfrm>
+          <a:prstGeom prst="straightConnector1">
+            <a:avLst/>
+          </a:prstGeom>
+          <a:ln>
+            <a:solidFill>
+              <a:srgbClr val="0000FF"/>
+            </a:solidFill>
+            <a:tailEnd type="triangle"/>
+          </a:ln>
+        </p:spPr>
+        <p:style>
+          <a:lnRef idx="1">
+            <a:schemeClr val="accent1"/>
+          </a:lnRef>
+          <a:fillRef idx="0">
+            <a:schemeClr val="accent1"/>
+          </a:fillRef>
+          <a:effectRef idx="0">
+            <a:schemeClr val="accent1"/>
+          </a:effectRef>
+          <a:fontRef idx="minor">
+            <a:schemeClr val="tx1"/>
+          </a:fontRef>
+        </p:style>
+      </p:cxnSp>
+      <p:sp>
+        <p:nvSpPr>
+          <p:cNvPr id="37" name="순서도: 천공 테이프 36">
+            <a:extLst>
+              <a:ext uri="{FF2B5EF4-FFF2-40B4-BE49-F238E27FC236}">
+                <a16:creationId xmlns:a16="http://schemas.microsoft.com/office/drawing/2014/main" id="{D44ED13C-427E-42D3-B633-5148B11F4719}"/>
+              </a:ext>
+            </a:extLst>
+          </p:cNvPr>
+          <p:cNvSpPr/>
+          <p:nvPr/>
+        </p:nvSpPr>
+        <p:spPr>
+          <a:xfrm>
+            <a:off x="6346841" y="2629203"/>
+            <a:ext cx="614868" cy="397611"/>
           </a:xfrm>
           <a:prstGeom prst="flowChartPunchedTape">
             <a:avLst/>
@@ -11010,19 +11396,19 @@
           <a:gradFill flip="none" rotWithShape="1">
             <a:gsLst>
               <a:gs pos="0">
-                <a:srgbClr val="7030A0">
+                <a:srgbClr val="0000FF">
                   <a:tint val="66000"/>
                   <a:satMod val="160000"/>
                 </a:srgbClr>
               </a:gs>
               <a:gs pos="50000">
-                <a:srgbClr val="7030A0">
+                <a:srgbClr val="0000FF">
                   <a:tint val="44500"/>
                   <a:satMod val="160000"/>
                 </a:srgbClr>
               </a:gs>
               <a:gs pos="100000">
-                <a:srgbClr val="7030A0">
+                <a:srgbClr val="0000FF">
                   <a:tint val="23500"/>
                   <a:satMod val="160000"/>
                 </a:srgbClr>
@@ -11033,7 +11419,7 @@
           </a:gradFill>
           <a:ln>
             <a:solidFill>
-              <a:srgbClr val="7030A0"/>
+              <a:srgbClr val="0000FF"/>
             </a:solidFill>
           </a:ln>
         </p:spPr>
@@ -11059,60 +11445,27 @@
           <a:p>
             <a:pPr algn="ctr"/>
             <a:r>
-              <a:rPr lang="ko-KR" altLang="en-US" sz="700" dirty="0">
-                <a:solidFill>
-                  <a:schemeClr val="tx1"/>
-                </a:solidFill>
-              </a:rPr>
-              <a:t>상품번호</a:t>
-            </a:r>
-            <a:r>
-              <a:rPr lang="en-US" altLang="ko-KR" sz="700" dirty="0">
-                <a:solidFill>
-                  <a:schemeClr val="tx1"/>
-                </a:solidFill>
-              </a:rPr>
-              <a:t>,</a:t>
-            </a:r>
-          </a:p>
-          <a:p>
-            <a:pPr algn="ctr"/>
-            <a:r>
-              <a:rPr lang="ko-KR" altLang="en-US" sz="700" dirty="0">
-                <a:solidFill>
-                  <a:schemeClr val="tx1"/>
-                </a:solidFill>
-              </a:rPr>
-              <a:t>사이즈</a:t>
-            </a:r>
-            <a:r>
-              <a:rPr lang="en-US" altLang="ko-KR" sz="700" dirty="0">
-                <a:solidFill>
-                  <a:schemeClr val="tx1"/>
-                </a:solidFill>
-              </a:rPr>
-              <a:t>,</a:t>
-            </a:r>
-          </a:p>
-          <a:p>
-            <a:pPr algn="ctr"/>
-            <a:r>
-              <a:rPr lang="ko-KR" altLang="en-US" sz="700" dirty="0">
-                <a:solidFill>
-                  <a:schemeClr val="tx1"/>
-                </a:solidFill>
-              </a:rPr>
-              <a:t>색상</a:t>
-            </a:r>
-          </a:p>
-        </p:txBody>
-      </p:sp>
-      <p:sp>
-        <p:nvSpPr>
-          <p:cNvPr id="118" name="순서도: 천공 테이프 117">
-            <a:extLst>
-              <a:ext uri="{FF2B5EF4-FFF2-40B4-BE49-F238E27FC236}">
-                <a16:creationId xmlns:a16="http://schemas.microsoft.com/office/drawing/2014/main" id="{538D3AB6-8E39-491A-8DB4-1EDF7EA03C4E}"/>
+              <a:rPr lang="ko-KR" altLang="en-US" sz="800" dirty="0">
+                <a:solidFill>
+                  <a:schemeClr val="tx1"/>
+                </a:solidFill>
+              </a:rPr>
+              <a:t>주문번호</a:t>
+            </a:r>
+            <a:endParaRPr lang="en-US" altLang="ko-KR" sz="800" dirty="0">
+              <a:solidFill>
+                <a:schemeClr val="tx1"/>
+              </a:solidFill>
+            </a:endParaRPr>
+          </a:p>
+        </p:txBody>
+      </p:sp>
+      <p:sp>
+        <p:nvSpPr>
+          <p:cNvPr id="38" name="순서도: 천공 테이프 37">
+            <a:extLst>
+              <a:ext uri="{FF2B5EF4-FFF2-40B4-BE49-F238E27FC236}">
+                <a16:creationId xmlns:a16="http://schemas.microsoft.com/office/drawing/2014/main" id="{EBC3DCF7-4A5E-470E-AEE2-6305752CF13D}"/>
               </a:ext>
             </a:extLst>
           </p:cNvPr>
@@ -11121,8 +11474,8 @@
         </p:nvSpPr>
         <p:spPr>
           <a:xfrm>
-            <a:off x="7586229" y="2037851"/>
-            <a:ext cx="1051673" cy="675356"/>
+            <a:off x="5976730" y="3683409"/>
+            <a:ext cx="614868" cy="397611"/>
           </a:xfrm>
           <a:prstGeom prst="flowChartPunchedTape">
             <a:avLst/>
@@ -11130,19 +11483,19 @@
           <a:gradFill flip="none" rotWithShape="1">
             <a:gsLst>
               <a:gs pos="0">
-                <a:srgbClr val="7030A0">
+                <a:srgbClr val="0000FF">
                   <a:tint val="66000"/>
                   <a:satMod val="160000"/>
                 </a:srgbClr>
               </a:gs>
               <a:gs pos="50000">
-                <a:srgbClr val="7030A0">
+                <a:srgbClr val="0000FF">
                   <a:tint val="44500"/>
                   <a:satMod val="160000"/>
                 </a:srgbClr>
               </a:gs>
               <a:gs pos="100000">
-                <a:srgbClr val="7030A0">
+                <a:srgbClr val="0000FF">
                   <a:tint val="23500"/>
                   <a:satMod val="160000"/>
                 </a:srgbClr>
@@ -11153,7 +11506,7 @@
           </a:gradFill>
           <a:ln>
             <a:solidFill>
-              <a:srgbClr val="7030A0"/>
+              <a:srgbClr val="0000FF"/>
             </a:solidFill>
           </a:ln>
         </p:spPr>
@@ -11179,60 +11532,27 @@
           <a:p>
             <a:pPr algn="ctr"/>
             <a:r>
-              <a:rPr lang="ko-KR" altLang="en-US" sz="700" dirty="0">
-                <a:solidFill>
-                  <a:schemeClr val="tx1"/>
-                </a:solidFill>
-              </a:rPr>
-              <a:t>상품번호</a:t>
-            </a:r>
-            <a:r>
-              <a:rPr lang="en-US" altLang="ko-KR" sz="700" dirty="0">
-                <a:solidFill>
-                  <a:schemeClr val="tx1"/>
-                </a:solidFill>
-              </a:rPr>
-              <a:t>,</a:t>
-            </a:r>
-          </a:p>
-          <a:p>
-            <a:pPr algn="ctr"/>
-            <a:r>
-              <a:rPr lang="ko-KR" altLang="en-US" sz="700" dirty="0">
-                <a:solidFill>
-                  <a:schemeClr val="tx1"/>
-                </a:solidFill>
-              </a:rPr>
-              <a:t>사이즈</a:t>
-            </a:r>
-            <a:r>
-              <a:rPr lang="en-US" altLang="ko-KR" sz="700" dirty="0">
-                <a:solidFill>
-                  <a:schemeClr val="tx1"/>
-                </a:solidFill>
-              </a:rPr>
-              <a:t>,</a:t>
-            </a:r>
-          </a:p>
-          <a:p>
-            <a:pPr algn="ctr"/>
-            <a:r>
-              <a:rPr lang="ko-KR" altLang="en-US" sz="700" dirty="0">
-                <a:solidFill>
-                  <a:schemeClr val="tx1"/>
-                </a:solidFill>
-              </a:rPr>
-              <a:t>색상</a:t>
-            </a:r>
-          </a:p>
-        </p:txBody>
-      </p:sp>
-      <p:sp>
-        <p:nvSpPr>
-          <p:cNvPr id="120" name="순서도: 천공 테이프 119">
-            <a:extLst>
-              <a:ext uri="{FF2B5EF4-FFF2-40B4-BE49-F238E27FC236}">
-                <a16:creationId xmlns:a16="http://schemas.microsoft.com/office/drawing/2014/main" id="{72ACDAFA-5561-4F8A-8B50-48DF1027969D}"/>
+              <a:rPr lang="ko-KR" altLang="en-US" sz="800" dirty="0">
+                <a:solidFill>
+                  <a:schemeClr val="tx1"/>
+                </a:solidFill>
+              </a:rPr>
+              <a:t>주문번호</a:t>
+            </a:r>
+            <a:endParaRPr lang="en-US" altLang="ko-KR" sz="800" dirty="0">
+              <a:solidFill>
+                <a:schemeClr val="tx1"/>
+              </a:solidFill>
+            </a:endParaRPr>
+          </a:p>
+        </p:txBody>
+      </p:sp>
+      <p:sp>
+        <p:nvSpPr>
+          <p:cNvPr id="44" name="직사각형 43">
+            <a:extLst>
+              <a:ext uri="{FF2B5EF4-FFF2-40B4-BE49-F238E27FC236}">
+                <a16:creationId xmlns:a16="http://schemas.microsoft.com/office/drawing/2014/main" id="{27A58D5F-B174-46CD-B0C8-F65291F82B0D}"/>
               </a:ext>
             </a:extLst>
           </p:cNvPr>
@@ -11241,28 +11561,28 @@
         </p:nvSpPr>
         <p:spPr>
           <a:xfrm>
-            <a:off x="10080686" y="813692"/>
-            <a:ext cx="743863" cy="517729"/>
-          </a:xfrm>
-          <a:prstGeom prst="flowChartPunchedTape">
+            <a:off x="6220183" y="444913"/>
+            <a:ext cx="868184" cy="937994"/>
+          </a:xfrm>
+          <a:prstGeom prst="rect">
             <a:avLst/>
           </a:prstGeom>
           <a:gradFill flip="none" rotWithShape="1">
             <a:gsLst>
               <a:gs pos="0">
-                <a:srgbClr val="7030A0">
+                <a:srgbClr val="0000FF">
                   <a:tint val="66000"/>
                   <a:satMod val="160000"/>
                 </a:srgbClr>
               </a:gs>
               <a:gs pos="50000">
-                <a:srgbClr val="7030A0">
+                <a:srgbClr val="0000FF">
                   <a:tint val="44500"/>
                   <a:satMod val="160000"/>
                 </a:srgbClr>
               </a:gs>
               <a:gs pos="100000">
-                <a:srgbClr val="7030A0">
+                <a:srgbClr val="0000FF">
                   <a:tint val="23500"/>
                   <a:satMod val="160000"/>
                 </a:srgbClr>
@@ -11273,7 +11593,7 @@
           </a:gradFill>
           <a:ln>
             <a:solidFill>
-              <a:srgbClr val="7030A0"/>
+              <a:srgbClr val="0000FF"/>
             </a:solidFill>
           </a:ln>
         </p:spPr>
@@ -11299,14 +11619,14 @@
           <a:p>
             <a:pPr algn="ctr"/>
             <a:r>
-              <a:rPr lang="ko-KR" altLang="en-US" sz="700" dirty="0">
-                <a:solidFill>
-                  <a:schemeClr val="tx1"/>
-                </a:solidFill>
-              </a:rPr>
-              <a:t>장바구니 </a:t>
-            </a:r>
-            <a:endParaRPr lang="en-US" altLang="ko-KR" sz="700" dirty="0">
+              <a:rPr lang="ko-KR" altLang="en-US" sz="1000" dirty="0">
+                <a:solidFill>
+                  <a:schemeClr val="tx1"/>
+                </a:solidFill>
+              </a:rPr>
+              <a:t>주문 </a:t>
+            </a:r>
+            <a:endParaRPr lang="en-US" altLang="ko-KR" sz="1000" dirty="0">
               <a:solidFill>
                 <a:schemeClr val="tx1"/>
               </a:solidFill>
@@ -11315,22 +11635,144 @@
           <a:p>
             <a:pPr algn="ctr"/>
             <a:r>
-              <a:rPr lang="ko-KR" altLang="en-US" sz="700" dirty="0">
-                <a:solidFill>
-                  <a:schemeClr val="tx1"/>
-                </a:solidFill>
-              </a:rPr>
-              <a:t>리스트</a:t>
-            </a:r>
-          </a:p>
-        </p:txBody>
-      </p:sp>
-      <p:sp>
-        <p:nvSpPr>
-          <p:cNvPr id="122" name="순서도: 천공 테이프 121">
-            <a:extLst>
-              <a:ext uri="{FF2B5EF4-FFF2-40B4-BE49-F238E27FC236}">
-                <a16:creationId xmlns:a16="http://schemas.microsoft.com/office/drawing/2014/main" id="{3F05DEDC-53FA-4BEA-8940-AB032562A942}"/>
+              <a:rPr lang="ko-KR" altLang="en-US" sz="1000" dirty="0">
+                <a:solidFill>
+                  <a:schemeClr val="tx1"/>
+                </a:solidFill>
+              </a:rPr>
+              <a:t>검색</a:t>
+            </a:r>
+          </a:p>
+        </p:txBody>
+      </p:sp>
+      <p:cxnSp>
+        <p:nvCxnSpPr>
+          <p:cNvPr id="18" name="연결선: 꺾임 17">
+            <a:extLst>
+              <a:ext uri="{FF2B5EF4-FFF2-40B4-BE49-F238E27FC236}">
+                <a16:creationId xmlns:a16="http://schemas.microsoft.com/office/drawing/2014/main" id="{F636FC4E-2C44-4F62-BC5E-A6393ED4AD50}"/>
+              </a:ext>
+            </a:extLst>
+          </p:cNvPr>
+          <p:cNvCxnSpPr>
+            <a:stCxn id="27" idx="0"/>
+            <a:endCxn id="44" idx="1"/>
+          </p:cNvCxnSpPr>
+          <p:nvPr/>
+        </p:nvCxnSpPr>
+        <p:spPr>
+          <a:xfrm rot="5400000" flipH="1" flipV="1">
+            <a:off x="5639865" y="816683"/>
+            <a:ext cx="483090" cy="677545"/>
+          </a:xfrm>
+          <a:prstGeom prst="bentConnector2">
+            <a:avLst/>
+          </a:prstGeom>
+          <a:ln>
+            <a:solidFill>
+              <a:srgbClr val="0000FF"/>
+            </a:solidFill>
+            <a:tailEnd type="triangle"/>
+          </a:ln>
+        </p:spPr>
+        <p:style>
+          <a:lnRef idx="1">
+            <a:schemeClr val="accent1"/>
+          </a:lnRef>
+          <a:fillRef idx="0">
+            <a:schemeClr val="accent1"/>
+          </a:fillRef>
+          <a:effectRef idx="0">
+            <a:schemeClr val="accent1"/>
+          </a:effectRef>
+          <a:fontRef idx="minor">
+            <a:schemeClr val="tx1"/>
+          </a:fontRef>
+        </p:style>
+      </p:cxnSp>
+      <p:cxnSp>
+        <p:nvCxnSpPr>
+          <p:cNvPr id="20" name="연결선: 꺾임 19">
+            <a:extLst>
+              <a:ext uri="{FF2B5EF4-FFF2-40B4-BE49-F238E27FC236}">
+                <a16:creationId xmlns:a16="http://schemas.microsoft.com/office/drawing/2014/main" id="{F7B50A25-21AB-492B-B054-560181E36CF3}"/>
+              </a:ext>
+            </a:extLst>
+          </p:cNvPr>
+          <p:cNvCxnSpPr>
+            <a:stCxn id="44" idx="2"/>
+            <a:endCxn id="27" idx="2"/>
+          </p:cNvCxnSpPr>
+          <p:nvPr/>
+        </p:nvCxnSpPr>
+        <p:spPr>
+          <a:xfrm rot="5400000">
+            <a:off x="5622414" y="1303132"/>
+            <a:ext cx="952087" cy="1111637"/>
+          </a:xfrm>
+          <a:prstGeom prst="bentConnector3">
+            <a:avLst>
+              <a:gd name="adj1" fmla="val 124010"/>
+            </a:avLst>
+          </a:prstGeom>
+          <a:ln>
+            <a:solidFill>
+              <a:srgbClr val="0000FF"/>
+            </a:solidFill>
+            <a:tailEnd type="triangle"/>
+          </a:ln>
+        </p:spPr>
+        <p:style>
+          <a:lnRef idx="1">
+            <a:schemeClr val="accent1"/>
+          </a:lnRef>
+          <a:fillRef idx="0">
+            <a:schemeClr val="accent1"/>
+          </a:fillRef>
+          <a:effectRef idx="0">
+            <a:schemeClr val="accent1"/>
+          </a:effectRef>
+          <a:fontRef idx="minor">
+            <a:schemeClr val="tx1"/>
+          </a:fontRef>
+        </p:style>
+      </p:cxnSp>
+    </p:spTree>
+    <p:extLst>
+      <p:ext uri="{BB962C8B-B14F-4D97-AF65-F5344CB8AC3E}">
+        <p14:creationId xmlns:p14="http://schemas.microsoft.com/office/powerpoint/2010/main" val="1243535672"/>
+      </p:ext>
+    </p:extLst>
+  </p:cSld>
+  <p:clrMapOvr>
+    <a:masterClrMapping/>
+  </p:clrMapOvr>
+</p:sld>
+</file>
+
+<file path=ppt/slides/slide5.xml><?xml version="1.0" encoding="utf-8"?>
+<p:sld xmlns:a="http://schemas.openxmlformats.org/drawingml/2006/main" xmlns:r="http://schemas.openxmlformats.org/officeDocument/2006/relationships" xmlns:p="http://schemas.openxmlformats.org/presentationml/2006/main">
+  <p:cSld>
+    <p:spTree>
+      <p:nvGrpSpPr>
+        <p:cNvPr id="1" name=""/>
+        <p:cNvGrpSpPr/>
+        <p:nvPr/>
+      </p:nvGrpSpPr>
+      <p:grpSpPr>
+        <a:xfrm>
+          <a:off x="0" y="0"/>
+          <a:ext cx="0" cy="0"/>
+          <a:chOff x="0" y="0"/>
+          <a:chExt cx="0" cy="0"/>
+        </a:xfrm>
+      </p:grpSpPr>
+      <p:sp>
+        <p:nvSpPr>
+          <p:cNvPr id="112" name="직사각형 111">
+            <a:extLst>
+              <a:ext uri="{FF2B5EF4-FFF2-40B4-BE49-F238E27FC236}">
+                <a16:creationId xmlns:a16="http://schemas.microsoft.com/office/drawing/2014/main" id="{2CC308C1-609D-4520-9DBF-AE88C583643E}"/>
               </a:ext>
             </a:extLst>
           </p:cNvPr>
@@ -11339,28 +11781,89 @@
         </p:nvSpPr>
         <p:spPr>
           <a:xfrm>
-            <a:off x="5163335" y="4142158"/>
-            <a:ext cx="933243" cy="943716"/>
-          </a:xfrm>
-          <a:prstGeom prst="flowChartPunchedTape">
+            <a:off x="10757907" y="-1779452"/>
+            <a:ext cx="1219874" cy="970197"/>
+          </a:xfrm>
+          <a:prstGeom prst="rect">
+            <a:avLst/>
+          </a:prstGeom>
+          <a:solidFill>
+            <a:srgbClr val="00B050"/>
+          </a:solidFill>
+          <a:ln>
+            <a:solidFill>
+              <a:srgbClr val="00B050"/>
+            </a:solidFill>
+          </a:ln>
+        </p:spPr>
+        <p:style>
+          <a:lnRef idx="2">
+            <a:schemeClr val="accent1">
+              <a:shade val="50000"/>
+            </a:schemeClr>
+          </a:lnRef>
+          <a:fillRef idx="1">
+            <a:schemeClr val="accent1"/>
+          </a:fillRef>
+          <a:effectRef idx="0">
+            <a:schemeClr val="accent1"/>
+          </a:effectRef>
+          <a:fontRef idx="minor">
+            <a:schemeClr val="lt1"/>
+          </a:fontRef>
+        </p:style>
+        <p:txBody>
+          <a:bodyPr rtlCol="0" anchor="ctr"/>
+          <a:lstStyle/>
+          <a:p>
+            <a:pPr algn="ctr"/>
+            <a:r>
+              <a:rPr lang="ko-KR" altLang="en-US" sz="1200" dirty="0">
+                <a:solidFill>
+                  <a:schemeClr val="bg1"/>
+                </a:solidFill>
+              </a:rPr>
+              <a:t>관리자</a:t>
+            </a:r>
+          </a:p>
+        </p:txBody>
+      </p:sp>
+      <p:sp>
+        <p:nvSpPr>
+          <p:cNvPr id="5" name="웃는 얼굴 4">
+            <a:extLst>
+              <a:ext uri="{FF2B5EF4-FFF2-40B4-BE49-F238E27FC236}">
+                <a16:creationId xmlns:a16="http://schemas.microsoft.com/office/drawing/2014/main" id="{659F39EF-DDE7-4B7D-8AC0-56F473AF5DFC}"/>
+              </a:ext>
+            </a:extLst>
+          </p:cNvPr>
+          <p:cNvSpPr/>
+          <p:nvPr/>
+        </p:nvSpPr>
+        <p:spPr>
+          <a:xfrm>
+            <a:off x="292101" y="2972781"/>
+            <a:ext cx="318712" cy="735688"/>
+          </a:xfrm>
+          <a:prstGeom prst="smileyFace">
             <a:avLst/>
           </a:prstGeom>
           <a:gradFill flip="none" rotWithShape="1">
             <a:gsLst>
               <a:gs pos="0">
-                <a:srgbClr val="7030A0">
+                <a:srgbClr val="00B050">
                   <a:tint val="66000"/>
                   <a:satMod val="160000"/>
                 </a:srgbClr>
               </a:gs>
               <a:gs pos="50000">
-                <a:srgbClr val="7030A0">
+                <a:srgbClr val="00B050">
                   <a:tint val="44500"/>
                   <a:satMod val="160000"/>
                 </a:srgbClr>
               </a:gs>
               <a:gs pos="100000">
-                <a:srgbClr val="7030A0">
+                <a:srgbClr val="00B050">
                   <a:tint val="23500"/>
                   <a:satMod val="160000"/>
                 </a:srgbClr>
@@ -11371,7 +11874,7 @@
           </a:gradFill>
           <a:ln>
             <a:solidFill>
-              <a:srgbClr val="7030A0"/>
+              <a:srgbClr val="00B050"/>
             </a:solidFill>
           </a:ln>
         </p:spPr>
@@ -11396,72 +11899,7 @@
           <a:lstStyle/>
           <a:p>
             <a:pPr algn="ctr"/>
-            <a:r>
-              <a:rPr lang="ko-KR" altLang="en-US" sz="1000" dirty="0">
-                <a:solidFill>
-                  <a:schemeClr val="tx1"/>
-                </a:solidFill>
-              </a:rPr>
-              <a:t>상품이름</a:t>
-            </a:r>
-            <a:r>
-              <a:rPr lang="en-US" altLang="ko-KR" sz="1000" dirty="0">
-                <a:solidFill>
-                  <a:schemeClr val="tx1"/>
-                </a:solidFill>
-              </a:rPr>
-              <a:t>,</a:t>
-            </a:r>
-          </a:p>
-          <a:p>
-            <a:pPr algn="ctr"/>
-            <a:r>
-              <a:rPr lang="ko-KR" altLang="en-US" sz="1000" dirty="0">
-                <a:solidFill>
-                  <a:schemeClr val="tx1"/>
-                </a:solidFill>
-              </a:rPr>
-              <a:t>이름순</a:t>
-            </a:r>
-            <a:r>
-              <a:rPr lang="en-US" altLang="ko-KR" sz="1000" dirty="0">
-                <a:solidFill>
-                  <a:schemeClr val="tx1"/>
-                </a:solidFill>
-              </a:rPr>
-              <a:t>,</a:t>
-            </a:r>
-          </a:p>
-          <a:p>
-            <a:pPr algn="ctr"/>
-            <a:r>
-              <a:rPr lang="ko-KR" altLang="en-US" sz="1000" dirty="0" err="1">
-                <a:solidFill>
-                  <a:schemeClr val="tx1"/>
-                </a:solidFill>
-              </a:rPr>
-              <a:t>낮은가격순</a:t>
-            </a:r>
-            <a:r>
-              <a:rPr lang="en-US" altLang="ko-KR" sz="1000" dirty="0">
-                <a:solidFill>
-                  <a:schemeClr val="tx1"/>
-                </a:solidFill>
-              </a:rPr>
-              <a:t>,</a:t>
-            </a:r>
-          </a:p>
-          <a:p>
-            <a:pPr algn="ctr"/>
-            <a:r>
-              <a:rPr lang="ko-KR" altLang="en-US" sz="1000" dirty="0" err="1">
-                <a:solidFill>
-                  <a:schemeClr val="tx1"/>
-                </a:solidFill>
-              </a:rPr>
-              <a:t>높은가격순</a:t>
-            </a:r>
-            <a:endParaRPr lang="ko-KR" altLang="en-US" sz="1000" dirty="0">
+            <a:endParaRPr lang="ko-KR" altLang="en-US" sz="800">
               <a:solidFill>
                 <a:schemeClr val="tx1"/>
               </a:solidFill>
@@ -11469,10 +11907,3192 @@
           </a:p>
         </p:txBody>
       </p:sp>
+      <p:sp>
+        <p:nvSpPr>
+          <p:cNvPr id="6" name="직사각형 5">
+            <a:extLst>
+              <a:ext uri="{FF2B5EF4-FFF2-40B4-BE49-F238E27FC236}">
+                <a16:creationId xmlns:a16="http://schemas.microsoft.com/office/drawing/2014/main" id="{D0827DE3-2E11-4F54-A476-804FDA1EE7EF}"/>
+              </a:ext>
+            </a:extLst>
+          </p:cNvPr>
+          <p:cNvSpPr/>
+          <p:nvPr/>
+        </p:nvSpPr>
+        <p:spPr>
+          <a:xfrm>
+            <a:off x="228601" y="3786943"/>
+            <a:ext cx="487946" cy="173533"/>
+          </a:xfrm>
+          <a:prstGeom prst="rect">
+            <a:avLst/>
+          </a:prstGeom>
+          <a:gradFill flip="none" rotWithShape="1">
+            <a:gsLst>
+              <a:gs pos="0">
+                <a:srgbClr val="00B050">
+                  <a:tint val="66000"/>
+                  <a:satMod val="160000"/>
+                </a:srgbClr>
+              </a:gs>
+              <a:gs pos="50000">
+                <a:srgbClr val="00B050">
+                  <a:tint val="44500"/>
+                  <a:satMod val="160000"/>
+                </a:srgbClr>
+              </a:gs>
+              <a:gs pos="100000">
+                <a:srgbClr val="00B050">
+                  <a:tint val="23500"/>
+                  <a:satMod val="160000"/>
+                </a:srgbClr>
+              </a:gs>
+            </a:gsLst>
+            <a:lin ang="2700000" scaled="1"/>
+            <a:tileRect/>
+          </a:gradFill>
+          <a:ln>
+            <a:solidFill>
+              <a:srgbClr val="00B050"/>
+            </a:solidFill>
+          </a:ln>
+        </p:spPr>
+        <p:style>
+          <a:lnRef idx="2">
+            <a:schemeClr val="accent1">
+              <a:shade val="50000"/>
+            </a:schemeClr>
+          </a:lnRef>
+          <a:fillRef idx="1">
+            <a:schemeClr val="accent1"/>
+          </a:fillRef>
+          <a:effectRef idx="0">
+            <a:schemeClr val="accent1"/>
+          </a:effectRef>
+          <a:fontRef idx="minor">
+            <a:schemeClr val="lt1"/>
+          </a:fontRef>
+        </p:style>
+        <p:txBody>
+          <a:bodyPr rtlCol="0" anchor="ctr"/>
+          <a:lstStyle/>
+          <a:p>
+            <a:pPr algn="ctr"/>
+            <a:r>
+              <a:rPr lang="ko-KR" altLang="en-US" sz="800" dirty="0">
+                <a:solidFill>
+                  <a:schemeClr val="tx1"/>
+                </a:solidFill>
+              </a:rPr>
+              <a:t>사용자</a:t>
+            </a:r>
+          </a:p>
+        </p:txBody>
+      </p:sp>
+      <p:sp>
+        <p:nvSpPr>
+          <p:cNvPr id="42" name="직사각형 41">
+            <a:extLst>
+              <a:ext uri="{FF2B5EF4-FFF2-40B4-BE49-F238E27FC236}">
+                <a16:creationId xmlns:a16="http://schemas.microsoft.com/office/drawing/2014/main" id="{6B423E40-BE79-4CA9-93D6-4F31AAC63469}"/>
+              </a:ext>
+            </a:extLst>
+          </p:cNvPr>
+          <p:cNvSpPr/>
+          <p:nvPr/>
+        </p:nvSpPr>
+        <p:spPr>
+          <a:xfrm>
+            <a:off x="1398270" y="729173"/>
+            <a:ext cx="618224" cy="647406"/>
+          </a:xfrm>
+          <a:prstGeom prst="rect">
+            <a:avLst/>
+          </a:prstGeom>
+          <a:gradFill flip="none" rotWithShape="1">
+            <a:gsLst>
+              <a:gs pos="0">
+                <a:srgbClr val="00B050">
+                  <a:tint val="66000"/>
+                  <a:satMod val="160000"/>
+                </a:srgbClr>
+              </a:gs>
+              <a:gs pos="50000">
+                <a:srgbClr val="00B050">
+                  <a:tint val="44500"/>
+                  <a:satMod val="160000"/>
+                </a:srgbClr>
+              </a:gs>
+              <a:gs pos="100000">
+                <a:srgbClr val="00B050">
+                  <a:tint val="23500"/>
+                  <a:satMod val="160000"/>
+                </a:srgbClr>
+              </a:gs>
+            </a:gsLst>
+            <a:lin ang="2700000" scaled="1"/>
+            <a:tileRect/>
+          </a:gradFill>
+          <a:ln>
+            <a:solidFill>
+              <a:srgbClr val="00B050"/>
+            </a:solidFill>
+          </a:ln>
+        </p:spPr>
+        <p:style>
+          <a:lnRef idx="2">
+            <a:schemeClr val="accent1">
+              <a:shade val="50000"/>
+            </a:schemeClr>
+          </a:lnRef>
+          <a:fillRef idx="1">
+            <a:schemeClr val="accent1"/>
+          </a:fillRef>
+          <a:effectRef idx="0">
+            <a:schemeClr val="accent1"/>
+          </a:effectRef>
+          <a:fontRef idx="minor">
+            <a:schemeClr val="lt1"/>
+          </a:fontRef>
+        </p:style>
+        <p:txBody>
+          <a:bodyPr rtlCol="0" anchor="ctr"/>
+          <a:lstStyle/>
+          <a:p>
+            <a:pPr algn="ctr"/>
+            <a:r>
+              <a:rPr lang="ko-KR" altLang="en-US" sz="800" dirty="0">
+                <a:solidFill>
+                  <a:schemeClr val="tx1"/>
+                </a:solidFill>
+              </a:rPr>
+              <a:t>상품</a:t>
+            </a:r>
+            <a:r>
+              <a:rPr lang="en-US" altLang="ko-KR" sz="800" dirty="0">
+                <a:solidFill>
+                  <a:schemeClr val="tx1"/>
+                </a:solidFill>
+              </a:rPr>
+              <a:t>/</a:t>
+            </a:r>
+          </a:p>
+          <a:p>
+            <a:pPr algn="ctr"/>
+            <a:r>
+              <a:rPr lang="ko-KR" altLang="en-US" sz="800" dirty="0">
+                <a:solidFill>
+                  <a:schemeClr val="tx1"/>
+                </a:solidFill>
+              </a:rPr>
+              <a:t>진열관리</a:t>
+            </a:r>
+          </a:p>
+        </p:txBody>
+      </p:sp>
+      <p:cxnSp>
+        <p:nvCxnSpPr>
+          <p:cNvPr id="3" name="직선 화살표 연결선 2">
+            <a:extLst>
+              <a:ext uri="{FF2B5EF4-FFF2-40B4-BE49-F238E27FC236}">
+                <a16:creationId xmlns:a16="http://schemas.microsoft.com/office/drawing/2014/main" id="{AFDC733B-20AF-4A36-A71B-433050B15333}"/>
+              </a:ext>
+            </a:extLst>
+          </p:cNvPr>
+          <p:cNvCxnSpPr>
+            <a:cxnSpLocks/>
+            <a:stCxn id="5" idx="6"/>
+            <a:endCxn id="42" idx="1"/>
+          </p:cNvCxnSpPr>
+          <p:nvPr/>
+        </p:nvCxnSpPr>
+        <p:spPr>
+          <a:xfrm flipV="1">
+            <a:off x="610813" y="1052876"/>
+            <a:ext cx="787457" cy="2287749"/>
+          </a:xfrm>
+          <a:prstGeom prst="straightConnector1">
+            <a:avLst/>
+          </a:prstGeom>
+          <a:ln>
+            <a:solidFill>
+              <a:srgbClr val="00B050"/>
+            </a:solidFill>
+            <a:tailEnd type="triangle"/>
+          </a:ln>
+        </p:spPr>
+        <p:style>
+          <a:lnRef idx="1">
+            <a:schemeClr val="accent1"/>
+          </a:lnRef>
+          <a:fillRef idx="0">
+            <a:schemeClr val="accent1"/>
+          </a:fillRef>
+          <a:effectRef idx="0">
+            <a:schemeClr val="accent1"/>
+          </a:effectRef>
+          <a:fontRef idx="minor">
+            <a:schemeClr val="tx1"/>
+          </a:fontRef>
+        </p:style>
+      </p:cxnSp>
+      <p:sp>
+        <p:nvSpPr>
+          <p:cNvPr id="17" name="직사각형 16">
+            <a:extLst>
+              <a:ext uri="{FF2B5EF4-FFF2-40B4-BE49-F238E27FC236}">
+                <a16:creationId xmlns:a16="http://schemas.microsoft.com/office/drawing/2014/main" id="{C4B6A30C-092F-4B1C-9BEE-9BA927CE0BC6}"/>
+              </a:ext>
+            </a:extLst>
+          </p:cNvPr>
+          <p:cNvSpPr/>
+          <p:nvPr/>
+        </p:nvSpPr>
+        <p:spPr>
+          <a:xfrm>
+            <a:off x="1398270" y="2883263"/>
+            <a:ext cx="618224" cy="647406"/>
+          </a:xfrm>
+          <a:prstGeom prst="rect">
+            <a:avLst/>
+          </a:prstGeom>
+          <a:gradFill flip="none" rotWithShape="1">
+            <a:gsLst>
+              <a:gs pos="0">
+                <a:srgbClr val="00B050">
+                  <a:tint val="66000"/>
+                  <a:satMod val="160000"/>
+                </a:srgbClr>
+              </a:gs>
+              <a:gs pos="50000">
+                <a:srgbClr val="00B050">
+                  <a:tint val="44500"/>
+                  <a:satMod val="160000"/>
+                </a:srgbClr>
+              </a:gs>
+              <a:gs pos="100000">
+                <a:srgbClr val="00B050">
+                  <a:tint val="23500"/>
+                  <a:satMod val="160000"/>
+                </a:srgbClr>
+              </a:gs>
+            </a:gsLst>
+            <a:lin ang="2700000" scaled="1"/>
+            <a:tileRect/>
+          </a:gradFill>
+          <a:ln>
+            <a:solidFill>
+              <a:srgbClr val="00B050"/>
+            </a:solidFill>
+          </a:ln>
+        </p:spPr>
+        <p:style>
+          <a:lnRef idx="2">
+            <a:schemeClr val="accent1">
+              <a:shade val="50000"/>
+            </a:schemeClr>
+          </a:lnRef>
+          <a:fillRef idx="1">
+            <a:schemeClr val="accent1"/>
+          </a:fillRef>
+          <a:effectRef idx="0">
+            <a:schemeClr val="accent1"/>
+          </a:effectRef>
+          <a:fontRef idx="minor">
+            <a:schemeClr val="lt1"/>
+          </a:fontRef>
+        </p:style>
+        <p:txBody>
+          <a:bodyPr rtlCol="0" anchor="ctr"/>
+          <a:lstStyle/>
+          <a:p>
+            <a:pPr algn="ctr"/>
+            <a:r>
+              <a:rPr lang="ko-KR" altLang="en-US" sz="800" dirty="0">
+                <a:solidFill>
+                  <a:schemeClr val="tx1"/>
+                </a:solidFill>
+              </a:rPr>
+              <a:t>고객관리</a:t>
+            </a:r>
+          </a:p>
+        </p:txBody>
+      </p:sp>
+      <p:sp>
+        <p:nvSpPr>
+          <p:cNvPr id="18" name="직사각형 17">
+            <a:extLst>
+              <a:ext uri="{FF2B5EF4-FFF2-40B4-BE49-F238E27FC236}">
+                <a16:creationId xmlns:a16="http://schemas.microsoft.com/office/drawing/2014/main" id="{4D41348F-4C96-4D16-B87C-579354030341}"/>
+              </a:ext>
+            </a:extLst>
+          </p:cNvPr>
+          <p:cNvSpPr/>
+          <p:nvPr/>
+        </p:nvSpPr>
+        <p:spPr>
+          <a:xfrm>
+            <a:off x="1398270" y="4361585"/>
+            <a:ext cx="618224" cy="647406"/>
+          </a:xfrm>
+          <a:prstGeom prst="rect">
+            <a:avLst/>
+          </a:prstGeom>
+          <a:gradFill flip="none" rotWithShape="1">
+            <a:gsLst>
+              <a:gs pos="0">
+                <a:srgbClr val="00B050">
+                  <a:tint val="66000"/>
+                  <a:satMod val="160000"/>
+                </a:srgbClr>
+              </a:gs>
+              <a:gs pos="50000">
+                <a:srgbClr val="00B050">
+                  <a:tint val="44500"/>
+                  <a:satMod val="160000"/>
+                </a:srgbClr>
+              </a:gs>
+              <a:gs pos="100000">
+                <a:srgbClr val="00B050">
+                  <a:tint val="23500"/>
+                  <a:satMod val="160000"/>
+                </a:srgbClr>
+              </a:gs>
+            </a:gsLst>
+            <a:lin ang="2700000" scaled="1"/>
+            <a:tileRect/>
+          </a:gradFill>
+          <a:ln>
+            <a:solidFill>
+              <a:srgbClr val="00B050"/>
+            </a:solidFill>
+          </a:ln>
+        </p:spPr>
+        <p:style>
+          <a:lnRef idx="2">
+            <a:schemeClr val="accent1">
+              <a:shade val="50000"/>
+            </a:schemeClr>
+          </a:lnRef>
+          <a:fillRef idx="1">
+            <a:schemeClr val="accent1"/>
+          </a:fillRef>
+          <a:effectRef idx="0">
+            <a:schemeClr val="accent1"/>
+          </a:effectRef>
+          <a:fontRef idx="minor">
+            <a:schemeClr val="lt1"/>
+          </a:fontRef>
+        </p:style>
+        <p:txBody>
+          <a:bodyPr rtlCol="0" anchor="ctr"/>
+          <a:lstStyle/>
+          <a:p>
+            <a:pPr algn="ctr"/>
+            <a:r>
+              <a:rPr lang="ko-KR" altLang="en-US" sz="800" dirty="0">
+                <a:solidFill>
+                  <a:schemeClr val="tx1"/>
+                </a:solidFill>
+              </a:rPr>
+              <a:t>주문관리</a:t>
+            </a:r>
+          </a:p>
+        </p:txBody>
+      </p:sp>
+      <p:sp>
+        <p:nvSpPr>
+          <p:cNvPr id="19" name="직사각형 18">
+            <a:extLst>
+              <a:ext uri="{FF2B5EF4-FFF2-40B4-BE49-F238E27FC236}">
+                <a16:creationId xmlns:a16="http://schemas.microsoft.com/office/drawing/2014/main" id="{F7BE9ACD-359F-4DFB-B802-509ED9B0245B}"/>
+              </a:ext>
+            </a:extLst>
+          </p:cNvPr>
+          <p:cNvSpPr/>
+          <p:nvPr/>
+        </p:nvSpPr>
+        <p:spPr>
+          <a:xfrm>
+            <a:off x="1398270" y="5834369"/>
+            <a:ext cx="618224" cy="647406"/>
+          </a:xfrm>
+          <a:prstGeom prst="rect">
+            <a:avLst/>
+          </a:prstGeom>
+          <a:gradFill flip="none" rotWithShape="1">
+            <a:gsLst>
+              <a:gs pos="0">
+                <a:srgbClr val="00B050">
+                  <a:tint val="66000"/>
+                  <a:satMod val="160000"/>
+                </a:srgbClr>
+              </a:gs>
+              <a:gs pos="50000">
+                <a:srgbClr val="00B050">
+                  <a:tint val="44500"/>
+                  <a:satMod val="160000"/>
+                </a:srgbClr>
+              </a:gs>
+              <a:gs pos="100000">
+                <a:srgbClr val="00B050">
+                  <a:tint val="23500"/>
+                  <a:satMod val="160000"/>
+                </a:srgbClr>
+              </a:gs>
+            </a:gsLst>
+            <a:lin ang="2700000" scaled="1"/>
+            <a:tileRect/>
+          </a:gradFill>
+          <a:ln>
+            <a:solidFill>
+              <a:srgbClr val="00B050"/>
+            </a:solidFill>
+          </a:ln>
+        </p:spPr>
+        <p:style>
+          <a:lnRef idx="2">
+            <a:schemeClr val="accent1">
+              <a:shade val="50000"/>
+            </a:schemeClr>
+          </a:lnRef>
+          <a:fillRef idx="1">
+            <a:schemeClr val="accent1"/>
+          </a:fillRef>
+          <a:effectRef idx="0">
+            <a:schemeClr val="accent1"/>
+          </a:effectRef>
+          <a:fontRef idx="minor">
+            <a:schemeClr val="lt1"/>
+          </a:fontRef>
+        </p:style>
+        <p:txBody>
+          <a:bodyPr rtlCol="0" anchor="ctr"/>
+          <a:lstStyle/>
+          <a:p>
+            <a:pPr algn="ctr"/>
+            <a:r>
+              <a:rPr lang="ko-KR" altLang="en-US" sz="800" dirty="0">
+                <a:solidFill>
+                  <a:schemeClr val="tx1"/>
+                </a:solidFill>
+              </a:rPr>
+              <a:t>재고관리</a:t>
+            </a:r>
+          </a:p>
+        </p:txBody>
+      </p:sp>
+      <p:cxnSp>
+        <p:nvCxnSpPr>
+          <p:cNvPr id="7" name="직선 화살표 연결선 6">
+            <a:extLst>
+              <a:ext uri="{FF2B5EF4-FFF2-40B4-BE49-F238E27FC236}">
+                <a16:creationId xmlns:a16="http://schemas.microsoft.com/office/drawing/2014/main" id="{7FF8E9DB-34D6-4C48-A1A7-2E42D84FC583}"/>
+              </a:ext>
+            </a:extLst>
+          </p:cNvPr>
+          <p:cNvCxnSpPr>
+            <a:stCxn id="5" idx="6"/>
+            <a:endCxn id="17" idx="1"/>
+          </p:cNvCxnSpPr>
+          <p:nvPr/>
+        </p:nvCxnSpPr>
+        <p:spPr>
+          <a:xfrm flipV="1">
+            <a:off x="610813" y="3206966"/>
+            <a:ext cx="787457" cy="133659"/>
+          </a:xfrm>
+          <a:prstGeom prst="straightConnector1">
+            <a:avLst/>
+          </a:prstGeom>
+          <a:ln>
+            <a:solidFill>
+              <a:srgbClr val="00B050"/>
+            </a:solidFill>
+            <a:tailEnd type="triangle"/>
+          </a:ln>
+        </p:spPr>
+        <p:style>
+          <a:lnRef idx="1">
+            <a:schemeClr val="accent1"/>
+          </a:lnRef>
+          <a:fillRef idx="0">
+            <a:schemeClr val="accent1"/>
+          </a:fillRef>
+          <a:effectRef idx="0">
+            <a:schemeClr val="accent1"/>
+          </a:effectRef>
+          <a:fontRef idx="minor">
+            <a:schemeClr val="tx1"/>
+          </a:fontRef>
+        </p:style>
+      </p:cxnSp>
+      <p:cxnSp>
+        <p:nvCxnSpPr>
+          <p:cNvPr id="11" name="직선 화살표 연결선 10">
+            <a:extLst>
+              <a:ext uri="{FF2B5EF4-FFF2-40B4-BE49-F238E27FC236}">
+                <a16:creationId xmlns:a16="http://schemas.microsoft.com/office/drawing/2014/main" id="{64DA7ACE-8697-4F83-85A0-BDE5BC0ECF6C}"/>
+              </a:ext>
+            </a:extLst>
+          </p:cNvPr>
+          <p:cNvCxnSpPr>
+            <a:stCxn id="5" idx="6"/>
+            <a:endCxn id="18" idx="1"/>
+          </p:cNvCxnSpPr>
+          <p:nvPr/>
+        </p:nvCxnSpPr>
+        <p:spPr>
+          <a:xfrm>
+            <a:off x="610813" y="3340625"/>
+            <a:ext cx="787457" cy="1344663"/>
+          </a:xfrm>
+          <a:prstGeom prst="straightConnector1">
+            <a:avLst/>
+          </a:prstGeom>
+          <a:ln>
+            <a:solidFill>
+              <a:srgbClr val="00B050"/>
+            </a:solidFill>
+            <a:tailEnd type="triangle"/>
+          </a:ln>
+        </p:spPr>
+        <p:style>
+          <a:lnRef idx="1">
+            <a:schemeClr val="accent1"/>
+          </a:lnRef>
+          <a:fillRef idx="0">
+            <a:schemeClr val="accent1"/>
+          </a:fillRef>
+          <a:effectRef idx="0">
+            <a:schemeClr val="accent1"/>
+          </a:effectRef>
+          <a:fontRef idx="minor">
+            <a:schemeClr val="tx1"/>
+          </a:fontRef>
+        </p:style>
+      </p:cxnSp>
+      <p:cxnSp>
+        <p:nvCxnSpPr>
+          <p:cNvPr id="14" name="직선 화살표 연결선 13">
+            <a:extLst>
+              <a:ext uri="{FF2B5EF4-FFF2-40B4-BE49-F238E27FC236}">
+                <a16:creationId xmlns:a16="http://schemas.microsoft.com/office/drawing/2014/main" id="{EE4F21AB-9AA4-425F-8A0A-A9AA7DB12A96}"/>
+              </a:ext>
+            </a:extLst>
+          </p:cNvPr>
+          <p:cNvCxnSpPr>
+            <a:cxnSpLocks/>
+            <a:stCxn id="5" idx="6"/>
+            <a:endCxn id="19" idx="1"/>
+          </p:cNvCxnSpPr>
+          <p:nvPr/>
+        </p:nvCxnSpPr>
+        <p:spPr>
+          <a:xfrm>
+            <a:off x="610813" y="3340625"/>
+            <a:ext cx="787457" cy="2817447"/>
+          </a:xfrm>
+          <a:prstGeom prst="straightConnector1">
+            <a:avLst/>
+          </a:prstGeom>
+          <a:ln>
+            <a:solidFill>
+              <a:srgbClr val="00B050"/>
+            </a:solidFill>
+            <a:tailEnd type="triangle"/>
+          </a:ln>
+        </p:spPr>
+        <p:style>
+          <a:lnRef idx="1">
+            <a:schemeClr val="accent1"/>
+          </a:lnRef>
+          <a:fillRef idx="0">
+            <a:schemeClr val="accent1"/>
+          </a:fillRef>
+          <a:effectRef idx="0">
+            <a:schemeClr val="accent1"/>
+          </a:effectRef>
+          <a:fontRef idx="minor">
+            <a:schemeClr val="tx1"/>
+          </a:fontRef>
+        </p:style>
+      </p:cxnSp>
+      <p:sp>
+        <p:nvSpPr>
+          <p:cNvPr id="26" name="직사각형 25">
+            <a:extLst>
+              <a:ext uri="{FF2B5EF4-FFF2-40B4-BE49-F238E27FC236}">
+                <a16:creationId xmlns:a16="http://schemas.microsoft.com/office/drawing/2014/main" id="{5571D892-9F08-43A3-9C3B-D67E374B1073}"/>
+              </a:ext>
+            </a:extLst>
+          </p:cNvPr>
+          <p:cNvSpPr/>
+          <p:nvPr/>
+        </p:nvSpPr>
+        <p:spPr>
+          <a:xfrm>
+            <a:off x="3001277" y="-87178"/>
+            <a:ext cx="618224" cy="647406"/>
+          </a:xfrm>
+          <a:prstGeom prst="rect">
+            <a:avLst/>
+          </a:prstGeom>
+          <a:gradFill flip="none" rotWithShape="1">
+            <a:gsLst>
+              <a:gs pos="0">
+                <a:srgbClr val="00B050">
+                  <a:tint val="66000"/>
+                  <a:satMod val="160000"/>
+                </a:srgbClr>
+              </a:gs>
+              <a:gs pos="50000">
+                <a:srgbClr val="00B050">
+                  <a:tint val="44500"/>
+                  <a:satMod val="160000"/>
+                </a:srgbClr>
+              </a:gs>
+              <a:gs pos="100000">
+                <a:srgbClr val="00B050">
+                  <a:tint val="23500"/>
+                  <a:satMod val="160000"/>
+                </a:srgbClr>
+              </a:gs>
+            </a:gsLst>
+            <a:lin ang="2700000" scaled="1"/>
+            <a:tileRect/>
+          </a:gradFill>
+          <a:ln>
+            <a:solidFill>
+              <a:srgbClr val="00B050"/>
+            </a:solidFill>
+          </a:ln>
+        </p:spPr>
+        <p:style>
+          <a:lnRef idx="2">
+            <a:schemeClr val="accent1">
+              <a:shade val="50000"/>
+            </a:schemeClr>
+          </a:lnRef>
+          <a:fillRef idx="1">
+            <a:schemeClr val="accent1"/>
+          </a:fillRef>
+          <a:effectRef idx="0">
+            <a:schemeClr val="accent1"/>
+          </a:effectRef>
+          <a:fontRef idx="minor">
+            <a:schemeClr val="lt1"/>
+          </a:fontRef>
+        </p:style>
+        <p:txBody>
+          <a:bodyPr rtlCol="0" anchor="ctr"/>
+          <a:lstStyle/>
+          <a:p>
+            <a:pPr algn="ctr"/>
+            <a:r>
+              <a:rPr lang="ko-KR" altLang="en-US" sz="800" dirty="0">
+                <a:solidFill>
+                  <a:schemeClr val="tx1"/>
+                </a:solidFill>
+              </a:rPr>
+              <a:t>상품등록</a:t>
+            </a:r>
+          </a:p>
+        </p:txBody>
+      </p:sp>
+      <p:sp>
+        <p:nvSpPr>
+          <p:cNvPr id="28" name="직사각형 27">
+            <a:extLst>
+              <a:ext uri="{FF2B5EF4-FFF2-40B4-BE49-F238E27FC236}">
+                <a16:creationId xmlns:a16="http://schemas.microsoft.com/office/drawing/2014/main" id="{5A4660F4-EFEF-450F-B5A6-9284C98E4D74}"/>
+              </a:ext>
+            </a:extLst>
+          </p:cNvPr>
+          <p:cNvSpPr/>
+          <p:nvPr/>
+        </p:nvSpPr>
+        <p:spPr>
+          <a:xfrm>
+            <a:off x="7305072" y="760992"/>
+            <a:ext cx="618224" cy="647406"/>
+          </a:xfrm>
+          <a:prstGeom prst="rect">
+            <a:avLst/>
+          </a:prstGeom>
+          <a:gradFill flip="none" rotWithShape="1">
+            <a:gsLst>
+              <a:gs pos="0">
+                <a:srgbClr val="00B050">
+                  <a:tint val="66000"/>
+                  <a:satMod val="160000"/>
+                </a:srgbClr>
+              </a:gs>
+              <a:gs pos="50000">
+                <a:srgbClr val="00B050">
+                  <a:tint val="44500"/>
+                  <a:satMod val="160000"/>
+                </a:srgbClr>
+              </a:gs>
+              <a:gs pos="100000">
+                <a:srgbClr val="00B050">
+                  <a:tint val="23500"/>
+                  <a:satMod val="160000"/>
+                </a:srgbClr>
+              </a:gs>
+            </a:gsLst>
+            <a:lin ang="2700000" scaled="1"/>
+            <a:tileRect/>
+          </a:gradFill>
+          <a:ln>
+            <a:solidFill>
+              <a:srgbClr val="00B050"/>
+            </a:solidFill>
+          </a:ln>
+        </p:spPr>
+        <p:style>
+          <a:lnRef idx="2">
+            <a:schemeClr val="accent1">
+              <a:shade val="50000"/>
+            </a:schemeClr>
+          </a:lnRef>
+          <a:fillRef idx="1">
+            <a:schemeClr val="accent1"/>
+          </a:fillRef>
+          <a:effectRef idx="0">
+            <a:schemeClr val="accent1"/>
+          </a:effectRef>
+          <a:fontRef idx="minor">
+            <a:schemeClr val="lt1"/>
+          </a:fontRef>
+        </p:style>
+        <p:txBody>
+          <a:bodyPr rtlCol="0" anchor="ctr"/>
+          <a:lstStyle/>
+          <a:p>
+            <a:pPr algn="ctr"/>
+            <a:r>
+              <a:rPr lang="ko-KR" altLang="en-US" sz="800" dirty="0">
+                <a:solidFill>
+                  <a:schemeClr val="tx1"/>
+                </a:solidFill>
+              </a:rPr>
+              <a:t>상품삭제</a:t>
+            </a:r>
+          </a:p>
+        </p:txBody>
+      </p:sp>
+      <p:sp>
+        <p:nvSpPr>
+          <p:cNvPr id="29" name="직사각형 28">
+            <a:extLst>
+              <a:ext uri="{FF2B5EF4-FFF2-40B4-BE49-F238E27FC236}">
+                <a16:creationId xmlns:a16="http://schemas.microsoft.com/office/drawing/2014/main" id="{12C4A4CA-0AAB-4B2C-822F-DB6823943891}"/>
+              </a:ext>
+            </a:extLst>
+          </p:cNvPr>
+          <p:cNvSpPr/>
+          <p:nvPr/>
+        </p:nvSpPr>
+        <p:spPr>
+          <a:xfrm>
+            <a:off x="7305072" y="1652908"/>
+            <a:ext cx="618224" cy="647406"/>
+          </a:xfrm>
+          <a:prstGeom prst="rect">
+            <a:avLst/>
+          </a:prstGeom>
+          <a:gradFill flip="none" rotWithShape="1">
+            <a:gsLst>
+              <a:gs pos="0">
+                <a:srgbClr val="00B050">
+                  <a:tint val="66000"/>
+                  <a:satMod val="160000"/>
+                </a:srgbClr>
+              </a:gs>
+              <a:gs pos="50000">
+                <a:srgbClr val="00B050">
+                  <a:tint val="44500"/>
+                  <a:satMod val="160000"/>
+                </a:srgbClr>
+              </a:gs>
+              <a:gs pos="100000">
+                <a:srgbClr val="00B050">
+                  <a:tint val="23500"/>
+                  <a:satMod val="160000"/>
+                </a:srgbClr>
+              </a:gs>
+            </a:gsLst>
+            <a:lin ang="2700000" scaled="1"/>
+            <a:tileRect/>
+          </a:gradFill>
+          <a:ln>
+            <a:solidFill>
+              <a:srgbClr val="00B050"/>
+            </a:solidFill>
+          </a:ln>
+        </p:spPr>
+        <p:style>
+          <a:lnRef idx="2">
+            <a:schemeClr val="accent1">
+              <a:shade val="50000"/>
+            </a:schemeClr>
+          </a:lnRef>
+          <a:fillRef idx="1">
+            <a:schemeClr val="accent1"/>
+          </a:fillRef>
+          <a:effectRef idx="0">
+            <a:schemeClr val="accent1"/>
+          </a:effectRef>
+          <a:fontRef idx="minor">
+            <a:schemeClr val="lt1"/>
+          </a:fontRef>
+        </p:style>
+        <p:txBody>
+          <a:bodyPr rtlCol="0" anchor="ctr"/>
+          <a:lstStyle/>
+          <a:p>
+            <a:pPr algn="ctr"/>
+            <a:r>
+              <a:rPr lang="ko-KR" altLang="en-US" sz="800" dirty="0">
+                <a:solidFill>
+                  <a:schemeClr val="tx1"/>
+                </a:solidFill>
+              </a:rPr>
+              <a:t>상품수정</a:t>
+            </a:r>
+          </a:p>
+        </p:txBody>
+      </p:sp>
+      <p:cxnSp>
+        <p:nvCxnSpPr>
+          <p:cNvPr id="16" name="직선 화살표 연결선 15">
+            <a:extLst>
+              <a:ext uri="{FF2B5EF4-FFF2-40B4-BE49-F238E27FC236}">
+                <a16:creationId xmlns:a16="http://schemas.microsoft.com/office/drawing/2014/main" id="{35B2D949-46CB-4A95-B0B3-26EF29A27C35}"/>
+              </a:ext>
+            </a:extLst>
+          </p:cNvPr>
+          <p:cNvCxnSpPr>
+            <a:stCxn id="42" idx="3"/>
+            <a:endCxn id="26" idx="1"/>
+          </p:cNvCxnSpPr>
+          <p:nvPr/>
+        </p:nvCxnSpPr>
+        <p:spPr>
+          <a:xfrm flipV="1">
+            <a:off x="2016494" y="236525"/>
+            <a:ext cx="984783" cy="816351"/>
+          </a:xfrm>
+          <a:prstGeom prst="straightConnector1">
+            <a:avLst/>
+          </a:prstGeom>
+          <a:ln>
+            <a:solidFill>
+              <a:srgbClr val="00B050"/>
+            </a:solidFill>
+            <a:tailEnd type="triangle"/>
+          </a:ln>
+        </p:spPr>
+        <p:style>
+          <a:lnRef idx="1">
+            <a:schemeClr val="accent1"/>
+          </a:lnRef>
+          <a:fillRef idx="0">
+            <a:schemeClr val="accent1"/>
+          </a:fillRef>
+          <a:effectRef idx="0">
+            <a:schemeClr val="accent1"/>
+          </a:effectRef>
+          <a:fontRef idx="minor">
+            <a:schemeClr val="tx1"/>
+          </a:fontRef>
+        </p:style>
+      </p:cxnSp>
+      <p:sp>
+        <p:nvSpPr>
+          <p:cNvPr id="36" name="직사각형 35">
+            <a:extLst>
+              <a:ext uri="{FF2B5EF4-FFF2-40B4-BE49-F238E27FC236}">
+                <a16:creationId xmlns:a16="http://schemas.microsoft.com/office/drawing/2014/main" id="{91346778-4885-476C-BCED-A595ACA0F371}"/>
+              </a:ext>
+            </a:extLst>
+          </p:cNvPr>
+          <p:cNvSpPr/>
+          <p:nvPr/>
+        </p:nvSpPr>
+        <p:spPr>
+          <a:xfrm>
+            <a:off x="3001277" y="2883263"/>
+            <a:ext cx="618224" cy="647406"/>
+          </a:xfrm>
+          <a:prstGeom prst="rect">
+            <a:avLst/>
+          </a:prstGeom>
+          <a:gradFill flip="none" rotWithShape="1">
+            <a:gsLst>
+              <a:gs pos="0">
+                <a:srgbClr val="00B050">
+                  <a:tint val="66000"/>
+                  <a:satMod val="160000"/>
+                </a:srgbClr>
+              </a:gs>
+              <a:gs pos="50000">
+                <a:srgbClr val="00B050">
+                  <a:tint val="44500"/>
+                  <a:satMod val="160000"/>
+                </a:srgbClr>
+              </a:gs>
+              <a:gs pos="100000">
+                <a:srgbClr val="00B050">
+                  <a:tint val="23500"/>
+                  <a:satMod val="160000"/>
+                </a:srgbClr>
+              </a:gs>
+            </a:gsLst>
+            <a:lin ang="2700000" scaled="1"/>
+            <a:tileRect/>
+          </a:gradFill>
+          <a:ln>
+            <a:solidFill>
+              <a:srgbClr val="00B050"/>
+            </a:solidFill>
+          </a:ln>
+        </p:spPr>
+        <p:style>
+          <a:lnRef idx="2">
+            <a:schemeClr val="accent1">
+              <a:shade val="50000"/>
+            </a:schemeClr>
+          </a:lnRef>
+          <a:fillRef idx="1">
+            <a:schemeClr val="accent1"/>
+          </a:fillRef>
+          <a:effectRef idx="0">
+            <a:schemeClr val="accent1"/>
+          </a:effectRef>
+          <a:fontRef idx="minor">
+            <a:schemeClr val="lt1"/>
+          </a:fontRef>
+        </p:style>
+        <p:txBody>
+          <a:bodyPr rtlCol="0" anchor="ctr"/>
+          <a:lstStyle/>
+          <a:p>
+            <a:pPr algn="ctr"/>
+            <a:r>
+              <a:rPr lang="ko-KR" altLang="en-US" sz="800" dirty="0">
+                <a:solidFill>
+                  <a:schemeClr val="tx1"/>
+                </a:solidFill>
+              </a:rPr>
+              <a:t>고객</a:t>
+            </a:r>
+            <a:endParaRPr lang="en-US" altLang="ko-KR" sz="800" dirty="0">
+              <a:solidFill>
+                <a:schemeClr val="tx1"/>
+              </a:solidFill>
+            </a:endParaRPr>
+          </a:p>
+          <a:p>
+            <a:pPr algn="ctr"/>
+            <a:r>
+              <a:rPr lang="ko-KR" altLang="en-US" sz="800" dirty="0">
+                <a:solidFill>
+                  <a:schemeClr val="tx1"/>
+                </a:solidFill>
+              </a:rPr>
+              <a:t>리스트</a:t>
+            </a:r>
+          </a:p>
+        </p:txBody>
+      </p:sp>
+      <p:sp>
+        <p:nvSpPr>
+          <p:cNvPr id="46" name="직사각형 45">
+            <a:extLst>
+              <a:ext uri="{FF2B5EF4-FFF2-40B4-BE49-F238E27FC236}">
+                <a16:creationId xmlns:a16="http://schemas.microsoft.com/office/drawing/2014/main" id="{37A32073-580C-4DAA-9228-2D17DC8B3EDC}"/>
+              </a:ext>
+            </a:extLst>
+          </p:cNvPr>
+          <p:cNvSpPr/>
+          <p:nvPr/>
+        </p:nvSpPr>
+        <p:spPr>
+          <a:xfrm>
+            <a:off x="3001277" y="1240305"/>
+            <a:ext cx="618224" cy="647406"/>
+          </a:xfrm>
+          <a:prstGeom prst="rect">
+            <a:avLst/>
+          </a:prstGeom>
+          <a:gradFill flip="none" rotWithShape="1">
+            <a:gsLst>
+              <a:gs pos="0">
+                <a:srgbClr val="00B050">
+                  <a:tint val="66000"/>
+                  <a:satMod val="160000"/>
+                </a:srgbClr>
+              </a:gs>
+              <a:gs pos="50000">
+                <a:srgbClr val="00B050">
+                  <a:tint val="44500"/>
+                  <a:satMod val="160000"/>
+                </a:srgbClr>
+              </a:gs>
+              <a:gs pos="100000">
+                <a:srgbClr val="00B050">
+                  <a:tint val="23500"/>
+                  <a:satMod val="160000"/>
+                </a:srgbClr>
+              </a:gs>
+            </a:gsLst>
+            <a:lin ang="2700000" scaled="1"/>
+            <a:tileRect/>
+          </a:gradFill>
+          <a:ln>
+            <a:solidFill>
+              <a:srgbClr val="00B050"/>
+            </a:solidFill>
+          </a:ln>
+        </p:spPr>
+        <p:style>
+          <a:lnRef idx="2">
+            <a:schemeClr val="accent1">
+              <a:shade val="50000"/>
+            </a:schemeClr>
+          </a:lnRef>
+          <a:fillRef idx="1">
+            <a:schemeClr val="accent1"/>
+          </a:fillRef>
+          <a:effectRef idx="0">
+            <a:schemeClr val="accent1"/>
+          </a:effectRef>
+          <a:fontRef idx="minor">
+            <a:schemeClr val="lt1"/>
+          </a:fontRef>
+        </p:style>
+        <p:txBody>
+          <a:bodyPr rtlCol="0" anchor="ctr"/>
+          <a:lstStyle/>
+          <a:p>
+            <a:pPr algn="ctr"/>
+            <a:r>
+              <a:rPr lang="ko-KR" altLang="en-US" sz="800" dirty="0">
+                <a:solidFill>
+                  <a:schemeClr val="tx1"/>
+                </a:solidFill>
+              </a:rPr>
+              <a:t>상품</a:t>
+            </a:r>
+            <a:endParaRPr lang="en-US" altLang="ko-KR" sz="800" dirty="0">
+              <a:solidFill>
+                <a:schemeClr val="tx1"/>
+              </a:solidFill>
+            </a:endParaRPr>
+          </a:p>
+          <a:p>
+            <a:pPr algn="ctr"/>
+            <a:r>
+              <a:rPr lang="ko-KR" altLang="en-US" sz="800" dirty="0">
+                <a:solidFill>
+                  <a:schemeClr val="tx1"/>
+                </a:solidFill>
+              </a:rPr>
+              <a:t>리스트</a:t>
+            </a:r>
+          </a:p>
+        </p:txBody>
+      </p:sp>
+      <p:cxnSp>
+        <p:nvCxnSpPr>
+          <p:cNvPr id="53" name="직선 화살표 연결선 52">
+            <a:extLst>
+              <a:ext uri="{FF2B5EF4-FFF2-40B4-BE49-F238E27FC236}">
+                <a16:creationId xmlns:a16="http://schemas.microsoft.com/office/drawing/2014/main" id="{7D9E0B51-AA2B-439A-A195-C96B8CC5CF65}"/>
+              </a:ext>
+            </a:extLst>
+          </p:cNvPr>
+          <p:cNvCxnSpPr>
+            <a:stCxn id="42" idx="3"/>
+            <a:endCxn id="46" idx="1"/>
+          </p:cNvCxnSpPr>
+          <p:nvPr/>
+        </p:nvCxnSpPr>
+        <p:spPr>
+          <a:xfrm>
+            <a:off x="2016494" y="1052876"/>
+            <a:ext cx="984783" cy="511132"/>
+          </a:xfrm>
+          <a:prstGeom prst="straightConnector1">
+            <a:avLst/>
+          </a:prstGeom>
+          <a:ln>
+            <a:solidFill>
+              <a:srgbClr val="00B050"/>
+            </a:solidFill>
+            <a:tailEnd type="triangle"/>
+          </a:ln>
+        </p:spPr>
+        <p:style>
+          <a:lnRef idx="1">
+            <a:schemeClr val="accent1"/>
+          </a:lnRef>
+          <a:fillRef idx="0">
+            <a:schemeClr val="accent1"/>
+          </a:fillRef>
+          <a:effectRef idx="0">
+            <a:schemeClr val="accent1"/>
+          </a:effectRef>
+          <a:fontRef idx="minor">
+            <a:schemeClr val="tx1"/>
+          </a:fontRef>
+        </p:style>
+      </p:cxnSp>
+      <p:cxnSp>
+        <p:nvCxnSpPr>
+          <p:cNvPr id="57" name="직선 화살표 연결선 56">
+            <a:extLst>
+              <a:ext uri="{FF2B5EF4-FFF2-40B4-BE49-F238E27FC236}">
+                <a16:creationId xmlns:a16="http://schemas.microsoft.com/office/drawing/2014/main" id="{C724BBE5-41C3-4CB8-8782-BDFCC115887F}"/>
+              </a:ext>
+            </a:extLst>
+          </p:cNvPr>
+          <p:cNvCxnSpPr>
+            <a:stCxn id="17" idx="3"/>
+            <a:endCxn id="36" idx="1"/>
+          </p:cNvCxnSpPr>
+          <p:nvPr/>
+        </p:nvCxnSpPr>
+        <p:spPr>
+          <a:xfrm>
+            <a:off x="2016494" y="3206966"/>
+            <a:ext cx="984783" cy="0"/>
+          </a:xfrm>
+          <a:prstGeom prst="straightConnector1">
+            <a:avLst/>
+          </a:prstGeom>
+          <a:ln>
+            <a:solidFill>
+              <a:srgbClr val="00B050"/>
+            </a:solidFill>
+            <a:tailEnd type="triangle"/>
+          </a:ln>
+        </p:spPr>
+        <p:style>
+          <a:lnRef idx="1">
+            <a:schemeClr val="accent1"/>
+          </a:lnRef>
+          <a:fillRef idx="0">
+            <a:schemeClr val="accent1"/>
+          </a:fillRef>
+          <a:effectRef idx="0">
+            <a:schemeClr val="accent1"/>
+          </a:effectRef>
+          <a:fontRef idx="minor">
+            <a:schemeClr val="tx1"/>
+          </a:fontRef>
+        </p:style>
+      </p:cxnSp>
+      <p:sp>
+        <p:nvSpPr>
+          <p:cNvPr id="59" name="직사각형 58">
+            <a:extLst>
+              <a:ext uri="{FF2B5EF4-FFF2-40B4-BE49-F238E27FC236}">
+                <a16:creationId xmlns:a16="http://schemas.microsoft.com/office/drawing/2014/main" id="{C4A0FE8F-41CF-4846-9B36-DD7FE8A57CC3}"/>
+              </a:ext>
+            </a:extLst>
+          </p:cNvPr>
+          <p:cNvSpPr/>
+          <p:nvPr/>
+        </p:nvSpPr>
+        <p:spPr>
+          <a:xfrm>
+            <a:off x="5247673" y="2883263"/>
+            <a:ext cx="618224" cy="647406"/>
+          </a:xfrm>
+          <a:prstGeom prst="rect">
+            <a:avLst/>
+          </a:prstGeom>
+          <a:gradFill flip="none" rotWithShape="1">
+            <a:gsLst>
+              <a:gs pos="0">
+                <a:srgbClr val="00B050">
+                  <a:tint val="66000"/>
+                  <a:satMod val="160000"/>
+                </a:srgbClr>
+              </a:gs>
+              <a:gs pos="50000">
+                <a:srgbClr val="00B050">
+                  <a:tint val="44500"/>
+                  <a:satMod val="160000"/>
+                </a:srgbClr>
+              </a:gs>
+              <a:gs pos="100000">
+                <a:srgbClr val="00B050">
+                  <a:tint val="23500"/>
+                  <a:satMod val="160000"/>
+                </a:srgbClr>
+              </a:gs>
+            </a:gsLst>
+            <a:lin ang="2700000" scaled="1"/>
+            <a:tileRect/>
+          </a:gradFill>
+          <a:ln>
+            <a:solidFill>
+              <a:srgbClr val="00B050"/>
+            </a:solidFill>
+          </a:ln>
+        </p:spPr>
+        <p:style>
+          <a:lnRef idx="2">
+            <a:schemeClr val="accent1">
+              <a:shade val="50000"/>
+            </a:schemeClr>
+          </a:lnRef>
+          <a:fillRef idx="1">
+            <a:schemeClr val="accent1"/>
+          </a:fillRef>
+          <a:effectRef idx="0">
+            <a:schemeClr val="accent1"/>
+          </a:effectRef>
+          <a:fontRef idx="minor">
+            <a:schemeClr val="lt1"/>
+          </a:fontRef>
+        </p:style>
+        <p:txBody>
+          <a:bodyPr rtlCol="0" anchor="ctr"/>
+          <a:lstStyle/>
+          <a:p>
+            <a:pPr algn="ctr"/>
+            <a:r>
+              <a:rPr lang="ko-KR" altLang="en-US" sz="800" dirty="0">
+                <a:solidFill>
+                  <a:schemeClr val="tx1"/>
+                </a:solidFill>
+              </a:rPr>
+              <a:t>회원</a:t>
+            </a:r>
+            <a:endParaRPr lang="en-US" altLang="ko-KR" sz="800" dirty="0">
+              <a:solidFill>
+                <a:schemeClr val="tx1"/>
+              </a:solidFill>
+            </a:endParaRPr>
+          </a:p>
+          <a:p>
+            <a:pPr algn="ctr"/>
+            <a:r>
+              <a:rPr lang="ko-KR" altLang="en-US" sz="800" dirty="0">
+                <a:solidFill>
+                  <a:schemeClr val="tx1"/>
+                </a:solidFill>
+              </a:rPr>
+              <a:t>상세정보</a:t>
+            </a:r>
+          </a:p>
+        </p:txBody>
+      </p:sp>
+      <p:cxnSp>
+        <p:nvCxnSpPr>
+          <p:cNvPr id="60" name="직선 화살표 연결선 59">
+            <a:extLst>
+              <a:ext uri="{FF2B5EF4-FFF2-40B4-BE49-F238E27FC236}">
+                <a16:creationId xmlns:a16="http://schemas.microsoft.com/office/drawing/2014/main" id="{86EA7F43-518E-4A7B-82F4-1C743807E987}"/>
+              </a:ext>
+            </a:extLst>
+          </p:cNvPr>
+          <p:cNvCxnSpPr>
+            <a:stCxn id="36" idx="3"/>
+            <a:endCxn id="59" idx="1"/>
+          </p:cNvCxnSpPr>
+          <p:nvPr/>
+        </p:nvCxnSpPr>
+        <p:spPr>
+          <a:xfrm>
+            <a:off x="3619501" y="3206966"/>
+            <a:ext cx="1628172" cy="0"/>
+          </a:xfrm>
+          <a:prstGeom prst="straightConnector1">
+            <a:avLst/>
+          </a:prstGeom>
+          <a:ln>
+            <a:solidFill>
+              <a:srgbClr val="00B050"/>
+            </a:solidFill>
+            <a:tailEnd type="triangle"/>
+          </a:ln>
+        </p:spPr>
+        <p:style>
+          <a:lnRef idx="1">
+            <a:schemeClr val="accent1"/>
+          </a:lnRef>
+          <a:fillRef idx="0">
+            <a:schemeClr val="accent1"/>
+          </a:fillRef>
+          <a:effectRef idx="0">
+            <a:schemeClr val="accent1"/>
+          </a:effectRef>
+          <a:fontRef idx="minor">
+            <a:schemeClr val="tx1"/>
+          </a:fontRef>
+        </p:style>
+      </p:cxnSp>
+      <p:sp>
+        <p:nvSpPr>
+          <p:cNvPr id="62" name="직사각형 61">
+            <a:extLst>
+              <a:ext uri="{FF2B5EF4-FFF2-40B4-BE49-F238E27FC236}">
+                <a16:creationId xmlns:a16="http://schemas.microsoft.com/office/drawing/2014/main" id="{C0B80AB0-BFEF-4ADE-AD65-64B735BFE97C}"/>
+              </a:ext>
+            </a:extLst>
+          </p:cNvPr>
+          <p:cNvSpPr/>
+          <p:nvPr/>
+        </p:nvSpPr>
+        <p:spPr>
+          <a:xfrm>
+            <a:off x="5247673" y="1240305"/>
+            <a:ext cx="618224" cy="647406"/>
+          </a:xfrm>
+          <a:prstGeom prst="rect">
+            <a:avLst/>
+          </a:prstGeom>
+          <a:gradFill flip="none" rotWithShape="1">
+            <a:gsLst>
+              <a:gs pos="0">
+                <a:srgbClr val="00B050">
+                  <a:tint val="66000"/>
+                  <a:satMod val="160000"/>
+                </a:srgbClr>
+              </a:gs>
+              <a:gs pos="50000">
+                <a:srgbClr val="00B050">
+                  <a:tint val="44500"/>
+                  <a:satMod val="160000"/>
+                </a:srgbClr>
+              </a:gs>
+              <a:gs pos="100000">
+                <a:srgbClr val="00B050">
+                  <a:tint val="23500"/>
+                  <a:satMod val="160000"/>
+                </a:srgbClr>
+              </a:gs>
+            </a:gsLst>
+            <a:lin ang="2700000" scaled="1"/>
+            <a:tileRect/>
+          </a:gradFill>
+          <a:ln>
+            <a:solidFill>
+              <a:srgbClr val="00B050"/>
+            </a:solidFill>
+          </a:ln>
+        </p:spPr>
+        <p:style>
+          <a:lnRef idx="2">
+            <a:schemeClr val="accent1">
+              <a:shade val="50000"/>
+            </a:schemeClr>
+          </a:lnRef>
+          <a:fillRef idx="1">
+            <a:schemeClr val="accent1"/>
+          </a:fillRef>
+          <a:effectRef idx="0">
+            <a:schemeClr val="accent1"/>
+          </a:effectRef>
+          <a:fontRef idx="minor">
+            <a:schemeClr val="lt1"/>
+          </a:fontRef>
+        </p:style>
+        <p:txBody>
+          <a:bodyPr rtlCol="0" anchor="ctr"/>
+          <a:lstStyle/>
+          <a:p>
+            <a:pPr algn="ctr"/>
+            <a:r>
+              <a:rPr lang="ko-KR" altLang="en-US" sz="800" dirty="0">
+                <a:solidFill>
+                  <a:schemeClr val="tx1"/>
+                </a:solidFill>
+              </a:rPr>
+              <a:t>상품</a:t>
+            </a:r>
+            <a:endParaRPr lang="en-US" altLang="ko-KR" sz="800" dirty="0">
+              <a:solidFill>
+                <a:schemeClr val="tx1"/>
+              </a:solidFill>
+            </a:endParaRPr>
+          </a:p>
+          <a:p>
+            <a:pPr algn="ctr"/>
+            <a:r>
+              <a:rPr lang="ko-KR" altLang="en-US" sz="800" dirty="0">
+                <a:solidFill>
+                  <a:schemeClr val="tx1"/>
+                </a:solidFill>
+              </a:rPr>
+              <a:t>상세정보</a:t>
+            </a:r>
+          </a:p>
+        </p:txBody>
+      </p:sp>
+      <p:cxnSp>
+        <p:nvCxnSpPr>
+          <p:cNvPr id="63" name="직선 화살표 연결선 62">
+            <a:extLst>
+              <a:ext uri="{FF2B5EF4-FFF2-40B4-BE49-F238E27FC236}">
+                <a16:creationId xmlns:a16="http://schemas.microsoft.com/office/drawing/2014/main" id="{A7128EF7-7DCE-4093-BDC1-5231CB186704}"/>
+              </a:ext>
+            </a:extLst>
+          </p:cNvPr>
+          <p:cNvCxnSpPr>
+            <a:stCxn id="46" idx="3"/>
+            <a:endCxn id="62" idx="1"/>
+          </p:cNvCxnSpPr>
+          <p:nvPr/>
+        </p:nvCxnSpPr>
+        <p:spPr>
+          <a:xfrm>
+            <a:off x="3619501" y="1564008"/>
+            <a:ext cx="1628172" cy="0"/>
+          </a:xfrm>
+          <a:prstGeom prst="straightConnector1">
+            <a:avLst/>
+          </a:prstGeom>
+          <a:ln>
+            <a:solidFill>
+              <a:srgbClr val="00B050"/>
+            </a:solidFill>
+            <a:tailEnd type="triangle"/>
+          </a:ln>
+        </p:spPr>
+        <p:style>
+          <a:lnRef idx="1">
+            <a:schemeClr val="accent1"/>
+          </a:lnRef>
+          <a:fillRef idx="0">
+            <a:schemeClr val="accent1"/>
+          </a:fillRef>
+          <a:effectRef idx="0">
+            <a:schemeClr val="accent1"/>
+          </a:effectRef>
+          <a:fontRef idx="minor">
+            <a:schemeClr val="tx1"/>
+          </a:fontRef>
+        </p:style>
+      </p:cxnSp>
+      <p:cxnSp>
+        <p:nvCxnSpPr>
+          <p:cNvPr id="97" name="직선 화살표 연결선 96">
+            <a:extLst>
+              <a:ext uri="{FF2B5EF4-FFF2-40B4-BE49-F238E27FC236}">
+                <a16:creationId xmlns:a16="http://schemas.microsoft.com/office/drawing/2014/main" id="{39AF3AE5-7BD6-482E-A0D8-DF9863C331D9}"/>
+              </a:ext>
+            </a:extLst>
+          </p:cNvPr>
+          <p:cNvCxnSpPr>
+            <a:stCxn id="62" idx="3"/>
+            <a:endCxn id="28" idx="1"/>
+          </p:cNvCxnSpPr>
+          <p:nvPr/>
+        </p:nvCxnSpPr>
+        <p:spPr>
+          <a:xfrm flipV="1">
+            <a:off x="5865897" y="1084695"/>
+            <a:ext cx="1439175" cy="479313"/>
+          </a:xfrm>
+          <a:prstGeom prst="straightConnector1">
+            <a:avLst/>
+          </a:prstGeom>
+          <a:ln>
+            <a:solidFill>
+              <a:srgbClr val="00B050"/>
+            </a:solidFill>
+            <a:tailEnd type="triangle"/>
+          </a:ln>
+        </p:spPr>
+        <p:style>
+          <a:lnRef idx="1">
+            <a:schemeClr val="accent1"/>
+          </a:lnRef>
+          <a:fillRef idx="0">
+            <a:schemeClr val="accent1"/>
+          </a:fillRef>
+          <a:effectRef idx="0">
+            <a:schemeClr val="accent1"/>
+          </a:effectRef>
+          <a:fontRef idx="minor">
+            <a:schemeClr val="tx1"/>
+          </a:fontRef>
+        </p:style>
+      </p:cxnSp>
+      <p:cxnSp>
+        <p:nvCxnSpPr>
+          <p:cNvPr id="99" name="직선 화살표 연결선 98">
+            <a:extLst>
+              <a:ext uri="{FF2B5EF4-FFF2-40B4-BE49-F238E27FC236}">
+                <a16:creationId xmlns:a16="http://schemas.microsoft.com/office/drawing/2014/main" id="{69CF6690-5CE7-4CD0-8E5F-DE20F63B97B8}"/>
+              </a:ext>
+            </a:extLst>
+          </p:cNvPr>
+          <p:cNvCxnSpPr>
+            <a:stCxn id="62" idx="3"/>
+            <a:endCxn id="29" idx="1"/>
+          </p:cNvCxnSpPr>
+          <p:nvPr/>
+        </p:nvCxnSpPr>
+        <p:spPr>
+          <a:xfrm>
+            <a:off x="5865897" y="1564008"/>
+            <a:ext cx="1439175" cy="412603"/>
+          </a:xfrm>
+          <a:prstGeom prst="straightConnector1">
+            <a:avLst/>
+          </a:prstGeom>
+          <a:ln>
+            <a:solidFill>
+              <a:srgbClr val="00B050"/>
+            </a:solidFill>
+            <a:tailEnd type="triangle"/>
+          </a:ln>
+        </p:spPr>
+        <p:style>
+          <a:lnRef idx="1">
+            <a:schemeClr val="accent1"/>
+          </a:lnRef>
+          <a:fillRef idx="0">
+            <a:schemeClr val="accent1"/>
+          </a:fillRef>
+          <a:effectRef idx="0">
+            <a:schemeClr val="accent1"/>
+          </a:effectRef>
+          <a:fontRef idx="minor">
+            <a:schemeClr val="tx1"/>
+          </a:fontRef>
+        </p:style>
+      </p:cxnSp>
+      <p:sp>
+        <p:nvSpPr>
+          <p:cNvPr id="69" name="직사각형 68">
+            <a:extLst>
+              <a:ext uri="{FF2B5EF4-FFF2-40B4-BE49-F238E27FC236}">
+                <a16:creationId xmlns:a16="http://schemas.microsoft.com/office/drawing/2014/main" id="{25768EA1-00EC-4434-9BFB-846D0E55724A}"/>
+              </a:ext>
+            </a:extLst>
+          </p:cNvPr>
+          <p:cNvSpPr/>
+          <p:nvPr/>
+        </p:nvSpPr>
+        <p:spPr>
+          <a:xfrm>
+            <a:off x="7305072" y="2883263"/>
+            <a:ext cx="618224" cy="647406"/>
+          </a:xfrm>
+          <a:prstGeom prst="rect">
+            <a:avLst/>
+          </a:prstGeom>
+          <a:gradFill flip="none" rotWithShape="1">
+            <a:gsLst>
+              <a:gs pos="0">
+                <a:srgbClr val="00B050">
+                  <a:tint val="66000"/>
+                  <a:satMod val="160000"/>
+                </a:srgbClr>
+              </a:gs>
+              <a:gs pos="50000">
+                <a:srgbClr val="00B050">
+                  <a:tint val="44500"/>
+                  <a:satMod val="160000"/>
+                </a:srgbClr>
+              </a:gs>
+              <a:gs pos="100000">
+                <a:srgbClr val="00B050">
+                  <a:tint val="23500"/>
+                  <a:satMod val="160000"/>
+                </a:srgbClr>
+              </a:gs>
+            </a:gsLst>
+            <a:lin ang="2700000" scaled="1"/>
+            <a:tileRect/>
+          </a:gradFill>
+          <a:ln>
+            <a:solidFill>
+              <a:srgbClr val="00B050"/>
+            </a:solidFill>
+          </a:ln>
+        </p:spPr>
+        <p:style>
+          <a:lnRef idx="2">
+            <a:schemeClr val="accent1">
+              <a:shade val="50000"/>
+            </a:schemeClr>
+          </a:lnRef>
+          <a:fillRef idx="1">
+            <a:schemeClr val="accent1"/>
+          </a:fillRef>
+          <a:effectRef idx="0">
+            <a:schemeClr val="accent1"/>
+          </a:effectRef>
+          <a:fontRef idx="minor">
+            <a:schemeClr val="lt1"/>
+          </a:fontRef>
+        </p:style>
+        <p:txBody>
+          <a:bodyPr rtlCol="0" anchor="ctr"/>
+          <a:lstStyle/>
+          <a:p>
+            <a:pPr algn="ctr"/>
+            <a:r>
+              <a:rPr lang="ko-KR" altLang="en-US" sz="800" dirty="0">
+                <a:solidFill>
+                  <a:schemeClr val="tx1"/>
+                </a:solidFill>
+              </a:rPr>
+              <a:t>회원</a:t>
+            </a:r>
+            <a:endParaRPr lang="en-US" altLang="ko-KR" sz="800" dirty="0">
+              <a:solidFill>
+                <a:schemeClr val="tx1"/>
+              </a:solidFill>
+            </a:endParaRPr>
+          </a:p>
+          <a:p>
+            <a:pPr algn="ctr"/>
+            <a:r>
+              <a:rPr lang="ko-KR" altLang="en-US" sz="800" dirty="0">
+                <a:solidFill>
+                  <a:schemeClr val="tx1"/>
+                </a:solidFill>
+              </a:rPr>
+              <a:t>정보수정</a:t>
+            </a:r>
+          </a:p>
+        </p:txBody>
+      </p:sp>
+      <p:cxnSp>
+        <p:nvCxnSpPr>
+          <p:cNvPr id="101" name="직선 화살표 연결선 100">
+            <a:extLst>
+              <a:ext uri="{FF2B5EF4-FFF2-40B4-BE49-F238E27FC236}">
+                <a16:creationId xmlns:a16="http://schemas.microsoft.com/office/drawing/2014/main" id="{F23ADAEE-59CB-4BAD-B70C-D61513E3CC6A}"/>
+              </a:ext>
+            </a:extLst>
+          </p:cNvPr>
+          <p:cNvCxnSpPr>
+            <a:stCxn id="59" idx="3"/>
+            <a:endCxn id="69" idx="1"/>
+          </p:cNvCxnSpPr>
+          <p:nvPr/>
+        </p:nvCxnSpPr>
+        <p:spPr>
+          <a:xfrm>
+            <a:off x="5865897" y="3206966"/>
+            <a:ext cx="1439175" cy="0"/>
+          </a:xfrm>
+          <a:prstGeom prst="straightConnector1">
+            <a:avLst/>
+          </a:prstGeom>
+          <a:ln>
+            <a:solidFill>
+              <a:srgbClr val="00B050"/>
+            </a:solidFill>
+            <a:tailEnd type="triangle"/>
+          </a:ln>
+        </p:spPr>
+        <p:style>
+          <a:lnRef idx="1">
+            <a:schemeClr val="accent1"/>
+          </a:lnRef>
+          <a:fillRef idx="0">
+            <a:schemeClr val="accent1"/>
+          </a:fillRef>
+          <a:effectRef idx="0">
+            <a:schemeClr val="accent1"/>
+          </a:effectRef>
+          <a:fontRef idx="minor">
+            <a:schemeClr val="tx1"/>
+          </a:fontRef>
+        </p:style>
+      </p:cxnSp>
+      <p:sp>
+        <p:nvSpPr>
+          <p:cNvPr id="73" name="직사각형 72">
+            <a:extLst>
+              <a:ext uri="{FF2B5EF4-FFF2-40B4-BE49-F238E27FC236}">
+                <a16:creationId xmlns:a16="http://schemas.microsoft.com/office/drawing/2014/main" id="{FAF8C9A2-A4DA-4D2B-81B3-F0BCB3008ED3}"/>
+              </a:ext>
+            </a:extLst>
+          </p:cNvPr>
+          <p:cNvSpPr/>
+          <p:nvPr/>
+        </p:nvSpPr>
+        <p:spPr>
+          <a:xfrm>
+            <a:off x="3001277" y="4361585"/>
+            <a:ext cx="618224" cy="647406"/>
+          </a:xfrm>
+          <a:prstGeom prst="rect">
+            <a:avLst/>
+          </a:prstGeom>
+          <a:gradFill flip="none" rotWithShape="1">
+            <a:gsLst>
+              <a:gs pos="0">
+                <a:srgbClr val="00B050">
+                  <a:tint val="66000"/>
+                  <a:satMod val="160000"/>
+                </a:srgbClr>
+              </a:gs>
+              <a:gs pos="50000">
+                <a:srgbClr val="00B050">
+                  <a:tint val="44500"/>
+                  <a:satMod val="160000"/>
+                </a:srgbClr>
+              </a:gs>
+              <a:gs pos="100000">
+                <a:srgbClr val="00B050">
+                  <a:tint val="23500"/>
+                  <a:satMod val="160000"/>
+                </a:srgbClr>
+              </a:gs>
+            </a:gsLst>
+            <a:lin ang="2700000" scaled="1"/>
+            <a:tileRect/>
+          </a:gradFill>
+          <a:ln>
+            <a:solidFill>
+              <a:srgbClr val="00B050"/>
+            </a:solidFill>
+          </a:ln>
+        </p:spPr>
+        <p:style>
+          <a:lnRef idx="2">
+            <a:schemeClr val="accent1">
+              <a:shade val="50000"/>
+            </a:schemeClr>
+          </a:lnRef>
+          <a:fillRef idx="1">
+            <a:schemeClr val="accent1"/>
+          </a:fillRef>
+          <a:effectRef idx="0">
+            <a:schemeClr val="accent1"/>
+          </a:effectRef>
+          <a:fontRef idx="minor">
+            <a:schemeClr val="lt1"/>
+          </a:fontRef>
+        </p:style>
+        <p:txBody>
+          <a:bodyPr rtlCol="0" anchor="ctr"/>
+          <a:lstStyle/>
+          <a:p>
+            <a:pPr algn="ctr"/>
+            <a:r>
+              <a:rPr lang="ko-KR" altLang="en-US" sz="800" dirty="0">
+                <a:solidFill>
+                  <a:schemeClr val="tx1"/>
+                </a:solidFill>
+              </a:rPr>
+              <a:t>주문</a:t>
+            </a:r>
+            <a:endParaRPr lang="en-US" altLang="ko-KR" sz="800" dirty="0">
+              <a:solidFill>
+                <a:schemeClr val="tx1"/>
+              </a:solidFill>
+            </a:endParaRPr>
+          </a:p>
+          <a:p>
+            <a:pPr algn="ctr"/>
+            <a:r>
+              <a:rPr lang="ko-KR" altLang="en-US" sz="800" dirty="0">
+                <a:solidFill>
+                  <a:schemeClr val="tx1"/>
+                </a:solidFill>
+              </a:rPr>
+              <a:t>리스트</a:t>
+            </a:r>
+          </a:p>
+        </p:txBody>
+      </p:sp>
+      <p:cxnSp>
+        <p:nvCxnSpPr>
+          <p:cNvPr id="103" name="직선 화살표 연결선 102">
+            <a:extLst>
+              <a:ext uri="{FF2B5EF4-FFF2-40B4-BE49-F238E27FC236}">
+                <a16:creationId xmlns:a16="http://schemas.microsoft.com/office/drawing/2014/main" id="{13D2C5F7-E308-4B83-A609-1BDA55D7A157}"/>
+              </a:ext>
+            </a:extLst>
+          </p:cNvPr>
+          <p:cNvCxnSpPr>
+            <a:stCxn id="18" idx="3"/>
+            <a:endCxn id="73" idx="1"/>
+          </p:cNvCxnSpPr>
+          <p:nvPr/>
+        </p:nvCxnSpPr>
+        <p:spPr>
+          <a:xfrm>
+            <a:off x="2016494" y="4685288"/>
+            <a:ext cx="984783" cy="0"/>
+          </a:xfrm>
+          <a:prstGeom prst="straightConnector1">
+            <a:avLst/>
+          </a:prstGeom>
+          <a:ln>
+            <a:solidFill>
+              <a:srgbClr val="00B050"/>
+            </a:solidFill>
+            <a:tailEnd type="triangle"/>
+          </a:ln>
+        </p:spPr>
+        <p:style>
+          <a:lnRef idx="1">
+            <a:schemeClr val="accent1"/>
+          </a:lnRef>
+          <a:fillRef idx="0">
+            <a:schemeClr val="accent1"/>
+          </a:fillRef>
+          <a:effectRef idx="0">
+            <a:schemeClr val="accent1"/>
+          </a:effectRef>
+          <a:fontRef idx="minor">
+            <a:schemeClr val="tx1"/>
+          </a:fontRef>
+        </p:style>
+      </p:cxnSp>
+      <p:sp>
+        <p:nvSpPr>
+          <p:cNvPr id="77" name="직사각형 76">
+            <a:extLst>
+              <a:ext uri="{FF2B5EF4-FFF2-40B4-BE49-F238E27FC236}">
+                <a16:creationId xmlns:a16="http://schemas.microsoft.com/office/drawing/2014/main" id="{43F370DE-1F08-4DA2-9622-7E149E87AB9A}"/>
+              </a:ext>
+            </a:extLst>
+          </p:cNvPr>
+          <p:cNvSpPr/>
+          <p:nvPr/>
+        </p:nvSpPr>
+        <p:spPr>
+          <a:xfrm>
+            <a:off x="5247673" y="4361585"/>
+            <a:ext cx="618224" cy="647406"/>
+          </a:xfrm>
+          <a:prstGeom prst="rect">
+            <a:avLst/>
+          </a:prstGeom>
+          <a:gradFill flip="none" rotWithShape="1">
+            <a:gsLst>
+              <a:gs pos="0">
+                <a:srgbClr val="00B050">
+                  <a:tint val="66000"/>
+                  <a:satMod val="160000"/>
+                </a:srgbClr>
+              </a:gs>
+              <a:gs pos="50000">
+                <a:srgbClr val="00B050">
+                  <a:tint val="44500"/>
+                  <a:satMod val="160000"/>
+                </a:srgbClr>
+              </a:gs>
+              <a:gs pos="100000">
+                <a:srgbClr val="00B050">
+                  <a:tint val="23500"/>
+                  <a:satMod val="160000"/>
+                </a:srgbClr>
+              </a:gs>
+            </a:gsLst>
+            <a:lin ang="2700000" scaled="1"/>
+            <a:tileRect/>
+          </a:gradFill>
+          <a:ln>
+            <a:solidFill>
+              <a:srgbClr val="00B050"/>
+            </a:solidFill>
+          </a:ln>
+        </p:spPr>
+        <p:style>
+          <a:lnRef idx="2">
+            <a:schemeClr val="accent1">
+              <a:shade val="50000"/>
+            </a:schemeClr>
+          </a:lnRef>
+          <a:fillRef idx="1">
+            <a:schemeClr val="accent1"/>
+          </a:fillRef>
+          <a:effectRef idx="0">
+            <a:schemeClr val="accent1"/>
+          </a:effectRef>
+          <a:fontRef idx="minor">
+            <a:schemeClr val="lt1"/>
+          </a:fontRef>
+        </p:style>
+        <p:txBody>
+          <a:bodyPr rtlCol="0" anchor="ctr"/>
+          <a:lstStyle/>
+          <a:p>
+            <a:pPr algn="ctr"/>
+            <a:r>
+              <a:rPr lang="ko-KR" altLang="en-US" sz="800" dirty="0">
+                <a:solidFill>
+                  <a:schemeClr val="tx1"/>
+                </a:solidFill>
+              </a:rPr>
+              <a:t>주문</a:t>
+            </a:r>
+            <a:endParaRPr lang="en-US" altLang="ko-KR" sz="800" dirty="0">
+              <a:solidFill>
+                <a:schemeClr val="tx1"/>
+              </a:solidFill>
+            </a:endParaRPr>
+          </a:p>
+          <a:p>
+            <a:pPr algn="ctr"/>
+            <a:r>
+              <a:rPr lang="ko-KR" altLang="en-US" sz="800" dirty="0">
+                <a:solidFill>
+                  <a:schemeClr val="tx1"/>
+                </a:solidFill>
+              </a:rPr>
+              <a:t>상세정보</a:t>
+            </a:r>
+          </a:p>
+        </p:txBody>
+      </p:sp>
+      <p:sp>
+        <p:nvSpPr>
+          <p:cNvPr id="78" name="직사각형 77">
+            <a:extLst>
+              <a:ext uri="{FF2B5EF4-FFF2-40B4-BE49-F238E27FC236}">
+                <a16:creationId xmlns:a16="http://schemas.microsoft.com/office/drawing/2014/main" id="{1FC81B74-A64C-4573-8D47-4906209E36C7}"/>
+              </a:ext>
+            </a:extLst>
+          </p:cNvPr>
+          <p:cNvSpPr/>
+          <p:nvPr/>
+        </p:nvSpPr>
+        <p:spPr>
+          <a:xfrm>
+            <a:off x="7305072" y="4361585"/>
+            <a:ext cx="618224" cy="647406"/>
+          </a:xfrm>
+          <a:prstGeom prst="rect">
+            <a:avLst/>
+          </a:prstGeom>
+          <a:gradFill flip="none" rotWithShape="1">
+            <a:gsLst>
+              <a:gs pos="0">
+                <a:srgbClr val="00B050">
+                  <a:tint val="66000"/>
+                  <a:satMod val="160000"/>
+                </a:srgbClr>
+              </a:gs>
+              <a:gs pos="50000">
+                <a:srgbClr val="00B050">
+                  <a:tint val="44500"/>
+                  <a:satMod val="160000"/>
+                </a:srgbClr>
+              </a:gs>
+              <a:gs pos="100000">
+                <a:srgbClr val="00B050">
+                  <a:tint val="23500"/>
+                  <a:satMod val="160000"/>
+                </a:srgbClr>
+              </a:gs>
+            </a:gsLst>
+            <a:lin ang="2700000" scaled="1"/>
+            <a:tileRect/>
+          </a:gradFill>
+          <a:ln>
+            <a:solidFill>
+              <a:srgbClr val="00B050"/>
+            </a:solidFill>
+          </a:ln>
+        </p:spPr>
+        <p:style>
+          <a:lnRef idx="2">
+            <a:schemeClr val="accent1">
+              <a:shade val="50000"/>
+            </a:schemeClr>
+          </a:lnRef>
+          <a:fillRef idx="1">
+            <a:schemeClr val="accent1"/>
+          </a:fillRef>
+          <a:effectRef idx="0">
+            <a:schemeClr val="accent1"/>
+          </a:effectRef>
+          <a:fontRef idx="minor">
+            <a:schemeClr val="lt1"/>
+          </a:fontRef>
+        </p:style>
+        <p:txBody>
+          <a:bodyPr rtlCol="0" anchor="ctr"/>
+          <a:lstStyle/>
+          <a:p>
+            <a:pPr algn="ctr"/>
+            <a:r>
+              <a:rPr lang="ko-KR" altLang="en-US" sz="800" dirty="0">
+                <a:solidFill>
+                  <a:schemeClr val="tx1"/>
+                </a:solidFill>
+              </a:rPr>
+              <a:t>주문</a:t>
+            </a:r>
+            <a:endParaRPr lang="en-US" altLang="ko-KR" sz="800" dirty="0">
+              <a:solidFill>
+                <a:schemeClr val="tx1"/>
+              </a:solidFill>
+            </a:endParaRPr>
+          </a:p>
+          <a:p>
+            <a:pPr algn="ctr"/>
+            <a:r>
+              <a:rPr lang="ko-KR" altLang="en-US" sz="800" dirty="0">
+                <a:solidFill>
+                  <a:schemeClr val="tx1"/>
+                </a:solidFill>
+              </a:rPr>
+              <a:t>상태변경</a:t>
+            </a:r>
+          </a:p>
+        </p:txBody>
+      </p:sp>
+      <p:cxnSp>
+        <p:nvCxnSpPr>
+          <p:cNvPr id="106" name="직선 화살표 연결선 105">
+            <a:extLst>
+              <a:ext uri="{FF2B5EF4-FFF2-40B4-BE49-F238E27FC236}">
+                <a16:creationId xmlns:a16="http://schemas.microsoft.com/office/drawing/2014/main" id="{5C66CE98-42BA-47E7-9D71-0D3B88D4B945}"/>
+              </a:ext>
+            </a:extLst>
+          </p:cNvPr>
+          <p:cNvCxnSpPr>
+            <a:stCxn id="73" idx="3"/>
+            <a:endCxn id="77" idx="1"/>
+          </p:cNvCxnSpPr>
+          <p:nvPr/>
+        </p:nvCxnSpPr>
+        <p:spPr>
+          <a:xfrm>
+            <a:off x="3619501" y="4685288"/>
+            <a:ext cx="1628172" cy="0"/>
+          </a:xfrm>
+          <a:prstGeom prst="straightConnector1">
+            <a:avLst/>
+          </a:prstGeom>
+          <a:ln>
+            <a:solidFill>
+              <a:srgbClr val="00B050"/>
+            </a:solidFill>
+            <a:tailEnd type="triangle"/>
+          </a:ln>
+        </p:spPr>
+        <p:style>
+          <a:lnRef idx="1">
+            <a:schemeClr val="accent1"/>
+          </a:lnRef>
+          <a:fillRef idx="0">
+            <a:schemeClr val="accent1"/>
+          </a:fillRef>
+          <a:effectRef idx="0">
+            <a:schemeClr val="accent1"/>
+          </a:effectRef>
+          <a:fontRef idx="minor">
+            <a:schemeClr val="tx1"/>
+          </a:fontRef>
+        </p:style>
+      </p:cxnSp>
+      <p:cxnSp>
+        <p:nvCxnSpPr>
+          <p:cNvPr id="108" name="직선 화살표 연결선 107">
+            <a:extLst>
+              <a:ext uri="{FF2B5EF4-FFF2-40B4-BE49-F238E27FC236}">
+                <a16:creationId xmlns:a16="http://schemas.microsoft.com/office/drawing/2014/main" id="{98A85BE0-0AC5-4071-ABDF-37EEF0636E42}"/>
+              </a:ext>
+            </a:extLst>
+          </p:cNvPr>
+          <p:cNvCxnSpPr>
+            <a:stCxn id="77" idx="3"/>
+            <a:endCxn id="78" idx="1"/>
+          </p:cNvCxnSpPr>
+          <p:nvPr/>
+        </p:nvCxnSpPr>
+        <p:spPr>
+          <a:xfrm>
+            <a:off x="5865897" y="4685288"/>
+            <a:ext cx="1439175" cy="0"/>
+          </a:xfrm>
+          <a:prstGeom prst="straightConnector1">
+            <a:avLst/>
+          </a:prstGeom>
+          <a:ln>
+            <a:solidFill>
+              <a:srgbClr val="00B050"/>
+            </a:solidFill>
+            <a:tailEnd type="triangle"/>
+          </a:ln>
+        </p:spPr>
+        <p:style>
+          <a:lnRef idx="1">
+            <a:schemeClr val="accent1"/>
+          </a:lnRef>
+          <a:fillRef idx="0">
+            <a:schemeClr val="accent1"/>
+          </a:fillRef>
+          <a:effectRef idx="0">
+            <a:schemeClr val="accent1"/>
+          </a:effectRef>
+          <a:fontRef idx="minor">
+            <a:schemeClr val="tx1"/>
+          </a:fontRef>
+        </p:style>
+      </p:cxnSp>
+      <p:sp>
+        <p:nvSpPr>
+          <p:cNvPr id="83" name="직사각형 82">
+            <a:extLst>
+              <a:ext uri="{FF2B5EF4-FFF2-40B4-BE49-F238E27FC236}">
+                <a16:creationId xmlns:a16="http://schemas.microsoft.com/office/drawing/2014/main" id="{AF50809C-2834-41F4-BD9A-2AAAC97D476C}"/>
+              </a:ext>
+            </a:extLst>
+          </p:cNvPr>
+          <p:cNvSpPr/>
+          <p:nvPr/>
+        </p:nvSpPr>
+        <p:spPr>
+          <a:xfrm>
+            <a:off x="2985771" y="5835299"/>
+            <a:ext cx="618224" cy="647406"/>
+          </a:xfrm>
+          <a:prstGeom prst="rect">
+            <a:avLst/>
+          </a:prstGeom>
+          <a:gradFill flip="none" rotWithShape="1">
+            <a:gsLst>
+              <a:gs pos="0">
+                <a:srgbClr val="00B050">
+                  <a:tint val="66000"/>
+                  <a:satMod val="160000"/>
+                </a:srgbClr>
+              </a:gs>
+              <a:gs pos="50000">
+                <a:srgbClr val="00B050">
+                  <a:tint val="44500"/>
+                  <a:satMod val="160000"/>
+                </a:srgbClr>
+              </a:gs>
+              <a:gs pos="100000">
+                <a:srgbClr val="00B050">
+                  <a:tint val="23500"/>
+                  <a:satMod val="160000"/>
+                </a:srgbClr>
+              </a:gs>
+            </a:gsLst>
+            <a:lin ang="2700000" scaled="1"/>
+            <a:tileRect/>
+          </a:gradFill>
+          <a:ln>
+            <a:solidFill>
+              <a:srgbClr val="00B050"/>
+            </a:solidFill>
+          </a:ln>
+        </p:spPr>
+        <p:style>
+          <a:lnRef idx="2">
+            <a:schemeClr val="accent1">
+              <a:shade val="50000"/>
+            </a:schemeClr>
+          </a:lnRef>
+          <a:fillRef idx="1">
+            <a:schemeClr val="accent1"/>
+          </a:fillRef>
+          <a:effectRef idx="0">
+            <a:schemeClr val="accent1"/>
+          </a:effectRef>
+          <a:fontRef idx="minor">
+            <a:schemeClr val="lt1"/>
+          </a:fontRef>
+        </p:style>
+        <p:txBody>
+          <a:bodyPr rtlCol="0" anchor="ctr"/>
+          <a:lstStyle/>
+          <a:p>
+            <a:pPr algn="ctr"/>
+            <a:r>
+              <a:rPr lang="ko-KR" altLang="en-US" sz="800">
+                <a:solidFill>
+                  <a:schemeClr val="tx1"/>
+                </a:solidFill>
+              </a:rPr>
+              <a:t>상품</a:t>
+            </a:r>
+            <a:endParaRPr lang="en-US" altLang="ko-KR" sz="800" dirty="0">
+              <a:solidFill>
+                <a:schemeClr val="tx1"/>
+              </a:solidFill>
+            </a:endParaRPr>
+          </a:p>
+          <a:p>
+            <a:pPr algn="ctr"/>
+            <a:r>
+              <a:rPr lang="ko-KR" altLang="en-US" sz="800" dirty="0">
+                <a:solidFill>
+                  <a:schemeClr val="tx1"/>
+                </a:solidFill>
+              </a:rPr>
+              <a:t>리스트</a:t>
+            </a:r>
+          </a:p>
+        </p:txBody>
+      </p:sp>
+      <p:cxnSp>
+        <p:nvCxnSpPr>
+          <p:cNvPr id="110" name="직선 화살표 연결선 109">
+            <a:extLst>
+              <a:ext uri="{FF2B5EF4-FFF2-40B4-BE49-F238E27FC236}">
+                <a16:creationId xmlns:a16="http://schemas.microsoft.com/office/drawing/2014/main" id="{D5E57772-F400-4A6D-A8B6-B1F73A919E2E}"/>
+              </a:ext>
+            </a:extLst>
+          </p:cNvPr>
+          <p:cNvCxnSpPr>
+            <a:stCxn id="19" idx="3"/>
+            <a:endCxn id="83" idx="1"/>
+          </p:cNvCxnSpPr>
+          <p:nvPr/>
+        </p:nvCxnSpPr>
+        <p:spPr>
+          <a:xfrm>
+            <a:off x="2016494" y="6158072"/>
+            <a:ext cx="969277" cy="930"/>
+          </a:xfrm>
+          <a:prstGeom prst="straightConnector1">
+            <a:avLst/>
+          </a:prstGeom>
+          <a:ln>
+            <a:solidFill>
+              <a:srgbClr val="00B050"/>
+            </a:solidFill>
+            <a:tailEnd type="triangle"/>
+          </a:ln>
+        </p:spPr>
+        <p:style>
+          <a:lnRef idx="1">
+            <a:schemeClr val="accent1"/>
+          </a:lnRef>
+          <a:fillRef idx="0">
+            <a:schemeClr val="accent1"/>
+          </a:fillRef>
+          <a:effectRef idx="0">
+            <a:schemeClr val="accent1"/>
+          </a:effectRef>
+          <a:fontRef idx="minor">
+            <a:schemeClr val="tx1"/>
+          </a:fontRef>
+        </p:style>
+      </p:cxnSp>
+      <p:sp>
+        <p:nvSpPr>
+          <p:cNvPr id="86" name="직사각형 85">
+            <a:extLst>
+              <a:ext uri="{FF2B5EF4-FFF2-40B4-BE49-F238E27FC236}">
+                <a16:creationId xmlns:a16="http://schemas.microsoft.com/office/drawing/2014/main" id="{5A3085F8-92E6-490A-A256-49C26AF6C46E}"/>
+              </a:ext>
+            </a:extLst>
+          </p:cNvPr>
+          <p:cNvSpPr/>
+          <p:nvPr/>
+        </p:nvSpPr>
+        <p:spPr>
+          <a:xfrm>
+            <a:off x="5247673" y="5834369"/>
+            <a:ext cx="618224" cy="647406"/>
+          </a:xfrm>
+          <a:prstGeom prst="rect">
+            <a:avLst/>
+          </a:prstGeom>
+          <a:gradFill flip="none" rotWithShape="1">
+            <a:gsLst>
+              <a:gs pos="0">
+                <a:srgbClr val="00B050">
+                  <a:tint val="66000"/>
+                  <a:satMod val="160000"/>
+                </a:srgbClr>
+              </a:gs>
+              <a:gs pos="50000">
+                <a:srgbClr val="00B050">
+                  <a:tint val="44500"/>
+                  <a:satMod val="160000"/>
+                </a:srgbClr>
+              </a:gs>
+              <a:gs pos="100000">
+                <a:srgbClr val="00B050">
+                  <a:tint val="23500"/>
+                  <a:satMod val="160000"/>
+                </a:srgbClr>
+              </a:gs>
+            </a:gsLst>
+            <a:lin ang="2700000" scaled="1"/>
+            <a:tileRect/>
+          </a:gradFill>
+          <a:ln>
+            <a:solidFill>
+              <a:srgbClr val="00B050"/>
+            </a:solidFill>
+          </a:ln>
+        </p:spPr>
+        <p:style>
+          <a:lnRef idx="2">
+            <a:schemeClr val="accent1">
+              <a:shade val="50000"/>
+            </a:schemeClr>
+          </a:lnRef>
+          <a:fillRef idx="1">
+            <a:schemeClr val="accent1"/>
+          </a:fillRef>
+          <a:effectRef idx="0">
+            <a:schemeClr val="accent1"/>
+          </a:effectRef>
+          <a:fontRef idx="minor">
+            <a:schemeClr val="lt1"/>
+          </a:fontRef>
+        </p:style>
+        <p:txBody>
+          <a:bodyPr rtlCol="0" anchor="ctr"/>
+          <a:lstStyle/>
+          <a:p>
+            <a:pPr algn="ctr"/>
+            <a:r>
+              <a:rPr lang="ko-KR" altLang="en-US" sz="800" dirty="0">
+                <a:solidFill>
+                  <a:schemeClr val="tx1"/>
+                </a:solidFill>
+              </a:rPr>
+              <a:t>상품</a:t>
+            </a:r>
+            <a:endParaRPr lang="en-US" altLang="ko-KR" sz="800" dirty="0">
+              <a:solidFill>
+                <a:schemeClr val="tx1"/>
+              </a:solidFill>
+            </a:endParaRPr>
+          </a:p>
+          <a:p>
+            <a:pPr algn="ctr"/>
+            <a:r>
+              <a:rPr lang="ko-KR" altLang="en-US" sz="800" dirty="0">
+                <a:solidFill>
+                  <a:schemeClr val="tx1"/>
+                </a:solidFill>
+              </a:rPr>
+              <a:t>재고변경</a:t>
+            </a:r>
+          </a:p>
+        </p:txBody>
+      </p:sp>
+      <p:sp>
+        <p:nvSpPr>
+          <p:cNvPr id="87" name="직사각형 86">
+            <a:extLst>
+              <a:ext uri="{FF2B5EF4-FFF2-40B4-BE49-F238E27FC236}">
+                <a16:creationId xmlns:a16="http://schemas.microsoft.com/office/drawing/2014/main" id="{87800991-DD77-4A85-829B-0371132A2E38}"/>
+              </a:ext>
+            </a:extLst>
+          </p:cNvPr>
+          <p:cNvSpPr/>
+          <p:nvPr/>
+        </p:nvSpPr>
+        <p:spPr>
+          <a:xfrm>
+            <a:off x="3826542" y="580678"/>
+            <a:ext cx="618224" cy="647406"/>
+          </a:xfrm>
+          <a:prstGeom prst="rect">
+            <a:avLst/>
+          </a:prstGeom>
+          <a:gradFill flip="none" rotWithShape="1">
+            <a:gsLst>
+              <a:gs pos="0">
+                <a:srgbClr val="00B050">
+                  <a:tint val="66000"/>
+                  <a:satMod val="160000"/>
+                </a:srgbClr>
+              </a:gs>
+              <a:gs pos="50000">
+                <a:srgbClr val="00B050">
+                  <a:tint val="44500"/>
+                  <a:satMod val="160000"/>
+                </a:srgbClr>
+              </a:gs>
+              <a:gs pos="100000">
+                <a:srgbClr val="00B050">
+                  <a:tint val="23500"/>
+                  <a:satMod val="160000"/>
+                </a:srgbClr>
+              </a:gs>
+            </a:gsLst>
+            <a:lin ang="2700000" scaled="1"/>
+            <a:tileRect/>
+          </a:gradFill>
+          <a:ln>
+            <a:solidFill>
+              <a:srgbClr val="00B050"/>
+            </a:solidFill>
+          </a:ln>
+        </p:spPr>
+        <p:style>
+          <a:lnRef idx="2">
+            <a:schemeClr val="accent1">
+              <a:shade val="50000"/>
+            </a:schemeClr>
+          </a:lnRef>
+          <a:fillRef idx="1">
+            <a:schemeClr val="accent1"/>
+          </a:fillRef>
+          <a:effectRef idx="0">
+            <a:schemeClr val="accent1"/>
+          </a:effectRef>
+          <a:fontRef idx="minor">
+            <a:schemeClr val="lt1"/>
+          </a:fontRef>
+        </p:style>
+        <p:txBody>
+          <a:bodyPr rtlCol="0" anchor="ctr"/>
+          <a:lstStyle/>
+          <a:p>
+            <a:pPr algn="ctr"/>
+            <a:r>
+              <a:rPr lang="ko-KR" altLang="en-US" sz="800" dirty="0">
+                <a:solidFill>
+                  <a:schemeClr val="tx1"/>
+                </a:solidFill>
+              </a:rPr>
+              <a:t>상품</a:t>
+            </a:r>
+            <a:endParaRPr lang="en-US" altLang="ko-KR" sz="800" dirty="0">
+              <a:solidFill>
+                <a:schemeClr val="tx1"/>
+              </a:solidFill>
+            </a:endParaRPr>
+          </a:p>
+          <a:p>
+            <a:pPr algn="ctr"/>
+            <a:r>
+              <a:rPr lang="ko-KR" altLang="en-US" sz="800" dirty="0">
+                <a:solidFill>
+                  <a:schemeClr val="tx1"/>
+                </a:solidFill>
+              </a:rPr>
+              <a:t>검색</a:t>
+            </a:r>
+          </a:p>
+        </p:txBody>
+      </p:sp>
+      <p:cxnSp>
+        <p:nvCxnSpPr>
+          <p:cNvPr id="113" name="연결선: 꺾임 112">
+            <a:extLst>
+              <a:ext uri="{FF2B5EF4-FFF2-40B4-BE49-F238E27FC236}">
+                <a16:creationId xmlns:a16="http://schemas.microsoft.com/office/drawing/2014/main" id="{2E2AFBA6-3EFA-493A-B462-86A460891E85}"/>
+              </a:ext>
+            </a:extLst>
+          </p:cNvPr>
+          <p:cNvCxnSpPr>
+            <a:stCxn id="46" idx="0"/>
+            <a:endCxn id="87" idx="1"/>
+          </p:cNvCxnSpPr>
+          <p:nvPr/>
+        </p:nvCxnSpPr>
+        <p:spPr>
+          <a:xfrm rot="5400000" flipH="1" flipV="1">
+            <a:off x="3400503" y="814267"/>
+            <a:ext cx="335924" cy="516153"/>
+          </a:xfrm>
+          <a:prstGeom prst="bentConnector2">
+            <a:avLst/>
+          </a:prstGeom>
+          <a:ln>
+            <a:solidFill>
+              <a:srgbClr val="00B050"/>
+            </a:solidFill>
+            <a:tailEnd type="triangle"/>
+          </a:ln>
+        </p:spPr>
+        <p:style>
+          <a:lnRef idx="1">
+            <a:schemeClr val="accent1"/>
+          </a:lnRef>
+          <a:fillRef idx="0">
+            <a:schemeClr val="accent1"/>
+          </a:fillRef>
+          <a:effectRef idx="0">
+            <a:schemeClr val="accent1"/>
+          </a:effectRef>
+          <a:fontRef idx="minor">
+            <a:schemeClr val="tx1"/>
+          </a:fontRef>
+        </p:style>
+      </p:cxnSp>
+      <p:cxnSp>
+        <p:nvCxnSpPr>
+          <p:cNvPr id="115" name="연결선: 꺾임 114">
+            <a:extLst>
+              <a:ext uri="{FF2B5EF4-FFF2-40B4-BE49-F238E27FC236}">
+                <a16:creationId xmlns:a16="http://schemas.microsoft.com/office/drawing/2014/main" id="{A2EC39C3-DDFC-470B-AF77-3FBF0C78A5B2}"/>
+              </a:ext>
+            </a:extLst>
+          </p:cNvPr>
+          <p:cNvCxnSpPr>
+            <a:stCxn id="87" idx="2"/>
+            <a:endCxn id="46" idx="2"/>
+          </p:cNvCxnSpPr>
+          <p:nvPr/>
+        </p:nvCxnSpPr>
+        <p:spPr>
+          <a:xfrm rot="5400000">
+            <a:off x="3393209" y="1145265"/>
+            <a:ext cx="659627" cy="825265"/>
+          </a:xfrm>
+          <a:prstGeom prst="bentConnector3">
+            <a:avLst>
+              <a:gd name="adj1" fmla="val 134656"/>
+            </a:avLst>
+          </a:prstGeom>
+          <a:ln>
+            <a:solidFill>
+              <a:srgbClr val="00B050"/>
+            </a:solidFill>
+            <a:tailEnd type="triangle"/>
+          </a:ln>
+        </p:spPr>
+        <p:style>
+          <a:lnRef idx="1">
+            <a:schemeClr val="accent1"/>
+          </a:lnRef>
+          <a:fillRef idx="0">
+            <a:schemeClr val="accent1"/>
+          </a:fillRef>
+          <a:effectRef idx="0">
+            <a:schemeClr val="accent1"/>
+          </a:effectRef>
+          <a:fontRef idx="minor">
+            <a:schemeClr val="tx1"/>
+          </a:fontRef>
+        </p:style>
+      </p:cxnSp>
+      <p:sp>
+        <p:nvSpPr>
+          <p:cNvPr id="92" name="직사각형 91">
+            <a:extLst>
+              <a:ext uri="{FF2B5EF4-FFF2-40B4-BE49-F238E27FC236}">
+                <a16:creationId xmlns:a16="http://schemas.microsoft.com/office/drawing/2014/main" id="{C5B14203-1536-45DC-9A01-2234BB986B99}"/>
+              </a:ext>
+            </a:extLst>
+          </p:cNvPr>
+          <p:cNvSpPr/>
+          <p:nvPr/>
+        </p:nvSpPr>
+        <p:spPr>
+          <a:xfrm>
+            <a:off x="3826542" y="2242901"/>
+            <a:ext cx="618224" cy="647406"/>
+          </a:xfrm>
+          <a:prstGeom prst="rect">
+            <a:avLst/>
+          </a:prstGeom>
+          <a:gradFill flip="none" rotWithShape="1">
+            <a:gsLst>
+              <a:gs pos="0">
+                <a:srgbClr val="00B050">
+                  <a:tint val="66000"/>
+                  <a:satMod val="160000"/>
+                </a:srgbClr>
+              </a:gs>
+              <a:gs pos="50000">
+                <a:srgbClr val="00B050">
+                  <a:tint val="44500"/>
+                  <a:satMod val="160000"/>
+                </a:srgbClr>
+              </a:gs>
+              <a:gs pos="100000">
+                <a:srgbClr val="00B050">
+                  <a:tint val="23500"/>
+                  <a:satMod val="160000"/>
+                </a:srgbClr>
+              </a:gs>
+            </a:gsLst>
+            <a:lin ang="2700000" scaled="1"/>
+            <a:tileRect/>
+          </a:gradFill>
+          <a:ln>
+            <a:solidFill>
+              <a:srgbClr val="00B050"/>
+            </a:solidFill>
+          </a:ln>
+        </p:spPr>
+        <p:style>
+          <a:lnRef idx="2">
+            <a:schemeClr val="accent1">
+              <a:shade val="50000"/>
+            </a:schemeClr>
+          </a:lnRef>
+          <a:fillRef idx="1">
+            <a:schemeClr val="accent1"/>
+          </a:fillRef>
+          <a:effectRef idx="0">
+            <a:schemeClr val="accent1"/>
+          </a:effectRef>
+          <a:fontRef idx="minor">
+            <a:schemeClr val="lt1"/>
+          </a:fontRef>
+        </p:style>
+        <p:txBody>
+          <a:bodyPr rtlCol="0" anchor="ctr"/>
+          <a:lstStyle/>
+          <a:p>
+            <a:pPr algn="ctr"/>
+            <a:r>
+              <a:rPr lang="ko-KR" altLang="en-US" sz="800" dirty="0">
+                <a:solidFill>
+                  <a:schemeClr val="tx1"/>
+                </a:solidFill>
+              </a:rPr>
+              <a:t>고객</a:t>
+            </a:r>
+            <a:endParaRPr lang="en-US" altLang="ko-KR" sz="800" dirty="0">
+              <a:solidFill>
+                <a:schemeClr val="tx1"/>
+              </a:solidFill>
+            </a:endParaRPr>
+          </a:p>
+          <a:p>
+            <a:pPr algn="ctr"/>
+            <a:r>
+              <a:rPr lang="ko-KR" altLang="en-US" sz="800" dirty="0">
+                <a:solidFill>
+                  <a:schemeClr val="tx1"/>
+                </a:solidFill>
+              </a:rPr>
+              <a:t>검색</a:t>
+            </a:r>
+          </a:p>
+        </p:txBody>
+      </p:sp>
+      <p:cxnSp>
+        <p:nvCxnSpPr>
+          <p:cNvPr id="117" name="연결선: 꺾임 116">
+            <a:extLst>
+              <a:ext uri="{FF2B5EF4-FFF2-40B4-BE49-F238E27FC236}">
+                <a16:creationId xmlns:a16="http://schemas.microsoft.com/office/drawing/2014/main" id="{8B76C225-55E8-4599-82B8-4DEA3B818067}"/>
+              </a:ext>
+            </a:extLst>
+          </p:cNvPr>
+          <p:cNvCxnSpPr>
+            <a:stCxn id="36" idx="0"/>
+            <a:endCxn id="92" idx="1"/>
+          </p:cNvCxnSpPr>
+          <p:nvPr/>
+        </p:nvCxnSpPr>
+        <p:spPr>
+          <a:xfrm rot="5400000" flipH="1" flipV="1">
+            <a:off x="3410136" y="2466858"/>
+            <a:ext cx="316659" cy="516153"/>
+          </a:xfrm>
+          <a:prstGeom prst="bentConnector2">
+            <a:avLst/>
+          </a:prstGeom>
+          <a:ln>
+            <a:solidFill>
+              <a:srgbClr val="00B050"/>
+            </a:solidFill>
+            <a:tailEnd type="triangle"/>
+          </a:ln>
+        </p:spPr>
+        <p:style>
+          <a:lnRef idx="1">
+            <a:schemeClr val="accent1"/>
+          </a:lnRef>
+          <a:fillRef idx="0">
+            <a:schemeClr val="accent1"/>
+          </a:fillRef>
+          <a:effectRef idx="0">
+            <a:schemeClr val="accent1"/>
+          </a:effectRef>
+          <a:fontRef idx="minor">
+            <a:schemeClr val="tx1"/>
+          </a:fontRef>
+        </p:style>
+      </p:cxnSp>
+      <p:cxnSp>
+        <p:nvCxnSpPr>
+          <p:cNvPr id="119" name="연결선: 꺾임 118">
+            <a:extLst>
+              <a:ext uri="{FF2B5EF4-FFF2-40B4-BE49-F238E27FC236}">
+                <a16:creationId xmlns:a16="http://schemas.microsoft.com/office/drawing/2014/main" id="{1FCCD9C6-B3B4-4A49-9D32-8C7A7C5D5C43}"/>
+              </a:ext>
+            </a:extLst>
+          </p:cNvPr>
+          <p:cNvCxnSpPr>
+            <a:stCxn id="92" idx="2"/>
+            <a:endCxn id="36" idx="2"/>
+          </p:cNvCxnSpPr>
+          <p:nvPr/>
+        </p:nvCxnSpPr>
+        <p:spPr>
+          <a:xfrm rot="5400000">
+            <a:off x="3402841" y="2797856"/>
+            <a:ext cx="640362" cy="825265"/>
+          </a:xfrm>
+          <a:prstGeom prst="bentConnector3">
+            <a:avLst>
+              <a:gd name="adj1" fmla="val 135699"/>
+            </a:avLst>
+          </a:prstGeom>
+          <a:ln>
+            <a:solidFill>
+              <a:srgbClr val="00B050"/>
+            </a:solidFill>
+            <a:tailEnd type="triangle"/>
+          </a:ln>
+        </p:spPr>
+        <p:style>
+          <a:lnRef idx="1">
+            <a:schemeClr val="accent1"/>
+          </a:lnRef>
+          <a:fillRef idx="0">
+            <a:schemeClr val="accent1"/>
+          </a:fillRef>
+          <a:effectRef idx="0">
+            <a:schemeClr val="accent1"/>
+          </a:effectRef>
+          <a:fontRef idx="minor">
+            <a:schemeClr val="tx1"/>
+          </a:fontRef>
+        </p:style>
+      </p:cxnSp>
+      <p:sp>
+        <p:nvSpPr>
+          <p:cNvPr id="120" name="직사각형 119">
+            <a:extLst>
+              <a:ext uri="{FF2B5EF4-FFF2-40B4-BE49-F238E27FC236}">
+                <a16:creationId xmlns:a16="http://schemas.microsoft.com/office/drawing/2014/main" id="{6C00B847-5BD7-4F47-B272-9C207FB0F48B}"/>
+              </a:ext>
+            </a:extLst>
+          </p:cNvPr>
+          <p:cNvSpPr/>
+          <p:nvPr/>
+        </p:nvSpPr>
+        <p:spPr>
+          <a:xfrm>
+            <a:off x="3793588" y="3876031"/>
+            <a:ext cx="618224" cy="647406"/>
+          </a:xfrm>
+          <a:prstGeom prst="rect">
+            <a:avLst/>
+          </a:prstGeom>
+          <a:gradFill flip="none" rotWithShape="1">
+            <a:gsLst>
+              <a:gs pos="0">
+                <a:srgbClr val="00B050">
+                  <a:tint val="66000"/>
+                  <a:satMod val="160000"/>
+                </a:srgbClr>
+              </a:gs>
+              <a:gs pos="50000">
+                <a:srgbClr val="00B050">
+                  <a:tint val="44500"/>
+                  <a:satMod val="160000"/>
+                </a:srgbClr>
+              </a:gs>
+              <a:gs pos="100000">
+                <a:srgbClr val="00B050">
+                  <a:tint val="23500"/>
+                  <a:satMod val="160000"/>
+                </a:srgbClr>
+              </a:gs>
+            </a:gsLst>
+            <a:lin ang="2700000" scaled="1"/>
+            <a:tileRect/>
+          </a:gradFill>
+          <a:ln>
+            <a:solidFill>
+              <a:srgbClr val="00B050"/>
+            </a:solidFill>
+          </a:ln>
+        </p:spPr>
+        <p:style>
+          <a:lnRef idx="2">
+            <a:schemeClr val="accent1">
+              <a:shade val="50000"/>
+            </a:schemeClr>
+          </a:lnRef>
+          <a:fillRef idx="1">
+            <a:schemeClr val="accent1"/>
+          </a:fillRef>
+          <a:effectRef idx="0">
+            <a:schemeClr val="accent1"/>
+          </a:effectRef>
+          <a:fontRef idx="minor">
+            <a:schemeClr val="lt1"/>
+          </a:fontRef>
+        </p:style>
+        <p:txBody>
+          <a:bodyPr rtlCol="0" anchor="ctr"/>
+          <a:lstStyle/>
+          <a:p>
+            <a:pPr algn="ctr"/>
+            <a:r>
+              <a:rPr lang="ko-KR" altLang="en-US" sz="800" dirty="0">
+                <a:solidFill>
+                  <a:schemeClr val="tx1"/>
+                </a:solidFill>
+              </a:rPr>
+              <a:t>주문</a:t>
+            </a:r>
+            <a:endParaRPr lang="en-US" altLang="ko-KR" sz="800" dirty="0">
+              <a:solidFill>
+                <a:schemeClr val="tx1"/>
+              </a:solidFill>
+            </a:endParaRPr>
+          </a:p>
+          <a:p>
+            <a:pPr algn="ctr"/>
+            <a:r>
+              <a:rPr lang="ko-KR" altLang="en-US" sz="800" dirty="0">
+                <a:solidFill>
+                  <a:schemeClr val="tx1"/>
+                </a:solidFill>
+              </a:rPr>
+              <a:t>검색</a:t>
+            </a:r>
+          </a:p>
+        </p:txBody>
+      </p:sp>
+      <p:cxnSp>
+        <p:nvCxnSpPr>
+          <p:cNvPr id="122" name="연결선: 꺾임 121">
+            <a:extLst>
+              <a:ext uri="{FF2B5EF4-FFF2-40B4-BE49-F238E27FC236}">
+                <a16:creationId xmlns:a16="http://schemas.microsoft.com/office/drawing/2014/main" id="{2105F17A-1AF9-4288-AF6A-D7ADFC01653C}"/>
+              </a:ext>
+            </a:extLst>
+          </p:cNvPr>
+          <p:cNvCxnSpPr>
+            <a:stCxn id="73" idx="0"/>
+            <a:endCxn id="120" idx="1"/>
+          </p:cNvCxnSpPr>
+          <p:nvPr/>
+        </p:nvCxnSpPr>
+        <p:spPr>
+          <a:xfrm rot="5400000" flipH="1" flipV="1">
+            <a:off x="3471063" y="4039061"/>
+            <a:ext cx="161851" cy="483199"/>
+          </a:xfrm>
+          <a:prstGeom prst="bentConnector2">
+            <a:avLst/>
+          </a:prstGeom>
+          <a:ln>
+            <a:solidFill>
+              <a:srgbClr val="00B050"/>
+            </a:solidFill>
+            <a:tailEnd type="triangle"/>
+          </a:ln>
+        </p:spPr>
+        <p:style>
+          <a:lnRef idx="1">
+            <a:schemeClr val="accent1"/>
+          </a:lnRef>
+          <a:fillRef idx="0">
+            <a:schemeClr val="accent1"/>
+          </a:fillRef>
+          <a:effectRef idx="0">
+            <a:schemeClr val="accent1"/>
+          </a:effectRef>
+          <a:fontRef idx="minor">
+            <a:schemeClr val="tx1"/>
+          </a:fontRef>
+        </p:style>
+      </p:cxnSp>
+      <p:cxnSp>
+        <p:nvCxnSpPr>
+          <p:cNvPr id="124" name="연결선: 꺾임 123">
+            <a:extLst>
+              <a:ext uri="{FF2B5EF4-FFF2-40B4-BE49-F238E27FC236}">
+                <a16:creationId xmlns:a16="http://schemas.microsoft.com/office/drawing/2014/main" id="{2BC15EF1-75EB-4336-9EF8-E08A045ACCD2}"/>
+              </a:ext>
+            </a:extLst>
+          </p:cNvPr>
+          <p:cNvCxnSpPr>
+            <a:stCxn id="120" idx="2"/>
+            <a:endCxn id="73" idx="2"/>
+          </p:cNvCxnSpPr>
+          <p:nvPr/>
+        </p:nvCxnSpPr>
+        <p:spPr>
+          <a:xfrm rot="5400000">
+            <a:off x="3463768" y="4370059"/>
+            <a:ext cx="485554" cy="792311"/>
+          </a:xfrm>
+          <a:prstGeom prst="bentConnector3">
+            <a:avLst>
+              <a:gd name="adj1" fmla="val 147080"/>
+            </a:avLst>
+          </a:prstGeom>
+          <a:ln>
+            <a:solidFill>
+              <a:srgbClr val="00B050"/>
+            </a:solidFill>
+            <a:tailEnd type="triangle"/>
+          </a:ln>
+        </p:spPr>
+        <p:style>
+          <a:lnRef idx="1">
+            <a:schemeClr val="accent1"/>
+          </a:lnRef>
+          <a:fillRef idx="0">
+            <a:schemeClr val="accent1"/>
+          </a:fillRef>
+          <a:effectRef idx="0">
+            <a:schemeClr val="accent1"/>
+          </a:effectRef>
+          <a:fontRef idx="minor">
+            <a:schemeClr val="tx1"/>
+          </a:fontRef>
+        </p:style>
+      </p:cxnSp>
+      <p:sp>
+        <p:nvSpPr>
+          <p:cNvPr id="125" name="직사각형 124">
+            <a:extLst>
+              <a:ext uri="{FF2B5EF4-FFF2-40B4-BE49-F238E27FC236}">
+                <a16:creationId xmlns:a16="http://schemas.microsoft.com/office/drawing/2014/main" id="{1F2B120A-7F06-447A-A6FC-5BDB604D3DB5}"/>
+              </a:ext>
+            </a:extLst>
+          </p:cNvPr>
+          <p:cNvSpPr/>
+          <p:nvPr/>
+        </p:nvSpPr>
+        <p:spPr>
+          <a:xfrm>
+            <a:off x="3723022" y="5283529"/>
+            <a:ext cx="618224" cy="647406"/>
+          </a:xfrm>
+          <a:prstGeom prst="rect">
+            <a:avLst/>
+          </a:prstGeom>
+          <a:gradFill flip="none" rotWithShape="1">
+            <a:gsLst>
+              <a:gs pos="0">
+                <a:srgbClr val="00B050">
+                  <a:tint val="66000"/>
+                  <a:satMod val="160000"/>
+                </a:srgbClr>
+              </a:gs>
+              <a:gs pos="50000">
+                <a:srgbClr val="00B050">
+                  <a:tint val="44500"/>
+                  <a:satMod val="160000"/>
+                </a:srgbClr>
+              </a:gs>
+              <a:gs pos="100000">
+                <a:srgbClr val="00B050">
+                  <a:tint val="23500"/>
+                  <a:satMod val="160000"/>
+                </a:srgbClr>
+              </a:gs>
+            </a:gsLst>
+            <a:lin ang="2700000" scaled="1"/>
+            <a:tileRect/>
+          </a:gradFill>
+          <a:ln>
+            <a:solidFill>
+              <a:srgbClr val="00B050"/>
+            </a:solidFill>
+          </a:ln>
+        </p:spPr>
+        <p:style>
+          <a:lnRef idx="2">
+            <a:schemeClr val="accent1">
+              <a:shade val="50000"/>
+            </a:schemeClr>
+          </a:lnRef>
+          <a:fillRef idx="1">
+            <a:schemeClr val="accent1"/>
+          </a:fillRef>
+          <a:effectRef idx="0">
+            <a:schemeClr val="accent1"/>
+          </a:effectRef>
+          <a:fontRef idx="minor">
+            <a:schemeClr val="lt1"/>
+          </a:fontRef>
+        </p:style>
+        <p:txBody>
+          <a:bodyPr rtlCol="0" anchor="ctr"/>
+          <a:lstStyle/>
+          <a:p>
+            <a:pPr algn="ctr"/>
+            <a:r>
+              <a:rPr lang="ko-KR" altLang="en-US" sz="800" dirty="0">
+                <a:solidFill>
+                  <a:schemeClr val="tx1"/>
+                </a:solidFill>
+              </a:rPr>
+              <a:t>상품</a:t>
+            </a:r>
+            <a:endParaRPr lang="en-US" altLang="ko-KR" sz="800" dirty="0">
+              <a:solidFill>
+                <a:schemeClr val="tx1"/>
+              </a:solidFill>
+            </a:endParaRPr>
+          </a:p>
+          <a:p>
+            <a:pPr algn="ctr"/>
+            <a:r>
+              <a:rPr lang="ko-KR" altLang="en-US" sz="800" dirty="0">
+                <a:solidFill>
+                  <a:schemeClr val="tx1"/>
+                </a:solidFill>
+              </a:rPr>
+              <a:t>검색</a:t>
+            </a:r>
+          </a:p>
+        </p:txBody>
+      </p:sp>
+      <p:cxnSp>
+        <p:nvCxnSpPr>
+          <p:cNvPr id="65" name="연결선: 꺾임 64">
+            <a:extLst>
+              <a:ext uri="{FF2B5EF4-FFF2-40B4-BE49-F238E27FC236}">
+                <a16:creationId xmlns:a16="http://schemas.microsoft.com/office/drawing/2014/main" id="{9D02DCAA-FD75-4E65-AD48-E21D29BBD223}"/>
+              </a:ext>
+            </a:extLst>
+          </p:cNvPr>
+          <p:cNvCxnSpPr>
+            <a:stCxn id="83" idx="0"/>
+            <a:endCxn id="125" idx="1"/>
+          </p:cNvCxnSpPr>
+          <p:nvPr/>
+        </p:nvCxnSpPr>
+        <p:spPr>
+          <a:xfrm rot="5400000" flipH="1" flipV="1">
+            <a:off x="3394919" y="5507197"/>
+            <a:ext cx="228067" cy="428139"/>
+          </a:xfrm>
+          <a:prstGeom prst="bentConnector2">
+            <a:avLst/>
+          </a:prstGeom>
+          <a:ln>
+            <a:solidFill>
+              <a:srgbClr val="00B050"/>
+            </a:solidFill>
+            <a:tailEnd type="triangle"/>
+          </a:ln>
+        </p:spPr>
+        <p:style>
+          <a:lnRef idx="1">
+            <a:schemeClr val="accent1"/>
+          </a:lnRef>
+          <a:fillRef idx="0">
+            <a:schemeClr val="accent1"/>
+          </a:fillRef>
+          <a:effectRef idx="0">
+            <a:schemeClr val="accent1"/>
+          </a:effectRef>
+          <a:fontRef idx="minor">
+            <a:schemeClr val="tx1"/>
+          </a:fontRef>
+        </p:style>
+      </p:cxnSp>
+      <p:cxnSp>
+        <p:nvCxnSpPr>
+          <p:cNvPr id="67" name="연결선: 꺾임 66">
+            <a:extLst>
+              <a:ext uri="{FF2B5EF4-FFF2-40B4-BE49-F238E27FC236}">
+                <a16:creationId xmlns:a16="http://schemas.microsoft.com/office/drawing/2014/main" id="{A6287C7D-4647-4651-BEFD-3140A14C646B}"/>
+              </a:ext>
+            </a:extLst>
+          </p:cNvPr>
+          <p:cNvCxnSpPr>
+            <a:stCxn id="125" idx="2"/>
+            <a:endCxn id="83" idx="2"/>
+          </p:cNvCxnSpPr>
+          <p:nvPr/>
+        </p:nvCxnSpPr>
+        <p:spPr>
+          <a:xfrm rot="5400000">
+            <a:off x="3387624" y="5838195"/>
+            <a:ext cx="551770" cy="737251"/>
+          </a:xfrm>
+          <a:prstGeom prst="bentConnector3">
+            <a:avLst>
+              <a:gd name="adj1" fmla="val 141430"/>
+            </a:avLst>
+          </a:prstGeom>
+          <a:ln>
+            <a:solidFill>
+              <a:srgbClr val="00B050"/>
+            </a:solidFill>
+            <a:tailEnd type="triangle"/>
+          </a:ln>
+        </p:spPr>
+        <p:style>
+          <a:lnRef idx="1">
+            <a:schemeClr val="accent1"/>
+          </a:lnRef>
+          <a:fillRef idx="0">
+            <a:schemeClr val="accent1"/>
+          </a:fillRef>
+          <a:effectRef idx="0">
+            <a:schemeClr val="accent1"/>
+          </a:effectRef>
+          <a:fontRef idx="minor">
+            <a:schemeClr val="tx1"/>
+          </a:fontRef>
+        </p:style>
+      </p:cxnSp>
+      <p:cxnSp>
+        <p:nvCxnSpPr>
+          <p:cNvPr id="70" name="직선 화살표 연결선 69">
+            <a:extLst>
+              <a:ext uri="{FF2B5EF4-FFF2-40B4-BE49-F238E27FC236}">
+                <a16:creationId xmlns:a16="http://schemas.microsoft.com/office/drawing/2014/main" id="{462A402B-1B1F-4A9C-909F-E483A50063CE}"/>
+              </a:ext>
+            </a:extLst>
+          </p:cNvPr>
+          <p:cNvCxnSpPr>
+            <a:stCxn id="83" idx="3"/>
+            <a:endCxn id="86" idx="1"/>
+          </p:cNvCxnSpPr>
+          <p:nvPr/>
+        </p:nvCxnSpPr>
+        <p:spPr>
+          <a:xfrm flipV="1">
+            <a:off x="3603995" y="6158072"/>
+            <a:ext cx="1643678" cy="930"/>
+          </a:xfrm>
+          <a:prstGeom prst="straightConnector1">
+            <a:avLst/>
+          </a:prstGeom>
+          <a:ln>
+            <a:solidFill>
+              <a:srgbClr val="00B050"/>
+            </a:solidFill>
+            <a:tailEnd type="triangle"/>
+          </a:ln>
+        </p:spPr>
+        <p:style>
+          <a:lnRef idx="1">
+            <a:schemeClr val="accent1"/>
+          </a:lnRef>
+          <a:fillRef idx="0">
+            <a:schemeClr val="accent1"/>
+          </a:fillRef>
+          <a:effectRef idx="0">
+            <a:schemeClr val="accent1"/>
+          </a:effectRef>
+          <a:fontRef idx="minor">
+            <a:schemeClr val="tx1"/>
+          </a:fontRef>
+        </p:style>
+      </p:cxnSp>
     </p:spTree>
     <p:extLst>
       <p:ext uri="{BB962C8B-B14F-4D97-AF65-F5344CB8AC3E}">
-        <p14:creationId xmlns:p14="http://schemas.microsoft.com/office/powerpoint/2010/main" val="3509807082"/>
+        <p14:creationId xmlns:p14="http://schemas.microsoft.com/office/powerpoint/2010/main" val="133210269"/>
       </p:ext>
     </p:extLst>
   </p:cSld>

--- a/doc/시나리오.pptx
+++ b/doc/시나리오.pptx
@@ -263,7 +263,7 @@
           <a:p>
             <a:fld id="{4486901E-76BC-42D3-A3CB-56AE8BC3E0FC}" type="datetimeFigureOut">
               <a:rPr lang="ko-KR" altLang="en-US" smtClean="0"/>
-              <a:t>2019-07-02</a:t>
+              <a:t>2019-07-03</a:t>
             </a:fld>
             <a:endParaRPr lang="ko-KR" altLang="en-US"/>
           </a:p>
@@ -461,7 +461,7 @@
           <a:p>
             <a:fld id="{4486901E-76BC-42D3-A3CB-56AE8BC3E0FC}" type="datetimeFigureOut">
               <a:rPr lang="ko-KR" altLang="en-US" smtClean="0"/>
-              <a:t>2019-07-02</a:t>
+              <a:t>2019-07-03</a:t>
             </a:fld>
             <a:endParaRPr lang="ko-KR" altLang="en-US"/>
           </a:p>
@@ -669,7 +669,7 @@
           <a:p>
             <a:fld id="{4486901E-76BC-42D3-A3CB-56AE8BC3E0FC}" type="datetimeFigureOut">
               <a:rPr lang="ko-KR" altLang="en-US" smtClean="0"/>
-              <a:t>2019-07-02</a:t>
+              <a:t>2019-07-03</a:t>
             </a:fld>
             <a:endParaRPr lang="ko-KR" altLang="en-US"/>
           </a:p>
@@ -867,7 +867,7 @@
           <a:p>
             <a:fld id="{4486901E-76BC-42D3-A3CB-56AE8BC3E0FC}" type="datetimeFigureOut">
               <a:rPr lang="ko-KR" altLang="en-US" smtClean="0"/>
-              <a:t>2019-07-02</a:t>
+              <a:t>2019-07-03</a:t>
             </a:fld>
             <a:endParaRPr lang="ko-KR" altLang="en-US"/>
           </a:p>
@@ -1142,7 +1142,7 @@
           <a:p>
             <a:fld id="{4486901E-76BC-42D3-A3CB-56AE8BC3E0FC}" type="datetimeFigureOut">
               <a:rPr lang="ko-KR" altLang="en-US" smtClean="0"/>
-              <a:t>2019-07-02</a:t>
+              <a:t>2019-07-03</a:t>
             </a:fld>
             <a:endParaRPr lang="ko-KR" altLang="en-US"/>
           </a:p>
@@ -1407,7 +1407,7 @@
           <a:p>
             <a:fld id="{4486901E-76BC-42D3-A3CB-56AE8BC3E0FC}" type="datetimeFigureOut">
               <a:rPr lang="ko-KR" altLang="en-US" smtClean="0"/>
-              <a:t>2019-07-02</a:t>
+              <a:t>2019-07-03</a:t>
             </a:fld>
             <a:endParaRPr lang="ko-KR" altLang="en-US"/>
           </a:p>
@@ -1819,7 +1819,7 @@
           <a:p>
             <a:fld id="{4486901E-76BC-42D3-A3CB-56AE8BC3E0FC}" type="datetimeFigureOut">
               <a:rPr lang="ko-KR" altLang="en-US" smtClean="0"/>
-              <a:t>2019-07-02</a:t>
+              <a:t>2019-07-03</a:t>
             </a:fld>
             <a:endParaRPr lang="ko-KR" altLang="en-US"/>
           </a:p>
@@ -1960,7 +1960,7 @@
           <a:p>
             <a:fld id="{4486901E-76BC-42D3-A3CB-56AE8BC3E0FC}" type="datetimeFigureOut">
               <a:rPr lang="ko-KR" altLang="en-US" smtClean="0"/>
-              <a:t>2019-07-02</a:t>
+              <a:t>2019-07-03</a:t>
             </a:fld>
             <a:endParaRPr lang="ko-KR" altLang="en-US"/>
           </a:p>
@@ -2073,7 +2073,7 @@
           <a:p>
             <a:fld id="{4486901E-76BC-42D3-A3CB-56AE8BC3E0FC}" type="datetimeFigureOut">
               <a:rPr lang="ko-KR" altLang="en-US" smtClean="0"/>
-              <a:t>2019-07-02</a:t>
+              <a:t>2019-07-03</a:t>
             </a:fld>
             <a:endParaRPr lang="ko-KR" altLang="en-US"/>
           </a:p>
@@ -2384,7 +2384,7 @@
           <a:p>
             <a:fld id="{4486901E-76BC-42D3-A3CB-56AE8BC3E0FC}" type="datetimeFigureOut">
               <a:rPr lang="ko-KR" altLang="en-US" smtClean="0"/>
-              <a:t>2019-07-02</a:t>
+              <a:t>2019-07-03</a:t>
             </a:fld>
             <a:endParaRPr lang="ko-KR" altLang="en-US"/>
           </a:p>
@@ -2672,7 +2672,7 @@
           <a:p>
             <a:fld id="{4486901E-76BC-42D3-A3CB-56AE8BC3E0FC}" type="datetimeFigureOut">
               <a:rPr lang="ko-KR" altLang="en-US" smtClean="0"/>
-              <a:t>2019-07-02</a:t>
+              <a:t>2019-07-03</a:t>
             </a:fld>
             <a:endParaRPr lang="ko-KR" altLang="en-US"/>
           </a:p>
@@ -2913,7 +2913,7 @@
           <a:p>
             <a:fld id="{4486901E-76BC-42D3-A3CB-56AE8BC3E0FC}" type="datetimeFigureOut">
               <a:rPr lang="ko-KR" altLang="en-US" smtClean="0"/>
-              <a:t>2019-07-02</a:t>
+              <a:t>2019-07-03</a:t>
             </a:fld>
             <a:endParaRPr lang="ko-KR" altLang="en-US"/>
           </a:p>
@@ -3332,6 +3332,72 @@
       </p:grpSpPr>
       <p:sp>
         <p:nvSpPr>
+          <p:cNvPr id="94" name="직사각형 93">
+            <a:extLst>
+              <a:ext uri="{FF2B5EF4-FFF2-40B4-BE49-F238E27FC236}">
+                <a16:creationId xmlns:a16="http://schemas.microsoft.com/office/drawing/2014/main" id="{DA2F6129-4E8A-47C8-86B4-1F986CC5B085}"/>
+              </a:ext>
+            </a:extLst>
+          </p:cNvPr>
+          <p:cNvSpPr/>
+          <p:nvPr/>
+        </p:nvSpPr>
+        <p:spPr>
+          <a:xfrm>
+            <a:off x="5058960" y="-1450375"/>
+            <a:ext cx="1729107" cy="769343"/>
+          </a:xfrm>
+          <a:prstGeom prst="rect">
+            <a:avLst/>
+          </a:prstGeom>
+          <a:solidFill>
+            <a:srgbClr val="FF0000"/>
+          </a:solidFill>
+          <a:ln>
+            <a:solidFill>
+              <a:srgbClr val="FF0000"/>
+            </a:solidFill>
+          </a:ln>
+        </p:spPr>
+        <p:style>
+          <a:lnRef idx="2">
+            <a:schemeClr val="accent1">
+              <a:shade val="50000"/>
+            </a:schemeClr>
+          </a:lnRef>
+          <a:fillRef idx="1">
+            <a:schemeClr val="accent1"/>
+          </a:fillRef>
+          <a:effectRef idx="0">
+            <a:schemeClr val="accent1"/>
+          </a:effectRef>
+          <a:fontRef idx="minor">
+            <a:schemeClr val="lt1"/>
+          </a:fontRef>
+        </p:style>
+        <p:txBody>
+          <a:bodyPr rtlCol="0" anchor="ctr"/>
+          <a:lstStyle/>
+          <a:p>
+            <a:pPr algn="ctr"/>
+            <a:r>
+              <a:rPr lang="ko-KR" altLang="en-US" dirty="0">
+                <a:solidFill>
+                  <a:schemeClr val="tx1"/>
+                </a:solidFill>
+              </a:rPr>
+              <a:t>회원관리</a:t>
+            </a:r>
+            <a:endParaRPr lang="en-US" altLang="ko-KR" dirty="0">
+              <a:solidFill>
+                <a:schemeClr val="tx1"/>
+              </a:solidFill>
+            </a:endParaRPr>
+          </a:p>
+        </p:txBody>
+      </p:sp>
+      <p:sp>
+        <p:nvSpPr>
           <p:cNvPr id="5" name="웃는 얼굴 4">
             <a:extLst>
               <a:ext uri="{FF2B5EF4-FFF2-40B4-BE49-F238E27FC236}">
@@ -3344,8 +3410,8 @@
         </p:nvSpPr>
         <p:spPr>
           <a:xfrm>
-            <a:off x="127000" y="3135066"/>
-            <a:ext cx="891403" cy="874254"/>
+            <a:off x="127001" y="2761779"/>
+            <a:ext cx="875053" cy="763993"/>
           </a:xfrm>
           <a:prstGeom prst="smileyFace">
             <a:avLst/>
@@ -3423,8 +3489,8 @@
         </p:nvSpPr>
         <p:spPr>
           <a:xfrm>
-            <a:off x="127000" y="4102573"/>
-            <a:ext cx="998801" cy="361358"/>
+            <a:off x="127001" y="3607264"/>
+            <a:ext cx="980481" cy="315784"/>
           </a:xfrm>
           <a:prstGeom prst="rect">
             <a:avLst/>
@@ -3505,8 +3571,8 @@
         </p:nvSpPr>
         <p:spPr>
           <a:xfrm>
-            <a:off x="2676936" y="175287"/>
-            <a:ext cx="1729107" cy="769343"/>
+            <a:off x="2630167" y="175287"/>
+            <a:ext cx="1697392" cy="672314"/>
           </a:xfrm>
           <a:prstGeom prst="rect">
             <a:avLst/>
@@ -3591,8 +3657,8 @@
         </p:nvCxnSpPr>
         <p:spPr>
           <a:xfrm flipV="1">
-            <a:off x="1018403" y="559959"/>
-            <a:ext cx="1658533" cy="3012234"/>
+            <a:off x="1002054" y="511444"/>
+            <a:ext cx="1628113" cy="2632331"/>
           </a:xfrm>
           <a:prstGeom prst="line">
             <a:avLst/>
@@ -3632,8 +3698,8 @@
         </p:nvSpPr>
         <p:spPr>
           <a:xfrm>
-            <a:off x="2676936" y="4237147"/>
-            <a:ext cx="1729107" cy="769343"/>
+            <a:off x="2630167" y="3724866"/>
+            <a:ext cx="1697392" cy="672314"/>
           </a:xfrm>
           <a:prstGeom prst="rect">
             <a:avLst/>
@@ -3718,8 +3784,8 @@
         </p:nvCxnSpPr>
         <p:spPr>
           <a:xfrm>
-            <a:off x="1018403" y="3572193"/>
-            <a:ext cx="1658533" cy="1049626"/>
+            <a:off x="1002054" y="3143776"/>
+            <a:ext cx="1628113" cy="917247"/>
           </a:xfrm>
           <a:prstGeom prst="line">
             <a:avLst/>
@@ -3759,8 +3825,8 @@
         </p:nvSpPr>
         <p:spPr>
           <a:xfrm>
-            <a:off x="2676936" y="2275270"/>
-            <a:ext cx="1729107" cy="769343"/>
+            <a:off x="2630167" y="2010420"/>
+            <a:ext cx="1697392" cy="672314"/>
           </a:xfrm>
           <a:prstGeom prst="rect">
             <a:avLst/>
@@ -3841,8 +3907,8 @@
         </p:nvSpPr>
         <p:spPr>
           <a:xfrm>
-            <a:off x="2676936" y="5218085"/>
-            <a:ext cx="1729107" cy="769343"/>
+            <a:off x="2630167" y="4582088"/>
+            <a:ext cx="1697392" cy="672314"/>
           </a:xfrm>
           <a:prstGeom prst="rect">
             <a:avLst/>
@@ -3923,8 +3989,8 @@
         </p:nvSpPr>
         <p:spPr>
           <a:xfrm>
-            <a:off x="2676936" y="3256209"/>
-            <a:ext cx="1729107" cy="769343"/>
+            <a:off x="2630167" y="2867644"/>
+            <a:ext cx="1697392" cy="672314"/>
           </a:xfrm>
           <a:prstGeom prst="rect">
             <a:avLst/>
@@ -4008,8 +4074,8 @@
         </p:nvCxnSpPr>
         <p:spPr>
           <a:xfrm flipV="1">
-            <a:off x="1018403" y="2659942"/>
-            <a:ext cx="1658533" cy="912251"/>
+            <a:off x="1002054" y="2346578"/>
+            <a:ext cx="1628113" cy="797198"/>
           </a:xfrm>
           <a:prstGeom prst="line">
             <a:avLst/>
@@ -4052,8 +4118,8 @@
         </p:nvCxnSpPr>
         <p:spPr>
           <a:xfrm>
-            <a:off x="1018403" y="3572193"/>
-            <a:ext cx="1658533" cy="68687"/>
+            <a:off x="1002054" y="3143776"/>
+            <a:ext cx="1628113" cy="60024"/>
           </a:xfrm>
           <a:prstGeom prst="line">
             <a:avLst/>
@@ -4096,8 +4162,8 @@
         </p:nvCxnSpPr>
         <p:spPr>
           <a:xfrm>
-            <a:off x="1018403" y="3572193"/>
-            <a:ext cx="1658533" cy="2030564"/>
+            <a:off x="1002054" y="3143776"/>
+            <a:ext cx="1628113" cy="1774470"/>
           </a:xfrm>
           <a:prstGeom prst="line">
             <a:avLst/>
@@ -4137,8 +4203,8 @@
         </p:nvSpPr>
         <p:spPr>
           <a:xfrm>
-            <a:off x="5923515" y="4263790"/>
-            <a:ext cx="1729107" cy="769343"/>
+            <a:off x="5817198" y="3748149"/>
+            <a:ext cx="1697392" cy="672314"/>
           </a:xfrm>
           <a:prstGeom prst="rect">
             <a:avLst/>
@@ -4222,8 +4288,8 @@
         </p:nvCxnSpPr>
         <p:spPr>
           <a:xfrm>
-            <a:off x="4406043" y="4621819"/>
-            <a:ext cx="1517472" cy="26643"/>
+            <a:off x="4327559" y="4061023"/>
+            <a:ext cx="1489639" cy="23283"/>
           </a:xfrm>
           <a:prstGeom prst="straightConnector1">
             <a:avLst/>
@@ -4265,8 +4331,8 @@
         </p:nvSpPr>
         <p:spPr>
           <a:xfrm>
-            <a:off x="4499633" y="4703730"/>
-            <a:ext cx="1141488" cy="769341"/>
+            <a:off x="4419432" y="4132603"/>
+            <a:ext cx="1120551" cy="672312"/>
           </a:xfrm>
           <a:prstGeom prst="flowChartPunchedTape">
             <a:avLst/>
@@ -4366,8 +4432,8 @@
         </p:nvSpPr>
         <p:spPr>
           <a:xfrm>
-            <a:off x="5923515" y="5251541"/>
-            <a:ext cx="1729107" cy="769343"/>
+            <a:off x="5817198" y="4611324"/>
+            <a:ext cx="1697392" cy="672314"/>
           </a:xfrm>
           <a:prstGeom prst="rect">
             <a:avLst/>
@@ -4448,8 +4514,8 @@
         </p:nvSpPr>
         <p:spPr>
           <a:xfrm>
-            <a:off x="4505770" y="5722861"/>
-            <a:ext cx="1141488" cy="939196"/>
+            <a:off x="4425457" y="5023202"/>
+            <a:ext cx="1120551" cy="820745"/>
           </a:xfrm>
           <a:prstGeom prst="flowChartPunchedTape">
             <a:avLst/>
@@ -4552,8 +4618,8 @@
         </p:nvCxnSpPr>
         <p:spPr>
           <a:xfrm>
-            <a:off x="4406042" y="5602757"/>
-            <a:ext cx="1517473" cy="33456"/>
+            <a:off x="4327558" y="4918245"/>
+            <a:ext cx="1489640" cy="29237"/>
           </a:xfrm>
           <a:prstGeom prst="straightConnector1">
             <a:avLst/>
@@ -4595,8 +4661,8 @@
         </p:nvSpPr>
         <p:spPr>
           <a:xfrm>
-            <a:off x="5923515" y="3221864"/>
-            <a:ext cx="1729107" cy="769343"/>
+            <a:off x="5817198" y="2837630"/>
+            <a:ext cx="1697392" cy="672314"/>
           </a:xfrm>
           <a:prstGeom prst="rect">
             <a:avLst/>
@@ -4677,8 +4743,8 @@
         </p:nvSpPr>
         <p:spPr>
           <a:xfrm>
-            <a:off x="8231038" y="5251541"/>
-            <a:ext cx="1729107" cy="769343"/>
+            <a:off x="8082397" y="4611324"/>
+            <a:ext cx="1697392" cy="672314"/>
           </a:xfrm>
           <a:prstGeom prst="rect">
             <a:avLst/>
@@ -4762,8 +4828,8 @@
         </p:nvCxnSpPr>
         <p:spPr>
           <a:xfrm>
-            <a:off x="7652622" y="5636213"/>
-            <a:ext cx="578416" cy="0"/>
+            <a:off x="7514590" y="4947482"/>
+            <a:ext cx="567807" cy="0"/>
           </a:xfrm>
           <a:prstGeom prst="straightConnector1">
             <a:avLst/>
@@ -4804,8 +4870,8 @@
         </p:nvSpPr>
         <p:spPr>
           <a:xfrm>
-            <a:off x="8231038" y="4263790"/>
-            <a:ext cx="1729107" cy="769343"/>
+            <a:off x="8082397" y="3748149"/>
+            <a:ext cx="1697392" cy="672314"/>
           </a:xfrm>
           <a:prstGeom prst="rect">
             <a:avLst/>
@@ -4889,8 +4955,8 @@
         </p:nvCxnSpPr>
         <p:spPr>
           <a:xfrm>
-            <a:off x="7652622" y="4648462"/>
-            <a:ext cx="578416" cy="0"/>
+            <a:off x="7514590" y="4084306"/>
+            <a:ext cx="567807" cy="0"/>
           </a:xfrm>
           <a:prstGeom prst="straightConnector1">
             <a:avLst/>
@@ -4934,8 +5000,8 @@
         </p:nvCxnSpPr>
         <p:spPr>
           <a:xfrm flipV="1">
-            <a:off x="4406043" y="3606536"/>
-            <a:ext cx="1517472" cy="34345"/>
+            <a:off x="4327559" y="3173787"/>
+            <a:ext cx="1489639" cy="30013"/>
           </a:xfrm>
           <a:prstGeom prst="straightConnector1">
             <a:avLst/>
@@ -4977,8 +5043,8 @@
         </p:nvSpPr>
         <p:spPr>
           <a:xfrm>
-            <a:off x="4505770" y="3685119"/>
-            <a:ext cx="1141488" cy="769341"/>
+            <a:off x="4425457" y="3242459"/>
+            <a:ext cx="1120551" cy="672312"/>
           </a:xfrm>
           <a:prstGeom prst="flowChartPunchedTape">
             <a:avLst/>
@@ -5097,8 +5163,8 @@
         </p:nvSpPr>
         <p:spPr>
           <a:xfrm>
-            <a:off x="5923514" y="2276564"/>
-            <a:ext cx="1729107" cy="769343"/>
+            <a:off x="5817197" y="2011551"/>
+            <a:ext cx="1697392" cy="672314"/>
           </a:xfrm>
           <a:prstGeom prst="rect">
             <a:avLst/>
@@ -5184,8 +5250,8 @@
         </p:nvCxnSpPr>
         <p:spPr>
           <a:xfrm>
-            <a:off x="4406043" y="2659942"/>
-            <a:ext cx="1517471" cy="1294"/>
+            <a:off x="4327559" y="2346578"/>
+            <a:ext cx="1489638" cy="1131"/>
           </a:xfrm>
           <a:prstGeom prst="straightConnector1">
             <a:avLst/>
@@ -5227,8 +5293,8 @@
         </p:nvSpPr>
         <p:spPr>
           <a:xfrm>
-            <a:off x="4499633" y="2717092"/>
-            <a:ext cx="1141488" cy="769341"/>
+            <a:off x="4419432" y="2396520"/>
+            <a:ext cx="1120551" cy="672312"/>
           </a:xfrm>
           <a:prstGeom prst="flowChartPunchedTape">
             <a:avLst/>
@@ -5328,8 +5394,8 @@
         </p:nvSpPr>
         <p:spPr>
           <a:xfrm>
-            <a:off x="5923514" y="176624"/>
-            <a:ext cx="1729107" cy="769343"/>
+            <a:off x="5817197" y="176455"/>
+            <a:ext cx="1697392" cy="672314"/>
           </a:xfrm>
           <a:prstGeom prst="rect">
             <a:avLst/>
@@ -5413,8 +5479,8 @@
         </p:nvCxnSpPr>
         <p:spPr>
           <a:xfrm>
-            <a:off x="4406043" y="559959"/>
-            <a:ext cx="1517471" cy="1337"/>
+            <a:off x="4327559" y="511444"/>
+            <a:ext cx="1489638" cy="1168"/>
           </a:xfrm>
           <a:prstGeom prst="straightConnector1">
             <a:avLst/>
@@ -5456,8 +5522,8 @@
         </p:nvSpPr>
         <p:spPr>
           <a:xfrm>
-            <a:off x="4499633" y="619059"/>
-            <a:ext cx="1141488" cy="1873524"/>
+            <a:off x="4419432" y="563091"/>
+            <a:ext cx="1120551" cy="1637235"/>
           </a:xfrm>
           <a:prstGeom prst="flowChartPunchedTape">
             <a:avLst/>
@@ -5652,8 +5718,8 @@
         </p:nvSpPr>
         <p:spPr>
           <a:xfrm>
-            <a:off x="10346776" y="4250469"/>
-            <a:ext cx="1729107" cy="769343"/>
+            <a:off x="10159329" y="3736508"/>
+            <a:ext cx="1697392" cy="672314"/>
           </a:xfrm>
           <a:prstGeom prst="rect">
             <a:avLst/>
@@ -5736,8 +5802,8 @@
         </p:nvSpPr>
         <p:spPr>
           <a:xfrm>
-            <a:off x="10346776" y="5251541"/>
-            <a:ext cx="1729107" cy="769343"/>
+            <a:off x="10159329" y="4611324"/>
+            <a:ext cx="1697392" cy="672314"/>
           </a:xfrm>
           <a:prstGeom prst="rect">
             <a:avLst/>
@@ -5820,8 +5886,8 @@
         </p:nvSpPr>
         <p:spPr>
           <a:xfrm>
-            <a:off x="8231038" y="175287"/>
-            <a:ext cx="1729107" cy="769343"/>
+            <a:off x="8082397" y="175287"/>
+            <a:ext cx="1697392" cy="672314"/>
           </a:xfrm>
           <a:prstGeom prst="rect">
             <a:avLst/>
@@ -5892,10 +5958,10 @@
       </p:sp>
       <p:cxnSp>
         <p:nvCxnSpPr>
-          <p:cNvPr id="85" name="직선 화살표 연결선 84">
-            <a:extLst>
-              <a:ext uri="{FF2B5EF4-FFF2-40B4-BE49-F238E27FC236}">
-                <a16:creationId xmlns:a16="http://schemas.microsoft.com/office/drawing/2014/main" id="{71DB288D-C085-4DFB-BD6F-EACBACA3F2CB}"/>
+          <p:cNvPr id="3" name="직선 화살표 연결선 2">
+            <a:extLst>
+              <a:ext uri="{FF2B5EF4-FFF2-40B4-BE49-F238E27FC236}">
+                <a16:creationId xmlns:a16="http://schemas.microsoft.com/office/drawing/2014/main" id="{434B5C76-9DD3-416D-9E12-01039612308F}"/>
               </a:ext>
             </a:extLst>
           </p:cNvPr>
@@ -5907,8 +5973,8 @@
         </p:nvCxnSpPr>
         <p:spPr>
           <a:xfrm flipV="1">
-            <a:off x="7652621" y="559959"/>
-            <a:ext cx="578417" cy="1337"/>
+            <a:off x="7514589" y="511444"/>
+            <a:ext cx="567808" cy="1168"/>
           </a:xfrm>
           <a:prstGeom prst="straightConnector1">
             <a:avLst/>
@@ -5917,7 +5983,6 @@
             <a:solidFill>
               <a:srgbClr val="FF0000"/>
             </a:solidFill>
-            <a:headEnd type="triangle"/>
             <a:tailEnd type="triangle"/>
           </a:ln>
         </p:spPr>
@@ -5938,14 +6003,15 @@
       </p:cxnSp>
       <p:cxnSp>
         <p:nvCxnSpPr>
-          <p:cNvPr id="87" name="직선 화살표 연결선 86">
-            <a:extLst>
-              <a:ext uri="{FF2B5EF4-FFF2-40B4-BE49-F238E27FC236}">
-                <a16:creationId xmlns:a16="http://schemas.microsoft.com/office/drawing/2014/main" id="{24133FDB-1B40-4DD9-80B7-B6C6637A8CF8}"/>
+          <p:cNvPr id="10" name="직선 화살표 연결선 9">
+            <a:extLst>
+              <a:ext uri="{FF2B5EF4-FFF2-40B4-BE49-F238E27FC236}">
+                <a16:creationId xmlns:a16="http://schemas.microsoft.com/office/drawing/2014/main" id="{5BDD8EAE-F4C5-46DD-A16E-50FF60A02156}"/>
               </a:ext>
             </a:extLst>
           </p:cNvPr>
           <p:cNvCxnSpPr>
+            <a:cxnSpLocks/>
             <a:stCxn id="61" idx="3"/>
             <a:endCxn id="79" idx="1"/>
           </p:cNvCxnSpPr>
@@ -5953,8 +6019,8 @@
         </p:nvCxnSpPr>
         <p:spPr>
           <a:xfrm flipV="1">
-            <a:off x="9960145" y="4635140"/>
-            <a:ext cx="386630" cy="13322"/>
+            <a:off x="9779789" y="4072665"/>
+            <a:ext cx="379540" cy="11641"/>
           </a:xfrm>
           <a:prstGeom prst="straightConnector1">
             <a:avLst/>
@@ -5963,7 +6029,6 @@
             <a:solidFill>
               <a:srgbClr val="FF0000"/>
             </a:solidFill>
-            <a:headEnd type="triangle"/>
             <a:tailEnd type="triangle"/>
           </a:ln>
         </p:spPr>
@@ -5984,10 +6049,10 @@
       </p:cxnSp>
       <p:cxnSp>
         <p:nvCxnSpPr>
-          <p:cNvPr id="89" name="직선 화살표 연결선 88">
-            <a:extLst>
-              <a:ext uri="{FF2B5EF4-FFF2-40B4-BE49-F238E27FC236}">
-                <a16:creationId xmlns:a16="http://schemas.microsoft.com/office/drawing/2014/main" id="{80EB98C7-A144-4098-B3BA-DA08AF6537F2}"/>
+          <p:cNvPr id="15" name="직선 화살표 연결선 14">
+            <a:extLst>
+              <a:ext uri="{FF2B5EF4-FFF2-40B4-BE49-F238E27FC236}">
+                <a16:creationId xmlns:a16="http://schemas.microsoft.com/office/drawing/2014/main" id="{1C36EF40-243E-4753-B23F-1344BE26C11C}"/>
               </a:ext>
             </a:extLst>
           </p:cNvPr>
@@ -5999,8 +6064,8 @@
         </p:nvCxnSpPr>
         <p:spPr>
           <a:xfrm>
-            <a:off x="9960145" y="5636213"/>
-            <a:ext cx="386630" cy="0"/>
+            <a:off x="9779789" y="4947482"/>
+            <a:ext cx="379540" cy="0"/>
           </a:xfrm>
           <a:prstGeom prst="straightConnector1">
             <a:avLst/>
@@ -6009,7 +6074,6 @@
             <a:solidFill>
               <a:srgbClr val="FF0000"/>
             </a:solidFill>
-            <a:headEnd type="triangle"/>
             <a:tailEnd type="triangle"/>
           </a:ln>
         </p:spPr>
@@ -6030,10 +6094,10 @@
       </p:cxnSp>
       <p:sp>
         <p:nvSpPr>
-          <p:cNvPr id="94" name="직사각형 93">
-            <a:extLst>
-              <a:ext uri="{FF2B5EF4-FFF2-40B4-BE49-F238E27FC236}">
-                <a16:creationId xmlns:a16="http://schemas.microsoft.com/office/drawing/2014/main" id="{DA2F6129-4E8A-47C8-86B4-1F986CC5B085}"/>
+          <p:cNvPr id="42" name="직사각형 41">
+            <a:extLst>
+              <a:ext uri="{FF2B5EF4-FFF2-40B4-BE49-F238E27FC236}">
+                <a16:creationId xmlns:a16="http://schemas.microsoft.com/office/drawing/2014/main" id="{6803F104-5C36-450D-AC44-0202F3202324}"/>
               </a:ext>
             </a:extLst>
           </p:cNvPr>
@@ -6042,18 +6106,39 @@
         </p:nvSpPr>
         <p:spPr>
           <a:xfrm>
-            <a:off x="5058960" y="-1450375"/>
-            <a:ext cx="1729107" cy="769343"/>
+            <a:off x="2630166" y="6002806"/>
+            <a:ext cx="1697392" cy="672314"/>
           </a:xfrm>
           <a:prstGeom prst="rect">
             <a:avLst/>
           </a:prstGeom>
-          <a:solidFill>
-            <a:srgbClr val="FF0000"/>
-          </a:solidFill>
-          <a:ln>
-            <a:solidFill>
-              <a:srgbClr val="FF0000"/>
+          <a:gradFill flip="none" rotWithShape="1">
+            <a:gsLst>
+              <a:gs pos="0">
+                <a:srgbClr val="00B050">
+                  <a:tint val="66000"/>
+                  <a:satMod val="160000"/>
+                </a:srgbClr>
+              </a:gs>
+              <a:gs pos="50000">
+                <a:srgbClr val="00B050">
+                  <a:tint val="44500"/>
+                  <a:satMod val="160000"/>
+                </a:srgbClr>
+              </a:gs>
+              <a:gs pos="100000">
+                <a:srgbClr val="00B050">
+                  <a:tint val="23500"/>
+                  <a:satMod val="160000"/>
+                </a:srgbClr>
+              </a:gs>
+            </a:gsLst>
+            <a:lin ang="2700000" scaled="1"/>
+            <a:tileRect/>
+          </a:gradFill>
+          <a:ln>
+            <a:solidFill>
+              <a:srgbClr val="00B050"/>
             </a:solidFill>
           </a:ln>
         </p:spPr>
@@ -6084,16 +6169,56 @@
                   <a:schemeClr val="tx1"/>
                 </a:solidFill>
               </a:rPr>
-              <a:t>회원관리</a:t>
-            </a:r>
-            <a:endParaRPr lang="en-US" altLang="ko-KR" dirty="0">
-              <a:solidFill>
-                <a:schemeClr val="tx1"/>
-              </a:solidFill>
-            </a:endParaRPr>
-          </a:p>
-        </p:txBody>
-      </p:sp>
+              <a:t>관리자 페이지</a:t>
+            </a:r>
+          </a:p>
+        </p:txBody>
+      </p:sp>
+      <p:cxnSp>
+        <p:nvCxnSpPr>
+          <p:cNvPr id="4" name="직선 화살표 연결선 3">
+            <a:extLst>
+              <a:ext uri="{FF2B5EF4-FFF2-40B4-BE49-F238E27FC236}">
+                <a16:creationId xmlns:a16="http://schemas.microsoft.com/office/drawing/2014/main" id="{69EBD5B6-B3CF-47A7-939F-D36FE6B3D642}"/>
+              </a:ext>
+            </a:extLst>
+          </p:cNvPr>
+          <p:cNvCxnSpPr>
+            <a:stCxn id="5" idx="6"/>
+            <a:endCxn id="42" idx="1"/>
+          </p:cNvCxnSpPr>
+          <p:nvPr/>
+        </p:nvCxnSpPr>
+        <p:spPr>
+          <a:xfrm>
+            <a:off x="1002054" y="3143776"/>
+            <a:ext cx="1628112" cy="3195188"/>
+          </a:xfrm>
+          <a:prstGeom prst="straightConnector1">
+            <a:avLst/>
+          </a:prstGeom>
+          <a:ln>
+            <a:solidFill>
+              <a:srgbClr val="FF0000"/>
+            </a:solidFill>
+            <a:tailEnd type="triangle"/>
+          </a:ln>
+        </p:spPr>
+        <p:style>
+          <a:lnRef idx="1">
+            <a:schemeClr val="accent1"/>
+          </a:lnRef>
+          <a:fillRef idx="0">
+            <a:schemeClr val="accent1"/>
+          </a:fillRef>
+          <a:effectRef idx="0">
+            <a:schemeClr val="accent1"/>
+          </a:effectRef>
+          <a:fontRef idx="minor">
+            <a:schemeClr val="tx1"/>
+          </a:fontRef>
+        </p:style>
+      </p:cxnSp>
     </p:spTree>
     <p:extLst>
       <p:ext uri="{BB962C8B-B14F-4D97-AF65-F5344CB8AC3E}">
@@ -11175,7 +11300,7 @@
         </p:nvSpPr>
         <p:spPr>
           <a:xfrm>
-            <a:off x="4167292" y="2629203"/>
+            <a:off x="4356594" y="2730691"/>
             <a:ext cx="531455" cy="302613"/>
           </a:xfrm>
           <a:prstGeom prst="rect">
@@ -11781,7 +11906,7 @@
         </p:nvSpPr>
         <p:spPr>
           <a:xfrm>
-            <a:off x="10757907" y="-1779452"/>
+            <a:off x="4599234" y="-3176452"/>
             <a:ext cx="1219874" cy="970197"/>
           </a:xfrm>
           <a:prstGeom prst="rect">
@@ -11842,8 +11967,8 @@
         </p:nvSpPr>
         <p:spPr>
           <a:xfrm>
-            <a:off x="292101" y="2972781"/>
-            <a:ext cx="318712" cy="735688"/>
+            <a:off x="182005" y="2970831"/>
+            <a:ext cx="477635" cy="752115"/>
           </a:xfrm>
           <a:prstGeom prst="smileyFace">
             <a:avLst/>
@@ -11921,8 +12046,8 @@
         </p:nvSpPr>
         <p:spPr>
           <a:xfrm>
-            <a:off x="228601" y="3786943"/>
-            <a:ext cx="487946" cy="173533"/>
+            <a:off x="86841" y="4209571"/>
+            <a:ext cx="731257" cy="177408"/>
           </a:xfrm>
           <a:prstGeom prst="rect">
             <a:avLst/>
@@ -11984,7 +12109,7 @@
                   <a:schemeClr val="tx1"/>
                 </a:solidFill>
               </a:rPr>
-              <a:t>사용자</a:t>
+              <a:t>관리자</a:t>
             </a:r>
           </a:p>
         </p:txBody>
@@ -12003,8 +12128,8 @@
         </p:nvSpPr>
         <p:spPr>
           <a:xfrm>
-            <a:off x="1398270" y="729173"/>
-            <a:ext cx="618224" cy="647406"/>
+            <a:off x="1841817" y="1953901"/>
+            <a:ext cx="926497" cy="661861"/>
           </a:xfrm>
           <a:prstGeom prst="rect">
             <a:avLst/>
@@ -12108,8 +12233,8 @@
         </p:nvCxnSpPr>
         <p:spPr>
           <a:xfrm flipV="1">
-            <a:off x="610813" y="1052876"/>
-            <a:ext cx="787457" cy="2287749"/>
+            <a:off x="659640" y="2284832"/>
+            <a:ext cx="1182177" cy="1062057"/>
           </a:xfrm>
           <a:prstGeom prst="straightConnector1">
             <a:avLst/>
@@ -12150,8 +12275,8 @@
         </p:nvSpPr>
         <p:spPr>
           <a:xfrm>
-            <a:off x="1398270" y="2883263"/>
-            <a:ext cx="618224" cy="647406"/>
+            <a:off x="1841817" y="4562488"/>
+            <a:ext cx="926497" cy="661861"/>
           </a:xfrm>
           <a:prstGeom prst="rect">
             <a:avLst/>
@@ -12232,8 +12357,8 @@
         </p:nvSpPr>
         <p:spPr>
           <a:xfrm>
-            <a:off x="1398270" y="4361585"/>
-            <a:ext cx="618224" cy="647406"/>
+            <a:off x="1841817" y="6073818"/>
+            <a:ext cx="926497" cy="661861"/>
           </a:xfrm>
           <a:prstGeom prst="rect">
             <a:avLst/>
@@ -12300,12 +12425,102 @@
           </a:p>
         </p:txBody>
       </p:sp>
-      <p:sp>
-        <p:nvSpPr>
-          <p:cNvPr id="19" name="직사각형 18">
-            <a:extLst>
-              <a:ext uri="{FF2B5EF4-FFF2-40B4-BE49-F238E27FC236}">
-                <a16:creationId xmlns:a16="http://schemas.microsoft.com/office/drawing/2014/main" id="{F7BE9ACD-359F-4DFB-B802-509ED9B0245B}"/>
+      <p:cxnSp>
+        <p:nvCxnSpPr>
+          <p:cNvPr id="7" name="직선 화살표 연결선 6">
+            <a:extLst>
+              <a:ext uri="{FF2B5EF4-FFF2-40B4-BE49-F238E27FC236}">
+                <a16:creationId xmlns:a16="http://schemas.microsoft.com/office/drawing/2014/main" id="{7FF8E9DB-34D6-4C48-A1A7-2E42D84FC583}"/>
+              </a:ext>
+            </a:extLst>
+          </p:cNvPr>
+          <p:cNvCxnSpPr>
+            <a:cxnSpLocks/>
+            <a:endCxn id="17" idx="1"/>
+          </p:cNvCxnSpPr>
+          <p:nvPr/>
+        </p:nvCxnSpPr>
+        <p:spPr>
+          <a:xfrm>
+            <a:off x="659640" y="3753289"/>
+            <a:ext cx="1182177" cy="1140130"/>
+          </a:xfrm>
+          <a:prstGeom prst="straightConnector1">
+            <a:avLst/>
+          </a:prstGeom>
+          <a:ln>
+            <a:solidFill>
+              <a:srgbClr val="00B050"/>
+            </a:solidFill>
+            <a:tailEnd type="triangle"/>
+          </a:ln>
+        </p:spPr>
+        <p:style>
+          <a:lnRef idx="1">
+            <a:schemeClr val="accent1"/>
+          </a:lnRef>
+          <a:fillRef idx="0">
+            <a:schemeClr val="accent1"/>
+          </a:fillRef>
+          <a:effectRef idx="0">
+            <a:schemeClr val="accent1"/>
+          </a:effectRef>
+          <a:fontRef idx="minor">
+            <a:schemeClr val="tx1"/>
+          </a:fontRef>
+        </p:style>
+      </p:cxnSp>
+      <p:cxnSp>
+        <p:nvCxnSpPr>
+          <p:cNvPr id="11" name="직선 화살표 연결선 10">
+            <a:extLst>
+              <a:ext uri="{FF2B5EF4-FFF2-40B4-BE49-F238E27FC236}">
+                <a16:creationId xmlns:a16="http://schemas.microsoft.com/office/drawing/2014/main" id="{64DA7ACE-8697-4F83-85A0-BDE5BC0ECF6C}"/>
+              </a:ext>
+            </a:extLst>
+          </p:cNvPr>
+          <p:cNvCxnSpPr>
+            <a:cxnSpLocks/>
+            <a:endCxn id="18" idx="1"/>
+          </p:cNvCxnSpPr>
+          <p:nvPr/>
+        </p:nvCxnSpPr>
+        <p:spPr>
+          <a:xfrm>
+            <a:off x="659640" y="3753289"/>
+            <a:ext cx="1182177" cy="2651460"/>
+          </a:xfrm>
+          <a:prstGeom prst="straightConnector1">
+            <a:avLst/>
+          </a:prstGeom>
+          <a:ln>
+            <a:solidFill>
+              <a:srgbClr val="00B050"/>
+            </a:solidFill>
+            <a:tailEnd type="triangle"/>
+          </a:ln>
+        </p:spPr>
+        <p:style>
+          <a:lnRef idx="1">
+            <a:schemeClr val="accent1"/>
+          </a:lnRef>
+          <a:fillRef idx="0">
+            <a:schemeClr val="accent1"/>
+          </a:fillRef>
+          <a:effectRef idx="0">
+            <a:schemeClr val="accent1"/>
+          </a:effectRef>
+          <a:fontRef idx="minor">
+            <a:schemeClr val="tx1"/>
+          </a:fontRef>
+        </p:style>
+      </p:cxnSp>
+      <p:sp>
+        <p:nvSpPr>
+          <p:cNvPr id="26" name="직사각형 25">
+            <a:extLst>
+              <a:ext uri="{FF2B5EF4-FFF2-40B4-BE49-F238E27FC236}">
+                <a16:creationId xmlns:a16="http://schemas.microsoft.com/office/drawing/2014/main" id="{5571D892-9F08-43A3-9C3B-D67E374B1073}"/>
               </a:ext>
             </a:extLst>
           </p:cNvPr>
@@ -12314,8 +12529,8 @@
         </p:nvSpPr>
         <p:spPr>
           <a:xfrm>
-            <a:off x="1398270" y="5834369"/>
-            <a:ext cx="618224" cy="647406"/>
+            <a:off x="4244152" y="1191892"/>
+            <a:ext cx="926497" cy="661861"/>
           </a:xfrm>
           <a:prstGeom prst="rect">
             <a:avLst/>
@@ -12377,153 +12592,17 @@
                   <a:schemeClr val="tx1"/>
                 </a:solidFill>
               </a:rPr>
-              <a:t>재고관리</a:t>
-            </a:r>
-          </a:p>
-        </p:txBody>
-      </p:sp>
-      <p:cxnSp>
-        <p:nvCxnSpPr>
-          <p:cNvPr id="7" name="직선 화살표 연결선 6">
-            <a:extLst>
-              <a:ext uri="{FF2B5EF4-FFF2-40B4-BE49-F238E27FC236}">
-                <a16:creationId xmlns:a16="http://schemas.microsoft.com/office/drawing/2014/main" id="{7FF8E9DB-34D6-4C48-A1A7-2E42D84FC583}"/>
-              </a:ext>
-            </a:extLst>
-          </p:cNvPr>
-          <p:cNvCxnSpPr>
-            <a:stCxn id="5" idx="6"/>
-            <a:endCxn id="17" idx="1"/>
-          </p:cNvCxnSpPr>
-          <p:nvPr/>
-        </p:nvCxnSpPr>
-        <p:spPr>
-          <a:xfrm flipV="1">
-            <a:off x="610813" y="3206966"/>
-            <a:ext cx="787457" cy="133659"/>
-          </a:xfrm>
-          <a:prstGeom prst="straightConnector1">
-            <a:avLst/>
-          </a:prstGeom>
-          <a:ln>
-            <a:solidFill>
-              <a:srgbClr val="00B050"/>
-            </a:solidFill>
-            <a:tailEnd type="triangle"/>
-          </a:ln>
-        </p:spPr>
-        <p:style>
-          <a:lnRef idx="1">
-            <a:schemeClr val="accent1"/>
-          </a:lnRef>
-          <a:fillRef idx="0">
-            <a:schemeClr val="accent1"/>
-          </a:fillRef>
-          <a:effectRef idx="0">
-            <a:schemeClr val="accent1"/>
-          </a:effectRef>
-          <a:fontRef idx="minor">
-            <a:schemeClr val="tx1"/>
-          </a:fontRef>
-        </p:style>
-      </p:cxnSp>
-      <p:cxnSp>
-        <p:nvCxnSpPr>
-          <p:cNvPr id="11" name="직선 화살표 연결선 10">
-            <a:extLst>
-              <a:ext uri="{FF2B5EF4-FFF2-40B4-BE49-F238E27FC236}">
-                <a16:creationId xmlns:a16="http://schemas.microsoft.com/office/drawing/2014/main" id="{64DA7ACE-8697-4F83-85A0-BDE5BC0ECF6C}"/>
-              </a:ext>
-            </a:extLst>
-          </p:cNvPr>
-          <p:cNvCxnSpPr>
-            <a:stCxn id="5" idx="6"/>
-            <a:endCxn id="18" idx="1"/>
-          </p:cNvCxnSpPr>
-          <p:nvPr/>
-        </p:nvCxnSpPr>
-        <p:spPr>
-          <a:xfrm>
-            <a:off x="610813" y="3340625"/>
-            <a:ext cx="787457" cy="1344663"/>
-          </a:xfrm>
-          <a:prstGeom prst="straightConnector1">
-            <a:avLst/>
-          </a:prstGeom>
-          <a:ln>
-            <a:solidFill>
-              <a:srgbClr val="00B050"/>
-            </a:solidFill>
-            <a:tailEnd type="triangle"/>
-          </a:ln>
-        </p:spPr>
-        <p:style>
-          <a:lnRef idx="1">
-            <a:schemeClr val="accent1"/>
-          </a:lnRef>
-          <a:fillRef idx="0">
-            <a:schemeClr val="accent1"/>
-          </a:fillRef>
-          <a:effectRef idx="0">
-            <a:schemeClr val="accent1"/>
-          </a:effectRef>
-          <a:fontRef idx="minor">
-            <a:schemeClr val="tx1"/>
-          </a:fontRef>
-        </p:style>
-      </p:cxnSp>
-      <p:cxnSp>
-        <p:nvCxnSpPr>
-          <p:cNvPr id="14" name="직선 화살표 연결선 13">
-            <a:extLst>
-              <a:ext uri="{FF2B5EF4-FFF2-40B4-BE49-F238E27FC236}">
-                <a16:creationId xmlns:a16="http://schemas.microsoft.com/office/drawing/2014/main" id="{EE4F21AB-9AA4-425F-8A0A-A9AA7DB12A96}"/>
-              </a:ext>
-            </a:extLst>
-          </p:cNvPr>
-          <p:cNvCxnSpPr>
-            <a:cxnSpLocks/>
-            <a:stCxn id="5" idx="6"/>
-            <a:endCxn id="19" idx="1"/>
-          </p:cNvCxnSpPr>
-          <p:nvPr/>
-        </p:nvCxnSpPr>
-        <p:spPr>
-          <a:xfrm>
-            <a:off x="610813" y="3340625"/>
-            <a:ext cx="787457" cy="2817447"/>
-          </a:xfrm>
-          <a:prstGeom prst="straightConnector1">
-            <a:avLst/>
-          </a:prstGeom>
-          <a:ln>
-            <a:solidFill>
-              <a:srgbClr val="00B050"/>
-            </a:solidFill>
-            <a:tailEnd type="triangle"/>
-          </a:ln>
-        </p:spPr>
-        <p:style>
-          <a:lnRef idx="1">
-            <a:schemeClr val="accent1"/>
-          </a:lnRef>
-          <a:fillRef idx="0">
-            <a:schemeClr val="accent1"/>
-          </a:fillRef>
-          <a:effectRef idx="0">
-            <a:schemeClr val="accent1"/>
-          </a:effectRef>
-          <a:fontRef idx="minor">
-            <a:schemeClr val="tx1"/>
-          </a:fontRef>
-        </p:style>
-      </p:cxnSp>
-      <p:sp>
-        <p:nvSpPr>
-          <p:cNvPr id="26" name="직사각형 25">
-            <a:extLst>
-              <a:ext uri="{FF2B5EF4-FFF2-40B4-BE49-F238E27FC236}">
-                <a16:creationId xmlns:a16="http://schemas.microsoft.com/office/drawing/2014/main" id="{5571D892-9F08-43A3-9C3B-D67E374B1073}"/>
+              <a:t>상품등록</a:t>
+            </a:r>
+          </a:p>
+        </p:txBody>
+      </p:sp>
+      <p:sp>
+        <p:nvSpPr>
+          <p:cNvPr id="28" name="직사각형 27">
+            <a:extLst>
+              <a:ext uri="{FF2B5EF4-FFF2-40B4-BE49-F238E27FC236}">
+                <a16:creationId xmlns:a16="http://schemas.microsoft.com/office/drawing/2014/main" id="{5A4660F4-EFEF-450F-B5A6-9284C98E4D74}"/>
               </a:ext>
             </a:extLst>
           </p:cNvPr>
@@ -12532,8 +12611,8 @@
         </p:nvSpPr>
         <p:spPr>
           <a:xfrm>
-            <a:off x="3001277" y="-87178"/>
-            <a:ext cx="618224" cy="647406"/>
+            <a:off x="10707463" y="2503099"/>
+            <a:ext cx="926497" cy="661861"/>
           </a:xfrm>
           <a:prstGeom prst="rect">
             <a:avLst/>
@@ -12595,17 +12674,17 @@
                   <a:schemeClr val="tx1"/>
                 </a:solidFill>
               </a:rPr>
-              <a:t>상품등록</a:t>
-            </a:r>
-          </a:p>
-        </p:txBody>
-      </p:sp>
-      <p:sp>
-        <p:nvSpPr>
-          <p:cNvPr id="28" name="직사각형 27">
-            <a:extLst>
-              <a:ext uri="{FF2B5EF4-FFF2-40B4-BE49-F238E27FC236}">
-                <a16:creationId xmlns:a16="http://schemas.microsoft.com/office/drawing/2014/main" id="{5A4660F4-EFEF-450F-B5A6-9284C98E4D74}"/>
+              <a:t>상품삭제</a:t>
+            </a:r>
+          </a:p>
+        </p:txBody>
+      </p:sp>
+      <p:sp>
+        <p:nvSpPr>
+          <p:cNvPr id="29" name="직사각형 28">
+            <a:extLst>
+              <a:ext uri="{FF2B5EF4-FFF2-40B4-BE49-F238E27FC236}">
+                <a16:creationId xmlns:a16="http://schemas.microsoft.com/office/drawing/2014/main" id="{12C4A4CA-0AAB-4B2C-822F-DB6823943891}"/>
               </a:ext>
             </a:extLst>
           </p:cNvPr>
@@ -12614,8 +12693,8 @@
         </p:nvSpPr>
         <p:spPr>
           <a:xfrm>
-            <a:off x="7305072" y="760992"/>
-            <a:ext cx="618224" cy="647406"/>
+            <a:off x="10707463" y="3414930"/>
+            <a:ext cx="926497" cy="661861"/>
           </a:xfrm>
           <a:prstGeom prst="rect">
             <a:avLst/>
@@ -12677,17 +12756,62 @@
                   <a:schemeClr val="tx1"/>
                 </a:solidFill>
               </a:rPr>
-              <a:t>상품삭제</a:t>
-            </a:r>
-          </a:p>
-        </p:txBody>
-      </p:sp>
-      <p:sp>
-        <p:nvSpPr>
-          <p:cNvPr id="29" name="직사각형 28">
-            <a:extLst>
-              <a:ext uri="{FF2B5EF4-FFF2-40B4-BE49-F238E27FC236}">
-                <a16:creationId xmlns:a16="http://schemas.microsoft.com/office/drawing/2014/main" id="{12C4A4CA-0AAB-4B2C-822F-DB6823943891}"/>
+              <a:t>상품수정</a:t>
+            </a:r>
+          </a:p>
+        </p:txBody>
+      </p:sp>
+      <p:cxnSp>
+        <p:nvCxnSpPr>
+          <p:cNvPr id="16" name="직선 화살표 연결선 15">
+            <a:extLst>
+              <a:ext uri="{FF2B5EF4-FFF2-40B4-BE49-F238E27FC236}">
+                <a16:creationId xmlns:a16="http://schemas.microsoft.com/office/drawing/2014/main" id="{35B2D949-46CB-4A95-B0B3-26EF29A27C35}"/>
+              </a:ext>
+            </a:extLst>
+          </p:cNvPr>
+          <p:cNvCxnSpPr>
+            <a:stCxn id="42" idx="3"/>
+            <a:endCxn id="26" idx="1"/>
+          </p:cNvCxnSpPr>
+          <p:nvPr/>
+        </p:nvCxnSpPr>
+        <p:spPr>
+          <a:xfrm flipV="1">
+            <a:off x="2768314" y="1522823"/>
+            <a:ext cx="1475838" cy="762009"/>
+          </a:xfrm>
+          <a:prstGeom prst="straightConnector1">
+            <a:avLst/>
+          </a:prstGeom>
+          <a:ln>
+            <a:solidFill>
+              <a:srgbClr val="00B050"/>
+            </a:solidFill>
+            <a:tailEnd type="triangle"/>
+          </a:ln>
+        </p:spPr>
+        <p:style>
+          <a:lnRef idx="1">
+            <a:schemeClr val="accent1"/>
+          </a:lnRef>
+          <a:fillRef idx="0">
+            <a:schemeClr val="accent1"/>
+          </a:fillRef>
+          <a:effectRef idx="0">
+            <a:schemeClr val="accent1"/>
+          </a:effectRef>
+          <a:fontRef idx="minor">
+            <a:schemeClr val="tx1"/>
+          </a:fontRef>
+        </p:style>
+      </p:cxnSp>
+      <p:sp>
+        <p:nvSpPr>
+          <p:cNvPr id="36" name="직사각형 35">
+            <a:extLst>
+              <a:ext uri="{FF2B5EF4-FFF2-40B4-BE49-F238E27FC236}">
+                <a16:creationId xmlns:a16="http://schemas.microsoft.com/office/drawing/2014/main" id="{91346778-4885-476C-BCED-A595ACA0F371}"/>
               </a:ext>
             </a:extLst>
           </p:cNvPr>
@@ -12696,8 +12820,8 @@
         </p:nvSpPr>
         <p:spPr>
           <a:xfrm>
-            <a:off x="7305072" y="1652908"/>
-            <a:ext cx="618224" cy="647406"/>
+            <a:off x="4244152" y="4562488"/>
+            <a:ext cx="926497" cy="661861"/>
           </a:xfrm>
           <a:prstGeom prst="rect">
             <a:avLst/>
@@ -12759,62 +12883,33 @@
                   <a:schemeClr val="tx1"/>
                 </a:solidFill>
               </a:rPr>
-              <a:t>상품수정</a:t>
-            </a:r>
-          </a:p>
-        </p:txBody>
-      </p:sp>
-      <p:cxnSp>
-        <p:nvCxnSpPr>
-          <p:cNvPr id="16" name="직선 화살표 연결선 15">
-            <a:extLst>
-              <a:ext uri="{FF2B5EF4-FFF2-40B4-BE49-F238E27FC236}">
-                <a16:creationId xmlns:a16="http://schemas.microsoft.com/office/drawing/2014/main" id="{35B2D949-46CB-4A95-B0B3-26EF29A27C35}"/>
-              </a:ext>
-            </a:extLst>
-          </p:cNvPr>
-          <p:cNvCxnSpPr>
-            <a:stCxn id="42" idx="3"/>
-            <a:endCxn id="26" idx="1"/>
-          </p:cNvCxnSpPr>
-          <p:nvPr/>
-        </p:nvCxnSpPr>
-        <p:spPr>
-          <a:xfrm flipV="1">
-            <a:off x="2016494" y="236525"/>
-            <a:ext cx="984783" cy="816351"/>
-          </a:xfrm>
-          <a:prstGeom prst="straightConnector1">
-            <a:avLst/>
-          </a:prstGeom>
-          <a:ln>
-            <a:solidFill>
-              <a:srgbClr val="00B050"/>
-            </a:solidFill>
-            <a:tailEnd type="triangle"/>
-          </a:ln>
-        </p:spPr>
-        <p:style>
-          <a:lnRef idx="1">
-            <a:schemeClr val="accent1"/>
-          </a:lnRef>
-          <a:fillRef idx="0">
-            <a:schemeClr val="accent1"/>
-          </a:fillRef>
-          <a:effectRef idx="0">
-            <a:schemeClr val="accent1"/>
-          </a:effectRef>
-          <a:fontRef idx="minor">
-            <a:schemeClr val="tx1"/>
-          </a:fontRef>
-        </p:style>
-      </p:cxnSp>
-      <p:sp>
-        <p:nvSpPr>
-          <p:cNvPr id="36" name="직사각형 35">
-            <a:extLst>
-              <a:ext uri="{FF2B5EF4-FFF2-40B4-BE49-F238E27FC236}">
-                <a16:creationId xmlns:a16="http://schemas.microsoft.com/office/drawing/2014/main" id="{91346778-4885-476C-BCED-A595ACA0F371}"/>
+              <a:t>고객</a:t>
+            </a:r>
+            <a:endParaRPr lang="en-US" altLang="ko-KR" sz="800" dirty="0">
+              <a:solidFill>
+                <a:schemeClr val="tx1"/>
+              </a:solidFill>
+            </a:endParaRPr>
+          </a:p>
+          <a:p>
+            <a:pPr algn="ctr"/>
+            <a:r>
+              <a:rPr lang="ko-KR" altLang="en-US" sz="800" dirty="0">
+                <a:solidFill>
+                  <a:schemeClr val="tx1"/>
+                </a:solidFill>
+              </a:rPr>
+              <a:t>리스트</a:t>
+            </a:r>
+          </a:p>
+        </p:txBody>
+      </p:sp>
+      <p:sp>
+        <p:nvSpPr>
+          <p:cNvPr id="46" name="직사각형 45">
+            <a:extLst>
+              <a:ext uri="{FF2B5EF4-FFF2-40B4-BE49-F238E27FC236}">
+                <a16:creationId xmlns:a16="http://schemas.microsoft.com/office/drawing/2014/main" id="{37A32073-580C-4DAA-9228-2D17DC8B3EDC}"/>
               </a:ext>
             </a:extLst>
           </p:cNvPr>
@@ -12823,8 +12918,8 @@
         </p:nvSpPr>
         <p:spPr>
           <a:xfrm>
-            <a:off x="3001277" y="2883263"/>
-            <a:ext cx="618224" cy="647406"/>
+            <a:off x="4244152" y="2549015"/>
+            <a:ext cx="926497" cy="661861"/>
           </a:xfrm>
           <a:prstGeom prst="rect">
             <a:avLst/>
@@ -12886,7 +12981,7 @@
                   <a:schemeClr val="tx1"/>
                 </a:solidFill>
               </a:rPr>
-              <a:t>고객</a:t>
+              <a:t>상품</a:t>
             </a:r>
             <a:endParaRPr lang="en-US" altLang="ko-KR" sz="800" dirty="0">
               <a:solidFill>
@@ -12907,12 +13002,102 @@
           </a:p>
         </p:txBody>
       </p:sp>
-      <p:sp>
-        <p:nvSpPr>
-          <p:cNvPr id="46" name="직사각형 45">
-            <a:extLst>
-              <a:ext uri="{FF2B5EF4-FFF2-40B4-BE49-F238E27FC236}">
-                <a16:creationId xmlns:a16="http://schemas.microsoft.com/office/drawing/2014/main" id="{37A32073-580C-4DAA-9228-2D17DC8B3EDC}"/>
+      <p:cxnSp>
+        <p:nvCxnSpPr>
+          <p:cNvPr id="53" name="직선 화살표 연결선 52">
+            <a:extLst>
+              <a:ext uri="{FF2B5EF4-FFF2-40B4-BE49-F238E27FC236}">
+                <a16:creationId xmlns:a16="http://schemas.microsoft.com/office/drawing/2014/main" id="{7D9E0B51-AA2B-439A-A195-C96B8CC5CF65}"/>
+              </a:ext>
+            </a:extLst>
+          </p:cNvPr>
+          <p:cNvCxnSpPr>
+            <a:stCxn id="42" idx="3"/>
+            <a:endCxn id="46" idx="1"/>
+          </p:cNvCxnSpPr>
+          <p:nvPr/>
+        </p:nvCxnSpPr>
+        <p:spPr>
+          <a:xfrm>
+            <a:off x="2768314" y="2284832"/>
+            <a:ext cx="1475838" cy="595114"/>
+          </a:xfrm>
+          <a:prstGeom prst="straightConnector1">
+            <a:avLst/>
+          </a:prstGeom>
+          <a:ln>
+            <a:solidFill>
+              <a:srgbClr val="00B050"/>
+            </a:solidFill>
+            <a:tailEnd type="triangle"/>
+          </a:ln>
+        </p:spPr>
+        <p:style>
+          <a:lnRef idx="1">
+            <a:schemeClr val="accent1"/>
+          </a:lnRef>
+          <a:fillRef idx="0">
+            <a:schemeClr val="accent1"/>
+          </a:fillRef>
+          <a:effectRef idx="0">
+            <a:schemeClr val="accent1"/>
+          </a:effectRef>
+          <a:fontRef idx="minor">
+            <a:schemeClr val="tx1"/>
+          </a:fontRef>
+        </p:style>
+      </p:cxnSp>
+      <p:cxnSp>
+        <p:nvCxnSpPr>
+          <p:cNvPr id="57" name="직선 화살표 연결선 56">
+            <a:extLst>
+              <a:ext uri="{FF2B5EF4-FFF2-40B4-BE49-F238E27FC236}">
+                <a16:creationId xmlns:a16="http://schemas.microsoft.com/office/drawing/2014/main" id="{C724BBE5-41C3-4CB8-8782-BDFCC115887F}"/>
+              </a:ext>
+            </a:extLst>
+          </p:cNvPr>
+          <p:cNvCxnSpPr>
+            <a:stCxn id="17" idx="3"/>
+            <a:endCxn id="36" idx="1"/>
+          </p:cNvCxnSpPr>
+          <p:nvPr/>
+        </p:nvCxnSpPr>
+        <p:spPr>
+          <a:xfrm>
+            <a:off x="2768314" y="4893418"/>
+            <a:ext cx="1475838" cy="0"/>
+          </a:xfrm>
+          <a:prstGeom prst="straightConnector1">
+            <a:avLst/>
+          </a:prstGeom>
+          <a:ln>
+            <a:solidFill>
+              <a:srgbClr val="00B050"/>
+            </a:solidFill>
+            <a:tailEnd type="triangle"/>
+          </a:ln>
+        </p:spPr>
+        <p:style>
+          <a:lnRef idx="1">
+            <a:schemeClr val="accent1"/>
+          </a:lnRef>
+          <a:fillRef idx="0">
+            <a:schemeClr val="accent1"/>
+          </a:fillRef>
+          <a:effectRef idx="0">
+            <a:schemeClr val="accent1"/>
+          </a:effectRef>
+          <a:fontRef idx="minor">
+            <a:schemeClr val="tx1"/>
+          </a:fontRef>
+        </p:style>
+      </p:cxnSp>
+      <p:sp>
+        <p:nvSpPr>
+          <p:cNvPr id="59" name="직사각형 58">
+            <a:extLst>
+              <a:ext uri="{FF2B5EF4-FFF2-40B4-BE49-F238E27FC236}">
+                <a16:creationId xmlns:a16="http://schemas.microsoft.com/office/drawing/2014/main" id="{C4A0FE8F-41CF-4846-9B36-DD7FE8A57CC3}"/>
               </a:ext>
             </a:extLst>
           </p:cNvPr>
@@ -12921,8 +13106,8 @@
         </p:nvSpPr>
         <p:spPr>
           <a:xfrm>
-            <a:off x="3001277" y="1240305"/>
-            <a:ext cx="618224" cy="647406"/>
+            <a:off x="7610697" y="4562488"/>
+            <a:ext cx="926497" cy="661861"/>
           </a:xfrm>
           <a:prstGeom prst="rect">
             <a:avLst/>
@@ -12984,7 +13169,7 @@
                   <a:schemeClr val="tx1"/>
                 </a:solidFill>
               </a:rPr>
-              <a:t>상품</a:t>
+              <a:t>회원</a:t>
             </a:r>
             <a:endParaRPr lang="en-US" altLang="ko-KR" sz="800" dirty="0">
               <a:solidFill>
@@ -13000,30 +13185,30 @@
                   <a:schemeClr val="tx1"/>
                 </a:solidFill>
               </a:rPr>
-              <a:t>리스트</a:t>
+              <a:t>상세정보</a:t>
             </a:r>
           </a:p>
         </p:txBody>
       </p:sp>
       <p:cxnSp>
         <p:nvCxnSpPr>
-          <p:cNvPr id="53" name="직선 화살표 연결선 52">
-            <a:extLst>
-              <a:ext uri="{FF2B5EF4-FFF2-40B4-BE49-F238E27FC236}">
-                <a16:creationId xmlns:a16="http://schemas.microsoft.com/office/drawing/2014/main" id="{7D9E0B51-AA2B-439A-A195-C96B8CC5CF65}"/>
+          <p:cNvPr id="60" name="직선 화살표 연결선 59">
+            <a:extLst>
+              <a:ext uri="{FF2B5EF4-FFF2-40B4-BE49-F238E27FC236}">
+                <a16:creationId xmlns:a16="http://schemas.microsoft.com/office/drawing/2014/main" id="{86EA7F43-518E-4A7B-82F4-1C743807E987}"/>
               </a:ext>
             </a:extLst>
           </p:cNvPr>
           <p:cNvCxnSpPr>
-            <a:stCxn id="42" idx="3"/>
-            <a:endCxn id="46" idx="1"/>
+            <a:stCxn id="36" idx="3"/>
+            <a:endCxn id="59" idx="1"/>
           </p:cNvCxnSpPr>
           <p:nvPr/>
         </p:nvCxnSpPr>
         <p:spPr>
           <a:xfrm>
-            <a:off x="2016494" y="1052876"/>
-            <a:ext cx="984783" cy="511132"/>
+            <a:off x="5170649" y="4893418"/>
+            <a:ext cx="2440048" cy="0"/>
           </a:xfrm>
           <a:prstGeom prst="straightConnector1">
             <a:avLst/>
@@ -13050,57 +13235,12 @@
           </a:fontRef>
         </p:style>
       </p:cxnSp>
-      <p:cxnSp>
-        <p:nvCxnSpPr>
-          <p:cNvPr id="57" name="직선 화살표 연결선 56">
-            <a:extLst>
-              <a:ext uri="{FF2B5EF4-FFF2-40B4-BE49-F238E27FC236}">
-                <a16:creationId xmlns:a16="http://schemas.microsoft.com/office/drawing/2014/main" id="{C724BBE5-41C3-4CB8-8782-BDFCC115887F}"/>
-              </a:ext>
-            </a:extLst>
-          </p:cNvPr>
-          <p:cNvCxnSpPr>
-            <a:stCxn id="17" idx="3"/>
-            <a:endCxn id="36" idx="1"/>
-          </p:cNvCxnSpPr>
-          <p:nvPr/>
-        </p:nvCxnSpPr>
-        <p:spPr>
-          <a:xfrm>
-            <a:off x="2016494" y="3206966"/>
-            <a:ext cx="984783" cy="0"/>
-          </a:xfrm>
-          <a:prstGeom prst="straightConnector1">
-            <a:avLst/>
-          </a:prstGeom>
-          <a:ln>
-            <a:solidFill>
-              <a:srgbClr val="00B050"/>
-            </a:solidFill>
-            <a:tailEnd type="triangle"/>
-          </a:ln>
-        </p:spPr>
-        <p:style>
-          <a:lnRef idx="1">
-            <a:schemeClr val="accent1"/>
-          </a:lnRef>
-          <a:fillRef idx="0">
-            <a:schemeClr val="accent1"/>
-          </a:fillRef>
-          <a:effectRef idx="0">
-            <a:schemeClr val="accent1"/>
-          </a:effectRef>
-          <a:fontRef idx="minor">
-            <a:schemeClr val="tx1"/>
-          </a:fontRef>
-        </p:style>
-      </p:cxnSp>
-      <p:sp>
-        <p:nvSpPr>
-          <p:cNvPr id="59" name="직사각형 58">
-            <a:extLst>
-              <a:ext uri="{FF2B5EF4-FFF2-40B4-BE49-F238E27FC236}">
-                <a16:creationId xmlns:a16="http://schemas.microsoft.com/office/drawing/2014/main" id="{C4A0FE8F-41CF-4846-9B36-DD7FE8A57CC3}"/>
+      <p:sp>
+        <p:nvSpPr>
+          <p:cNvPr id="62" name="직사각형 61">
+            <a:extLst>
+              <a:ext uri="{FF2B5EF4-FFF2-40B4-BE49-F238E27FC236}">
+                <a16:creationId xmlns:a16="http://schemas.microsoft.com/office/drawing/2014/main" id="{C0B80AB0-BFEF-4ADE-AD65-64B735BFE97C}"/>
               </a:ext>
             </a:extLst>
           </p:cNvPr>
@@ -13109,8 +13249,8 @@
         </p:nvSpPr>
         <p:spPr>
           <a:xfrm>
-            <a:off x="5247673" y="2883263"/>
-            <a:ext cx="618224" cy="647406"/>
+            <a:off x="7610697" y="2549015"/>
+            <a:ext cx="926497" cy="661861"/>
           </a:xfrm>
           <a:prstGeom prst="rect">
             <a:avLst/>
@@ -13172,7 +13312,7 @@
                   <a:schemeClr val="tx1"/>
                 </a:solidFill>
               </a:rPr>
-              <a:t>회원</a:t>
+              <a:t>상품</a:t>
             </a:r>
             <a:endParaRPr lang="en-US" altLang="ko-KR" sz="800" dirty="0">
               <a:solidFill>
@@ -13195,23 +13335,23 @@
       </p:sp>
       <p:cxnSp>
         <p:nvCxnSpPr>
-          <p:cNvPr id="60" name="직선 화살표 연결선 59">
-            <a:extLst>
-              <a:ext uri="{FF2B5EF4-FFF2-40B4-BE49-F238E27FC236}">
-                <a16:creationId xmlns:a16="http://schemas.microsoft.com/office/drawing/2014/main" id="{86EA7F43-518E-4A7B-82F4-1C743807E987}"/>
+          <p:cNvPr id="63" name="직선 화살표 연결선 62">
+            <a:extLst>
+              <a:ext uri="{FF2B5EF4-FFF2-40B4-BE49-F238E27FC236}">
+                <a16:creationId xmlns:a16="http://schemas.microsoft.com/office/drawing/2014/main" id="{A7128EF7-7DCE-4093-BDC1-5231CB186704}"/>
               </a:ext>
             </a:extLst>
           </p:cNvPr>
           <p:cNvCxnSpPr>
-            <a:stCxn id="36" idx="3"/>
-            <a:endCxn id="59" idx="1"/>
+            <a:stCxn id="46" idx="3"/>
+            <a:endCxn id="62" idx="1"/>
           </p:cNvCxnSpPr>
           <p:nvPr/>
         </p:nvCxnSpPr>
         <p:spPr>
           <a:xfrm>
-            <a:off x="3619501" y="3206966"/>
-            <a:ext cx="1628172" cy="0"/>
+            <a:off x="5170649" y="2879946"/>
+            <a:ext cx="2440048" cy="0"/>
           </a:xfrm>
           <a:prstGeom prst="straightConnector1">
             <a:avLst/>
@@ -13238,12 +13378,102 @@
           </a:fontRef>
         </p:style>
       </p:cxnSp>
-      <p:sp>
-        <p:nvSpPr>
-          <p:cNvPr id="62" name="직사각형 61">
-            <a:extLst>
-              <a:ext uri="{FF2B5EF4-FFF2-40B4-BE49-F238E27FC236}">
-                <a16:creationId xmlns:a16="http://schemas.microsoft.com/office/drawing/2014/main" id="{C0B80AB0-BFEF-4ADE-AD65-64B735BFE97C}"/>
+      <p:cxnSp>
+        <p:nvCxnSpPr>
+          <p:cNvPr id="97" name="직선 화살표 연결선 96">
+            <a:extLst>
+              <a:ext uri="{FF2B5EF4-FFF2-40B4-BE49-F238E27FC236}">
+                <a16:creationId xmlns:a16="http://schemas.microsoft.com/office/drawing/2014/main" id="{39AF3AE5-7BD6-482E-A0D8-DF9863C331D9}"/>
+              </a:ext>
+            </a:extLst>
+          </p:cNvPr>
+          <p:cNvCxnSpPr>
+            <a:stCxn id="62" idx="3"/>
+            <a:endCxn id="28" idx="1"/>
+          </p:cNvCxnSpPr>
+          <p:nvPr/>
+        </p:nvCxnSpPr>
+        <p:spPr>
+          <a:xfrm flipV="1">
+            <a:off x="8537194" y="2834030"/>
+            <a:ext cx="2170269" cy="45916"/>
+          </a:xfrm>
+          <a:prstGeom prst="straightConnector1">
+            <a:avLst/>
+          </a:prstGeom>
+          <a:ln>
+            <a:solidFill>
+              <a:srgbClr val="00B050"/>
+            </a:solidFill>
+            <a:tailEnd type="triangle"/>
+          </a:ln>
+        </p:spPr>
+        <p:style>
+          <a:lnRef idx="1">
+            <a:schemeClr val="accent1"/>
+          </a:lnRef>
+          <a:fillRef idx="0">
+            <a:schemeClr val="accent1"/>
+          </a:fillRef>
+          <a:effectRef idx="0">
+            <a:schemeClr val="accent1"/>
+          </a:effectRef>
+          <a:fontRef idx="minor">
+            <a:schemeClr val="tx1"/>
+          </a:fontRef>
+        </p:style>
+      </p:cxnSp>
+      <p:cxnSp>
+        <p:nvCxnSpPr>
+          <p:cNvPr id="99" name="직선 화살표 연결선 98">
+            <a:extLst>
+              <a:ext uri="{FF2B5EF4-FFF2-40B4-BE49-F238E27FC236}">
+                <a16:creationId xmlns:a16="http://schemas.microsoft.com/office/drawing/2014/main" id="{69CF6690-5CE7-4CD0-8E5F-DE20F63B97B8}"/>
+              </a:ext>
+            </a:extLst>
+          </p:cNvPr>
+          <p:cNvCxnSpPr>
+            <a:stCxn id="62" idx="3"/>
+            <a:endCxn id="29" idx="1"/>
+          </p:cNvCxnSpPr>
+          <p:nvPr/>
+        </p:nvCxnSpPr>
+        <p:spPr>
+          <a:xfrm>
+            <a:off x="8537194" y="2879946"/>
+            <a:ext cx="2170269" cy="865915"/>
+          </a:xfrm>
+          <a:prstGeom prst="straightConnector1">
+            <a:avLst/>
+          </a:prstGeom>
+          <a:ln>
+            <a:solidFill>
+              <a:srgbClr val="00B050"/>
+            </a:solidFill>
+            <a:tailEnd type="triangle"/>
+          </a:ln>
+        </p:spPr>
+        <p:style>
+          <a:lnRef idx="1">
+            <a:schemeClr val="accent1"/>
+          </a:lnRef>
+          <a:fillRef idx="0">
+            <a:schemeClr val="accent1"/>
+          </a:fillRef>
+          <a:effectRef idx="0">
+            <a:schemeClr val="accent1"/>
+          </a:effectRef>
+          <a:fontRef idx="minor">
+            <a:schemeClr val="tx1"/>
+          </a:fontRef>
+        </p:style>
+      </p:cxnSp>
+      <p:sp>
+        <p:nvSpPr>
+          <p:cNvPr id="69" name="직사각형 68">
+            <a:extLst>
+              <a:ext uri="{FF2B5EF4-FFF2-40B4-BE49-F238E27FC236}">
+                <a16:creationId xmlns:a16="http://schemas.microsoft.com/office/drawing/2014/main" id="{25768EA1-00EC-4434-9BFB-846D0E55724A}"/>
               </a:ext>
             </a:extLst>
           </p:cNvPr>
@@ -13252,8 +13482,8 @@
         </p:nvSpPr>
         <p:spPr>
           <a:xfrm>
-            <a:off x="5247673" y="1240305"/>
-            <a:ext cx="618224" cy="647406"/>
+            <a:off x="10694003" y="4587888"/>
+            <a:ext cx="926497" cy="661861"/>
           </a:xfrm>
           <a:prstGeom prst="rect">
             <a:avLst/>
@@ -13315,7 +13545,7 @@
                   <a:schemeClr val="tx1"/>
                 </a:solidFill>
               </a:rPr>
-              <a:t>상품</a:t>
+              <a:t>회원</a:t>
             </a:r>
             <a:endParaRPr lang="en-US" altLang="ko-KR" sz="800" dirty="0">
               <a:solidFill>
@@ -13331,30 +13561,30 @@
                   <a:schemeClr val="tx1"/>
                 </a:solidFill>
               </a:rPr>
-              <a:t>상세정보</a:t>
+              <a:t>정보수정</a:t>
             </a:r>
           </a:p>
         </p:txBody>
       </p:sp>
       <p:cxnSp>
         <p:nvCxnSpPr>
-          <p:cNvPr id="63" name="직선 화살표 연결선 62">
-            <a:extLst>
-              <a:ext uri="{FF2B5EF4-FFF2-40B4-BE49-F238E27FC236}">
-                <a16:creationId xmlns:a16="http://schemas.microsoft.com/office/drawing/2014/main" id="{A7128EF7-7DCE-4093-BDC1-5231CB186704}"/>
+          <p:cNvPr id="101" name="직선 화살표 연결선 100">
+            <a:extLst>
+              <a:ext uri="{FF2B5EF4-FFF2-40B4-BE49-F238E27FC236}">
+                <a16:creationId xmlns:a16="http://schemas.microsoft.com/office/drawing/2014/main" id="{F23ADAEE-59CB-4BAD-B70C-D61513E3CC6A}"/>
               </a:ext>
             </a:extLst>
           </p:cNvPr>
           <p:cNvCxnSpPr>
-            <a:stCxn id="46" idx="3"/>
-            <a:endCxn id="62" idx="1"/>
+            <a:stCxn id="59" idx="3"/>
+            <a:endCxn id="69" idx="1"/>
           </p:cNvCxnSpPr>
           <p:nvPr/>
         </p:nvCxnSpPr>
         <p:spPr>
           <a:xfrm>
-            <a:off x="3619501" y="1564008"/>
-            <a:ext cx="1628172" cy="0"/>
+            <a:off x="8537194" y="4893419"/>
+            <a:ext cx="2156809" cy="25400"/>
           </a:xfrm>
           <a:prstGeom prst="straightConnector1">
             <a:avLst/>
@@ -13381,102 +13611,12 @@
           </a:fontRef>
         </p:style>
       </p:cxnSp>
-      <p:cxnSp>
-        <p:nvCxnSpPr>
-          <p:cNvPr id="97" name="직선 화살표 연결선 96">
-            <a:extLst>
-              <a:ext uri="{FF2B5EF4-FFF2-40B4-BE49-F238E27FC236}">
-                <a16:creationId xmlns:a16="http://schemas.microsoft.com/office/drawing/2014/main" id="{39AF3AE5-7BD6-482E-A0D8-DF9863C331D9}"/>
-              </a:ext>
-            </a:extLst>
-          </p:cNvPr>
-          <p:cNvCxnSpPr>
-            <a:stCxn id="62" idx="3"/>
-            <a:endCxn id="28" idx="1"/>
-          </p:cNvCxnSpPr>
-          <p:nvPr/>
-        </p:nvCxnSpPr>
-        <p:spPr>
-          <a:xfrm flipV="1">
-            <a:off x="5865897" y="1084695"/>
-            <a:ext cx="1439175" cy="479313"/>
-          </a:xfrm>
-          <a:prstGeom prst="straightConnector1">
-            <a:avLst/>
-          </a:prstGeom>
-          <a:ln>
-            <a:solidFill>
-              <a:srgbClr val="00B050"/>
-            </a:solidFill>
-            <a:tailEnd type="triangle"/>
-          </a:ln>
-        </p:spPr>
-        <p:style>
-          <a:lnRef idx="1">
-            <a:schemeClr val="accent1"/>
-          </a:lnRef>
-          <a:fillRef idx="0">
-            <a:schemeClr val="accent1"/>
-          </a:fillRef>
-          <a:effectRef idx="0">
-            <a:schemeClr val="accent1"/>
-          </a:effectRef>
-          <a:fontRef idx="minor">
-            <a:schemeClr val="tx1"/>
-          </a:fontRef>
-        </p:style>
-      </p:cxnSp>
-      <p:cxnSp>
-        <p:nvCxnSpPr>
-          <p:cNvPr id="99" name="직선 화살표 연결선 98">
-            <a:extLst>
-              <a:ext uri="{FF2B5EF4-FFF2-40B4-BE49-F238E27FC236}">
-                <a16:creationId xmlns:a16="http://schemas.microsoft.com/office/drawing/2014/main" id="{69CF6690-5CE7-4CD0-8E5F-DE20F63B97B8}"/>
-              </a:ext>
-            </a:extLst>
-          </p:cNvPr>
-          <p:cNvCxnSpPr>
-            <a:stCxn id="62" idx="3"/>
-            <a:endCxn id="29" idx="1"/>
-          </p:cNvCxnSpPr>
-          <p:nvPr/>
-        </p:nvCxnSpPr>
-        <p:spPr>
-          <a:xfrm>
-            <a:off x="5865897" y="1564008"/>
-            <a:ext cx="1439175" cy="412603"/>
-          </a:xfrm>
-          <a:prstGeom prst="straightConnector1">
-            <a:avLst/>
-          </a:prstGeom>
-          <a:ln>
-            <a:solidFill>
-              <a:srgbClr val="00B050"/>
-            </a:solidFill>
-            <a:tailEnd type="triangle"/>
-          </a:ln>
-        </p:spPr>
-        <p:style>
-          <a:lnRef idx="1">
-            <a:schemeClr val="accent1"/>
-          </a:lnRef>
-          <a:fillRef idx="0">
-            <a:schemeClr val="accent1"/>
-          </a:fillRef>
-          <a:effectRef idx="0">
-            <a:schemeClr val="accent1"/>
-          </a:effectRef>
-          <a:fontRef idx="minor">
-            <a:schemeClr val="tx1"/>
-          </a:fontRef>
-        </p:style>
-      </p:cxnSp>
-      <p:sp>
-        <p:nvSpPr>
-          <p:cNvPr id="69" name="직사각형 68">
-            <a:extLst>
-              <a:ext uri="{FF2B5EF4-FFF2-40B4-BE49-F238E27FC236}">
-                <a16:creationId xmlns:a16="http://schemas.microsoft.com/office/drawing/2014/main" id="{25768EA1-00EC-4434-9BFB-846D0E55724A}"/>
+      <p:sp>
+        <p:nvSpPr>
+          <p:cNvPr id="73" name="직사각형 72">
+            <a:extLst>
+              <a:ext uri="{FF2B5EF4-FFF2-40B4-BE49-F238E27FC236}">
+                <a16:creationId xmlns:a16="http://schemas.microsoft.com/office/drawing/2014/main" id="{FAF8C9A2-A4DA-4D2B-81B3-F0BCB3008ED3}"/>
               </a:ext>
             </a:extLst>
           </p:cNvPr>
@@ -13485,8 +13625,8 @@
         </p:nvSpPr>
         <p:spPr>
           <a:xfrm>
-            <a:off x="7305072" y="2883263"/>
-            <a:ext cx="618224" cy="647406"/>
+            <a:off x="4244152" y="6073818"/>
+            <a:ext cx="926497" cy="661861"/>
           </a:xfrm>
           <a:prstGeom prst="rect">
             <a:avLst/>
@@ -13548,7 +13688,7 @@
                   <a:schemeClr val="tx1"/>
                 </a:solidFill>
               </a:rPr>
-              <a:t>회원</a:t>
+              <a:t>주문</a:t>
             </a:r>
             <a:endParaRPr lang="en-US" altLang="ko-KR" sz="800" dirty="0">
               <a:solidFill>
@@ -13564,30 +13704,30 @@
                   <a:schemeClr val="tx1"/>
                 </a:solidFill>
               </a:rPr>
-              <a:t>정보수정</a:t>
+              <a:t>리스트</a:t>
             </a:r>
           </a:p>
         </p:txBody>
       </p:sp>
       <p:cxnSp>
         <p:nvCxnSpPr>
-          <p:cNvPr id="101" name="직선 화살표 연결선 100">
-            <a:extLst>
-              <a:ext uri="{FF2B5EF4-FFF2-40B4-BE49-F238E27FC236}">
-                <a16:creationId xmlns:a16="http://schemas.microsoft.com/office/drawing/2014/main" id="{F23ADAEE-59CB-4BAD-B70C-D61513E3CC6A}"/>
+          <p:cNvPr id="103" name="직선 화살표 연결선 102">
+            <a:extLst>
+              <a:ext uri="{FF2B5EF4-FFF2-40B4-BE49-F238E27FC236}">
+                <a16:creationId xmlns:a16="http://schemas.microsoft.com/office/drawing/2014/main" id="{13D2C5F7-E308-4B83-A609-1BDA55D7A157}"/>
               </a:ext>
             </a:extLst>
           </p:cNvPr>
           <p:cNvCxnSpPr>
-            <a:stCxn id="59" idx="3"/>
-            <a:endCxn id="69" idx="1"/>
+            <a:stCxn id="18" idx="3"/>
+            <a:endCxn id="73" idx="1"/>
           </p:cNvCxnSpPr>
           <p:nvPr/>
         </p:nvCxnSpPr>
         <p:spPr>
           <a:xfrm>
-            <a:off x="5865897" y="3206966"/>
-            <a:ext cx="1439175" cy="0"/>
+            <a:off x="2768314" y="6404749"/>
+            <a:ext cx="1475838" cy="0"/>
           </a:xfrm>
           <a:prstGeom prst="straightConnector1">
             <a:avLst/>
@@ -13616,10 +13756,10 @@
       </p:cxnSp>
       <p:sp>
         <p:nvSpPr>
-          <p:cNvPr id="73" name="직사각형 72">
-            <a:extLst>
-              <a:ext uri="{FF2B5EF4-FFF2-40B4-BE49-F238E27FC236}">
-                <a16:creationId xmlns:a16="http://schemas.microsoft.com/office/drawing/2014/main" id="{FAF8C9A2-A4DA-4D2B-81B3-F0BCB3008ED3}"/>
+          <p:cNvPr id="77" name="직사각형 76">
+            <a:extLst>
+              <a:ext uri="{FF2B5EF4-FFF2-40B4-BE49-F238E27FC236}">
+                <a16:creationId xmlns:a16="http://schemas.microsoft.com/office/drawing/2014/main" id="{43F370DE-1F08-4DA2-9622-7E149E87AB9A}"/>
               </a:ext>
             </a:extLst>
           </p:cNvPr>
@@ -13628,8 +13768,8 @@
         </p:nvSpPr>
         <p:spPr>
           <a:xfrm>
-            <a:off x="3001277" y="4361585"/>
-            <a:ext cx="618224" cy="647406"/>
+            <a:off x="7610697" y="6073818"/>
+            <a:ext cx="926497" cy="661861"/>
           </a:xfrm>
           <a:prstGeom prst="rect">
             <a:avLst/>
@@ -13707,62 +13847,17 @@
                   <a:schemeClr val="tx1"/>
                 </a:solidFill>
               </a:rPr>
-              <a:t>리스트</a:t>
-            </a:r>
-          </a:p>
-        </p:txBody>
-      </p:sp>
-      <p:cxnSp>
-        <p:nvCxnSpPr>
-          <p:cNvPr id="103" name="직선 화살표 연결선 102">
-            <a:extLst>
-              <a:ext uri="{FF2B5EF4-FFF2-40B4-BE49-F238E27FC236}">
-                <a16:creationId xmlns:a16="http://schemas.microsoft.com/office/drawing/2014/main" id="{13D2C5F7-E308-4B83-A609-1BDA55D7A157}"/>
-              </a:ext>
-            </a:extLst>
-          </p:cNvPr>
-          <p:cNvCxnSpPr>
-            <a:stCxn id="18" idx="3"/>
-            <a:endCxn id="73" idx="1"/>
-          </p:cNvCxnSpPr>
-          <p:nvPr/>
-        </p:nvCxnSpPr>
-        <p:spPr>
-          <a:xfrm>
-            <a:off x="2016494" y="4685288"/>
-            <a:ext cx="984783" cy="0"/>
-          </a:xfrm>
-          <a:prstGeom prst="straightConnector1">
-            <a:avLst/>
-          </a:prstGeom>
-          <a:ln>
-            <a:solidFill>
-              <a:srgbClr val="00B050"/>
-            </a:solidFill>
-            <a:tailEnd type="triangle"/>
-          </a:ln>
-        </p:spPr>
-        <p:style>
-          <a:lnRef idx="1">
-            <a:schemeClr val="accent1"/>
-          </a:lnRef>
-          <a:fillRef idx="0">
-            <a:schemeClr val="accent1"/>
-          </a:fillRef>
-          <a:effectRef idx="0">
-            <a:schemeClr val="accent1"/>
-          </a:effectRef>
-          <a:fontRef idx="minor">
-            <a:schemeClr val="tx1"/>
-          </a:fontRef>
-        </p:style>
-      </p:cxnSp>
-      <p:sp>
-        <p:nvSpPr>
-          <p:cNvPr id="77" name="직사각형 76">
-            <a:extLst>
-              <a:ext uri="{FF2B5EF4-FFF2-40B4-BE49-F238E27FC236}">
-                <a16:creationId xmlns:a16="http://schemas.microsoft.com/office/drawing/2014/main" id="{43F370DE-1F08-4DA2-9622-7E149E87AB9A}"/>
+              <a:t>상세정보</a:t>
+            </a:r>
+          </a:p>
+        </p:txBody>
+      </p:sp>
+      <p:sp>
+        <p:nvSpPr>
+          <p:cNvPr id="78" name="직사각형 77">
+            <a:extLst>
+              <a:ext uri="{FF2B5EF4-FFF2-40B4-BE49-F238E27FC236}">
+                <a16:creationId xmlns:a16="http://schemas.microsoft.com/office/drawing/2014/main" id="{1FC81B74-A64C-4573-8D47-4906209E36C7}"/>
               </a:ext>
             </a:extLst>
           </p:cNvPr>
@@ -13771,8 +13866,8 @@
         </p:nvSpPr>
         <p:spPr>
           <a:xfrm>
-            <a:off x="5247673" y="4361585"/>
-            <a:ext cx="618224" cy="647406"/>
+            <a:off x="10694003" y="6099218"/>
+            <a:ext cx="926497" cy="661861"/>
           </a:xfrm>
           <a:prstGeom prst="rect">
             <a:avLst/>
@@ -13850,17 +13945,107 @@
                   <a:schemeClr val="tx1"/>
                 </a:solidFill>
               </a:rPr>
-              <a:t>상세정보</a:t>
-            </a:r>
-          </a:p>
-        </p:txBody>
-      </p:sp>
-      <p:sp>
-        <p:nvSpPr>
-          <p:cNvPr id="78" name="직사각형 77">
-            <a:extLst>
-              <a:ext uri="{FF2B5EF4-FFF2-40B4-BE49-F238E27FC236}">
-                <a16:creationId xmlns:a16="http://schemas.microsoft.com/office/drawing/2014/main" id="{1FC81B74-A64C-4573-8D47-4906209E36C7}"/>
+              <a:t>상태변경</a:t>
+            </a:r>
+          </a:p>
+        </p:txBody>
+      </p:sp>
+      <p:cxnSp>
+        <p:nvCxnSpPr>
+          <p:cNvPr id="106" name="직선 화살표 연결선 105">
+            <a:extLst>
+              <a:ext uri="{FF2B5EF4-FFF2-40B4-BE49-F238E27FC236}">
+                <a16:creationId xmlns:a16="http://schemas.microsoft.com/office/drawing/2014/main" id="{5C66CE98-42BA-47E7-9D71-0D3B88D4B945}"/>
+              </a:ext>
+            </a:extLst>
+          </p:cNvPr>
+          <p:cNvCxnSpPr>
+            <a:stCxn id="73" idx="3"/>
+            <a:endCxn id="77" idx="1"/>
+          </p:cNvCxnSpPr>
+          <p:nvPr/>
+        </p:nvCxnSpPr>
+        <p:spPr>
+          <a:xfrm>
+            <a:off x="5170649" y="6404749"/>
+            <a:ext cx="2440048" cy="0"/>
+          </a:xfrm>
+          <a:prstGeom prst="straightConnector1">
+            <a:avLst/>
+          </a:prstGeom>
+          <a:ln>
+            <a:solidFill>
+              <a:srgbClr val="00B050"/>
+            </a:solidFill>
+            <a:tailEnd type="triangle"/>
+          </a:ln>
+        </p:spPr>
+        <p:style>
+          <a:lnRef idx="1">
+            <a:schemeClr val="accent1"/>
+          </a:lnRef>
+          <a:fillRef idx="0">
+            <a:schemeClr val="accent1"/>
+          </a:fillRef>
+          <a:effectRef idx="0">
+            <a:schemeClr val="accent1"/>
+          </a:effectRef>
+          <a:fontRef idx="minor">
+            <a:schemeClr val="tx1"/>
+          </a:fontRef>
+        </p:style>
+      </p:cxnSp>
+      <p:cxnSp>
+        <p:nvCxnSpPr>
+          <p:cNvPr id="108" name="직선 화살표 연결선 107">
+            <a:extLst>
+              <a:ext uri="{FF2B5EF4-FFF2-40B4-BE49-F238E27FC236}">
+                <a16:creationId xmlns:a16="http://schemas.microsoft.com/office/drawing/2014/main" id="{98A85BE0-0AC5-4071-ABDF-37EEF0636E42}"/>
+              </a:ext>
+            </a:extLst>
+          </p:cNvPr>
+          <p:cNvCxnSpPr>
+            <a:stCxn id="77" idx="3"/>
+            <a:endCxn id="78" idx="1"/>
+          </p:cNvCxnSpPr>
+          <p:nvPr/>
+        </p:nvCxnSpPr>
+        <p:spPr>
+          <a:xfrm>
+            <a:off x="8537194" y="6404749"/>
+            <a:ext cx="2156809" cy="25400"/>
+          </a:xfrm>
+          <a:prstGeom prst="straightConnector1">
+            <a:avLst/>
+          </a:prstGeom>
+          <a:ln>
+            <a:solidFill>
+              <a:srgbClr val="00B050"/>
+            </a:solidFill>
+            <a:tailEnd type="triangle"/>
+          </a:ln>
+        </p:spPr>
+        <p:style>
+          <a:lnRef idx="1">
+            <a:schemeClr val="accent1"/>
+          </a:lnRef>
+          <a:fillRef idx="0">
+            <a:schemeClr val="accent1"/>
+          </a:fillRef>
+          <a:effectRef idx="0">
+            <a:schemeClr val="accent1"/>
+          </a:effectRef>
+          <a:fontRef idx="minor">
+            <a:schemeClr val="tx1"/>
+          </a:fontRef>
+        </p:style>
+      </p:cxnSp>
+      <p:sp>
+        <p:nvSpPr>
+          <p:cNvPr id="86" name="직사각형 85">
+            <a:extLst>
+              <a:ext uri="{FF2B5EF4-FFF2-40B4-BE49-F238E27FC236}">
+                <a16:creationId xmlns:a16="http://schemas.microsoft.com/office/drawing/2014/main" id="{5A3085F8-92E6-490A-A256-49C26AF6C46E}"/>
               </a:ext>
             </a:extLst>
           </p:cNvPr>
@@ -13869,8 +14054,8 @@
         </p:nvSpPr>
         <p:spPr>
           <a:xfrm>
-            <a:off x="7305072" y="4361585"/>
-            <a:ext cx="618224" cy="647406"/>
+            <a:off x="10707463" y="1414075"/>
+            <a:ext cx="926497" cy="661861"/>
           </a:xfrm>
           <a:prstGeom prst="rect">
             <a:avLst/>
@@ -13932,7 +14117,7 @@
                   <a:schemeClr val="tx1"/>
                 </a:solidFill>
               </a:rPr>
-              <a:t>주문</a:t>
+              <a:t>상품</a:t>
             </a:r>
             <a:endParaRPr lang="en-US" altLang="ko-KR" sz="800" dirty="0">
               <a:solidFill>
@@ -13948,107 +14133,17 @@
                   <a:schemeClr val="tx1"/>
                 </a:solidFill>
               </a:rPr>
-              <a:t>상태변경</a:t>
-            </a:r>
-          </a:p>
-        </p:txBody>
-      </p:sp>
-      <p:cxnSp>
-        <p:nvCxnSpPr>
-          <p:cNvPr id="106" name="직선 화살표 연결선 105">
-            <a:extLst>
-              <a:ext uri="{FF2B5EF4-FFF2-40B4-BE49-F238E27FC236}">
-                <a16:creationId xmlns:a16="http://schemas.microsoft.com/office/drawing/2014/main" id="{5C66CE98-42BA-47E7-9D71-0D3B88D4B945}"/>
-              </a:ext>
-            </a:extLst>
-          </p:cNvPr>
-          <p:cNvCxnSpPr>
-            <a:stCxn id="73" idx="3"/>
-            <a:endCxn id="77" idx="1"/>
-          </p:cNvCxnSpPr>
-          <p:nvPr/>
-        </p:nvCxnSpPr>
-        <p:spPr>
-          <a:xfrm>
-            <a:off x="3619501" y="4685288"/>
-            <a:ext cx="1628172" cy="0"/>
-          </a:xfrm>
-          <a:prstGeom prst="straightConnector1">
-            <a:avLst/>
-          </a:prstGeom>
-          <a:ln>
-            <a:solidFill>
-              <a:srgbClr val="00B050"/>
-            </a:solidFill>
-            <a:tailEnd type="triangle"/>
-          </a:ln>
-        </p:spPr>
-        <p:style>
-          <a:lnRef idx="1">
-            <a:schemeClr val="accent1"/>
-          </a:lnRef>
-          <a:fillRef idx="0">
-            <a:schemeClr val="accent1"/>
-          </a:fillRef>
-          <a:effectRef idx="0">
-            <a:schemeClr val="accent1"/>
-          </a:effectRef>
-          <a:fontRef idx="minor">
-            <a:schemeClr val="tx1"/>
-          </a:fontRef>
-        </p:style>
-      </p:cxnSp>
-      <p:cxnSp>
-        <p:nvCxnSpPr>
-          <p:cNvPr id="108" name="직선 화살표 연결선 107">
-            <a:extLst>
-              <a:ext uri="{FF2B5EF4-FFF2-40B4-BE49-F238E27FC236}">
-                <a16:creationId xmlns:a16="http://schemas.microsoft.com/office/drawing/2014/main" id="{98A85BE0-0AC5-4071-ABDF-37EEF0636E42}"/>
-              </a:ext>
-            </a:extLst>
-          </p:cNvPr>
-          <p:cNvCxnSpPr>
-            <a:stCxn id="77" idx="3"/>
-            <a:endCxn id="78" idx="1"/>
-          </p:cNvCxnSpPr>
-          <p:nvPr/>
-        </p:nvCxnSpPr>
-        <p:spPr>
-          <a:xfrm>
-            <a:off x="5865897" y="4685288"/>
-            <a:ext cx="1439175" cy="0"/>
-          </a:xfrm>
-          <a:prstGeom prst="straightConnector1">
-            <a:avLst/>
-          </a:prstGeom>
-          <a:ln>
-            <a:solidFill>
-              <a:srgbClr val="00B050"/>
-            </a:solidFill>
-            <a:tailEnd type="triangle"/>
-          </a:ln>
-        </p:spPr>
-        <p:style>
-          <a:lnRef idx="1">
-            <a:schemeClr val="accent1"/>
-          </a:lnRef>
-          <a:fillRef idx="0">
-            <a:schemeClr val="accent1"/>
-          </a:fillRef>
-          <a:effectRef idx="0">
-            <a:schemeClr val="accent1"/>
-          </a:effectRef>
-          <a:fontRef idx="minor">
-            <a:schemeClr val="tx1"/>
-          </a:fontRef>
-        </p:style>
-      </p:cxnSp>
-      <p:sp>
-        <p:nvSpPr>
-          <p:cNvPr id="83" name="직사각형 82">
-            <a:extLst>
-              <a:ext uri="{FF2B5EF4-FFF2-40B4-BE49-F238E27FC236}">
-                <a16:creationId xmlns:a16="http://schemas.microsoft.com/office/drawing/2014/main" id="{AF50809C-2834-41F4-BD9A-2AAAC97D476C}"/>
+              <a:t>재고변경</a:t>
+            </a:r>
+          </a:p>
+        </p:txBody>
+      </p:sp>
+      <p:sp>
+        <p:nvSpPr>
+          <p:cNvPr id="87" name="직사각형 86">
+            <a:extLst>
+              <a:ext uri="{FF2B5EF4-FFF2-40B4-BE49-F238E27FC236}">
+                <a16:creationId xmlns:a16="http://schemas.microsoft.com/office/drawing/2014/main" id="{87800991-DD77-4A85-829B-0371132A2E38}"/>
               </a:ext>
             </a:extLst>
           </p:cNvPr>
@@ -14057,8 +14152,8 @@
         </p:nvSpPr>
         <p:spPr>
           <a:xfrm>
-            <a:off x="2985771" y="5835299"/>
-            <a:ext cx="618224" cy="647406"/>
+            <a:off x="5480929" y="1874660"/>
+            <a:ext cx="926497" cy="661861"/>
           </a:xfrm>
           <a:prstGeom prst="rect">
             <a:avLst/>
@@ -14115,7 +14210,7 @@
           <a:p>
             <a:pPr algn="ctr"/>
             <a:r>
-              <a:rPr lang="ko-KR" altLang="en-US" sz="800">
+              <a:rPr lang="ko-KR" altLang="en-US" sz="800" dirty="0">
                 <a:solidFill>
                   <a:schemeClr val="tx1"/>
                 </a:solidFill>
@@ -14136,32 +14231,32 @@
                   <a:schemeClr val="tx1"/>
                 </a:solidFill>
               </a:rPr>
-              <a:t>리스트</a:t>
+              <a:t>검색</a:t>
             </a:r>
           </a:p>
         </p:txBody>
       </p:sp>
       <p:cxnSp>
         <p:nvCxnSpPr>
-          <p:cNvPr id="110" name="직선 화살표 연결선 109">
-            <a:extLst>
-              <a:ext uri="{FF2B5EF4-FFF2-40B4-BE49-F238E27FC236}">
-                <a16:creationId xmlns:a16="http://schemas.microsoft.com/office/drawing/2014/main" id="{D5E57772-F400-4A6D-A8B6-B1F73A919E2E}"/>
+          <p:cNvPr id="113" name="연결선: 꺾임 112">
+            <a:extLst>
+              <a:ext uri="{FF2B5EF4-FFF2-40B4-BE49-F238E27FC236}">
+                <a16:creationId xmlns:a16="http://schemas.microsoft.com/office/drawing/2014/main" id="{2E2AFBA6-3EFA-493A-B462-86A460891E85}"/>
               </a:ext>
             </a:extLst>
           </p:cNvPr>
           <p:cNvCxnSpPr>
-            <a:stCxn id="19" idx="3"/>
-            <a:endCxn id="83" idx="1"/>
+            <a:stCxn id="46" idx="0"/>
+            <a:endCxn id="87" idx="1"/>
           </p:cNvCxnSpPr>
           <p:nvPr/>
         </p:nvCxnSpPr>
         <p:spPr>
-          <a:xfrm>
-            <a:off x="2016494" y="6158072"/>
-            <a:ext cx="969277" cy="930"/>
-          </a:xfrm>
-          <a:prstGeom prst="straightConnector1">
+          <a:xfrm rot="5400000" flipH="1" flipV="1">
+            <a:off x="4922452" y="1990539"/>
+            <a:ext cx="343425" cy="773529"/>
+          </a:xfrm>
+          <a:prstGeom prst="bentConnector2">
             <a:avLst/>
           </a:prstGeom>
           <a:ln>
@@ -14186,12 +14281,59 @@
           </a:fontRef>
         </p:style>
       </p:cxnSp>
-      <p:sp>
-        <p:nvSpPr>
-          <p:cNvPr id="86" name="직사각형 85">
-            <a:extLst>
-              <a:ext uri="{FF2B5EF4-FFF2-40B4-BE49-F238E27FC236}">
-                <a16:creationId xmlns:a16="http://schemas.microsoft.com/office/drawing/2014/main" id="{5A3085F8-92E6-490A-A256-49C26AF6C46E}"/>
+      <p:cxnSp>
+        <p:nvCxnSpPr>
+          <p:cNvPr id="115" name="연결선: 꺾임 114">
+            <a:extLst>
+              <a:ext uri="{FF2B5EF4-FFF2-40B4-BE49-F238E27FC236}">
+                <a16:creationId xmlns:a16="http://schemas.microsoft.com/office/drawing/2014/main" id="{A2EC39C3-DDFC-470B-AF77-3FBF0C78A5B2}"/>
+              </a:ext>
+            </a:extLst>
+          </p:cNvPr>
+          <p:cNvCxnSpPr>
+            <a:stCxn id="87" idx="2"/>
+            <a:endCxn id="46" idx="2"/>
+          </p:cNvCxnSpPr>
+          <p:nvPr/>
+        </p:nvCxnSpPr>
+        <p:spPr>
+          <a:xfrm rot="5400000">
+            <a:off x="4988613" y="2255310"/>
+            <a:ext cx="674355" cy="1236777"/>
+          </a:xfrm>
+          <a:prstGeom prst="bentConnector3">
+            <a:avLst>
+              <a:gd name="adj1" fmla="val 134656"/>
+            </a:avLst>
+          </a:prstGeom>
+          <a:ln>
+            <a:solidFill>
+              <a:srgbClr val="00B050"/>
+            </a:solidFill>
+            <a:tailEnd type="triangle"/>
+          </a:ln>
+        </p:spPr>
+        <p:style>
+          <a:lnRef idx="1">
+            <a:schemeClr val="accent1"/>
+          </a:lnRef>
+          <a:fillRef idx="0">
+            <a:schemeClr val="accent1"/>
+          </a:fillRef>
+          <a:effectRef idx="0">
+            <a:schemeClr val="accent1"/>
+          </a:effectRef>
+          <a:fontRef idx="minor">
+            <a:schemeClr val="tx1"/>
+          </a:fontRef>
+        </p:style>
+      </p:cxnSp>
+      <p:sp>
+        <p:nvSpPr>
+          <p:cNvPr id="92" name="직사각형 91">
+            <a:extLst>
+              <a:ext uri="{FF2B5EF4-FFF2-40B4-BE49-F238E27FC236}">
+                <a16:creationId xmlns:a16="http://schemas.microsoft.com/office/drawing/2014/main" id="{C5B14203-1536-45DC-9A01-2234BB986B99}"/>
               </a:ext>
             </a:extLst>
           </p:cNvPr>
@@ -14200,8 +14342,8 @@
         </p:nvSpPr>
         <p:spPr>
           <a:xfrm>
-            <a:off x="5247673" y="5834369"/>
-            <a:ext cx="618224" cy="647406"/>
+            <a:off x="5480929" y="3907828"/>
+            <a:ext cx="926497" cy="661861"/>
           </a:xfrm>
           <a:prstGeom prst="rect">
             <a:avLst/>
@@ -14263,7 +14405,7 @@
                   <a:schemeClr val="tx1"/>
                 </a:solidFill>
               </a:rPr>
-              <a:t>상품</a:t>
+              <a:t>고객</a:t>
             </a:r>
             <a:endParaRPr lang="en-US" altLang="ko-KR" sz="800" dirty="0">
               <a:solidFill>
@@ -14279,17 +14421,109 @@
                   <a:schemeClr val="tx1"/>
                 </a:solidFill>
               </a:rPr>
-              <a:t>재고변경</a:t>
-            </a:r>
-          </a:p>
-        </p:txBody>
-      </p:sp>
-      <p:sp>
-        <p:nvSpPr>
-          <p:cNvPr id="87" name="직사각형 86">
-            <a:extLst>
-              <a:ext uri="{FF2B5EF4-FFF2-40B4-BE49-F238E27FC236}">
-                <a16:creationId xmlns:a16="http://schemas.microsoft.com/office/drawing/2014/main" id="{87800991-DD77-4A85-829B-0371132A2E38}"/>
+              <a:t>검색</a:t>
+            </a:r>
+          </a:p>
+        </p:txBody>
+      </p:sp>
+      <p:cxnSp>
+        <p:nvCxnSpPr>
+          <p:cNvPr id="117" name="연결선: 꺾임 116">
+            <a:extLst>
+              <a:ext uri="{FF2B5EF4-FFF2-40B4-BE49-F238E27FC236}">
+                <a16:creationId xmlns:a16="http://schemas.microsoft.com/office/drawing/2014/main" id="{8B76C225-55E8-4599-82B8-4DEA3B818067}"/>
+              </a:ext>
+            </a:extLst>
+          </p:cNvPr>
+          <p:cNvCxnSpPr>
+            <a:stCxn id="36" idx="0"/>
+            <a:endCxn id="92" idx="1"/>
+          </p:cNvCxnSpPr>
+          <p:nvPr/>
+        </p:nvCxnSpPr>
+        <p:spPr>
+          <a:xfrm rot="5400000" flipH="1" flipV="1">
+            <a:off x="4932300" y="4013860"/>
+            <a:ext cx="323729" cy="773529"/>
+          </a:xfrm>
+          <a:prstGeom prst="bentConnector2">
+            <a:avLst/>
+          </a:prstGeom>
+          <a:ln>
+            <a:solidFill>
+              <a:srgbClr val="00B050"/>
+            </a:solidFill>
+            <a:tailEnd type="triangle"/>
+          </a:ln>
+        </p:spPr>
+        <p:style>
+          <a:lnRef idx="1">
+            <a:schemeClr val="accent1"/>
+          </a:lnRef>
+          <a:fillRef idx="0">
+            <a:schemeClr val="accent1"/>
+          </a:fillRef>
+          <a:effectRef idx="0">
+            <a:schemeClr val="accent1"/>
+          </a:effectRef>
+          <a:fontRef idx="minor">
+            <a:schemeClr val="tx1"/>
+          </a:fontRef>
+        </p:style>
+      </p:cxnSp>
+      <p:cxnSp>
+        <p:nvCxnSpPr>
+          <p:cNvPr id="119" name="연결선: 꺾임 118">
+            <a:extLst>
+              <a:ext uri="{FF2B5EF4-FFF2-40B4-BE49-F238E27FC236}">
+                <a16:creationId xmlns:a16="http://schemas.microsoft.com/office/drawing/2014/main" id="{1FCCD9C6-B3B4-4A49-9D32-8C7A7C5D5C43}"/>
+              </a:ext>
+            </a:extLst>
+          </p:cNvPr>
+          <p:cNvCxnSpPr>
+            <a:stCxn id="92" idx="2"/>
+            <a:endCxn id="36" idx="2"/>
+          </p:cNvCxnSpPr>
+          <p:nvPr/>
+        </p:nvCxnSpPr>
+        <p:spPr>
+          <a:xfrm rot="5400000">
+            <a:off x="4998460" y="4278631"/>
+            <a:ext cx="654660" cy="1236777"/>
+          </a:xfrm>
+          <a:prstGeom prst="bentConnector3">
+            <a:avLst>
+              <a:gd name="adj1" fmla="val 135699"/>
+            </a:avLst>
+          </a:prstGeom>
+          <a:ln>
+            <a:solidFill>
+              <a:srgbClr val="00B050"/>
+            </a:solidFill>
+            <a:tailEnd type="triangle"/>
+          </a:ln>
+        </p:spPr>
+        <p:style>
+          <a:lnRef idx="1">
+            <a:schemeClr val="accent1"/>
+          </a:lnRef>
+          <a:fillRef idx="0">
+            <a:schemeClr val="accent1"/>
+          </a:fillRef>
+          <a:effectRef idx="0">
+            <a:schemeClr val="accent1"/>
+          </a:effectRef>
+          <a:fontRef idx="minor">
+            <a:schemeClr val="tx1"/>
+          </a:fontRef>
+        </p:style>
+      </p:cxnSp>
+      <p:sp>
+        <p:nvSpPr>
+          <p:cNvPr id="120" name="직사각형 119">
+            <a:extLst>
+              <a:ext uri="{FF2B5EF4-FFF2-40B4-BE49-F238E27FC236}">
+                <a16:creationId xmlns:a16="http://schemas.microsoft.com/office/drawing/2014/main" id="{6C00B847-5BD7-4F47-B272-9C207FB0F48B}"/>
               </a:ext>
             </a:extLst>
           </p:cNvPr>
@@ -14298,8 +14532,8 @@
         </p:nvSpPr>
         <p:spPr>
           <a:xfrm>
-            <a:off x="3826542" y="580678"/>
-            <a:ext cx="618224" cy="647406"/>
+            <a:off x="5431543" y="5577423"/>
+            <a:ext cx="926497" cy="661861"/>
           </a:xfrm>
           <a:prstGeom prst="rect">
             <a:avLst/>
@@ -14361,7 +14595,7 @@
                   <a:schemeClr val="tx1"/>
                 </a:solidFill>
               </a:rPr>
-              <a:t>상품</a:t>
+              <a:t>주문</a:t>
             </a:r>
             <a:endParaRPr lang="en-US" altLang="ko-KR" sz="800" dirty="0">
               <a:solidFill>
@@ -14384,23 +14618,23 @@
       </p:sp>
       <p:cxnSp>
         <p:nvCxnSpPr>
-          <p:cNvPr id="113" name="연결선: 꺾임 112">
-            <a:extLst>
-              <a:ext uri="{FF2B5EF4-FFF2-40B4-BE49-F238E27FC236}">
-                <a16:creationId xmlns:a16="http://schemas.microsoft.com/office/drawing/2014/main" id="{2E2AFBA6-3EFA-493A-B462-86A460891E85}"/>
+          <p:cNvPr id="122" name="연결선: 꺾임 121">
+            <a:extLst>
+              <a:ext uri="{FF2B5EF4-FFF2-40B4-BE49-F238E27FC236}">
+                <a16:creationId xmlns:a16="http://schemas.microsoft.com/office/drawing/2014/main" id="{2105F17A-1AF9-4288-AF6A-D7ADFC01653C}"/>
               </a:ext>
             </a:extLst>
           </p:cNvPr>
           <p:cNvCxnSpPr>
-            <a:stCxn id="46" idx="0"/>
-            <a:endCxn id="87" idx="1"/>
+            <a:stCxn id="73" idx="0"/>
+            <a:endCxn id="120" idx="1"/>
           </p:cNvCxnSpPr>
           <p:nvPr/>
         </p:nvCxnSpPr>
         <p:spPr>
           <a:xfrm rot="5400000" flipH="1" flipV="1">
-            <a:off x="3400503" y="814267"/>
-            <a:ext cx="335924" cy="516153"/>
+            <a:off x="4986739" y="5629015"/>
+            <a:ext cx="165465" cy="724143"/>
           </a:xfrm>
           <a:prstGeom prst="bentConnector2">
             <a:avLst/>
@@ -14429,27 +14663,27 @@
       </p:cxnSp>
       <p:cxnSp>
         <p:nvCxnSpPr>
-          <p:cNvPr id="115" name="연결선: 꺾임 114">
-            <a:extLst>
-              <a:ext uri="{FF2B5EF4-FFF2-40B4-BE49-F238E27FC236}">
-                <a16:creationId xmlns:a16="http://schemas.microsoft.com/office/drawing/2014/main" id="{A2EC39C3-DDFC-470B-AF77-3FBF0C78A5B2}"/>
+          <p:cNvPr id="124" name="연결선: 꺾임 123">
+            <a:extLst>
+              <a:ext uri="{FF2B5EF4-FFF2-40B4-BE49-F238E27FC236}">
+                <a16:creationId xmlns:a16="http://schemas.microsoft.com/office/drawing/2014/main" id="{2BC15EF1-75EB-4336-9EF8-E08A045ACCD2}"/>
               </a:ext>
             </a:extLst>
           </p:cNvPr>
           <p:cNvCxnSpPr>
-            <a:stCxn id="87" idx="2"/>
-            <a:endCxn id="46" idx="2"/>
+            <a:stCxn id="120" idx="2"/>
+            <a:endCxn id="73" idx="2"/>
           </p:cNvCxnSpPr>
           <p:nvPr/>
         </p:nvCxnSpPr>
         <p:spPr>
           <a:xfrm rot="5400000">
-            <a:off x="3393209" y="1145265"/>
-            <a:ext cx="659627" cy="825265"/>
+            <a:off x="5052899" y="5893787"/>
+            <a:ext cx="496396" cy="1187391"/>
           </a:xfrm>
           <a:prstGeom prst="bentConnector3">
             <a:avLst>
-              <a:gd name="adj1" fmla="val 134656"/>
+              <a:gd name="adj1" fmla="val 147080"/>
             </a:avLst>
           </a:prstGeom>
           <a:ln>
@@ -14474,12 +14708,58 @@
           </a:fontRef>
         </p:style>
       </p:cxnSp>
-      <p:sp>
-        <p:nvSpPr>
-          <p:cNvPr id="92" name="직사각형 91">
-            <a:extLst>
-              <a:ext uri="{FF2B5EF4-FFF2-40B4-BE49-F238E27FC236}">
-                <a16:creationId xmlns:a16="http://schemas.microsoft.com/office/drawing/2014/main" id="{C5B14203-1536-45DC-9A01-2234BB986B99}"/>
+      <p:cxnSp>
+        <p:nvCxnSpPr>
+          <p:cNvPr id="70" name="직선 화살표 연결선 69">
+            <a:extLst>
+              <a:ext uri="{FF2B5EF4-FFF2-40B4-BE49-F238E27FC236}">
+                <a16:creationId xmlns:a16="http://schemas.microsoft.com/office/drawing/2014/main" id="{462A402B-1B1F-4A9C-909F-E483A50063CE}"/>
+              </a:ext>
+            </a:extLst>
+          </p:cNvPr>
+          <p:cNvCxnSpPr>
+            <a:cxnSpLocks/>
+            <a:stCxn id="62" idx="3"/>
+            <a:endCxn id="86" idx="1"/>
+          </p:cNvCxnSpPr>
+          <p:nvPr/>
+        </p:nvCxnSpPr>
+        <p:spPr>
+          <a:xfrm flipV="1">
+            <a:off x="8537194" y="1745006"/>
+            <a:ext cx="2170269" cy="1134940"/>
+          </a:xfrm>
+          <a:prstGeom prst="straightConnector1">
+            <a:avLst/>
+          </a:prstGeom>
+          <a:ln>
+            <a:solidFill>
+              <a:srgbClr val="00B050"/>
+            </a:solidFill>
+            <a:tailEnd type="triangle"/>
+          </a:ln>
+        </p:spPr>
+        <p:style>
+          <a:lnRef idx="1">
+            <a:schemeClr val="accent1"/>
+          </a:lnRef>
+          <a:fillRef idx="0">
+            <a:schemeClr val="accent1"/>
+          </a:fillRef>
+          <a:effectRef idx="0">
+            <a:schemeClr val="accent1"/>
+          </a:effectRef>
+          <a:fontRef idx="minor">
+            <a:schemeClr val="tx1"/>
+          </a:fontRef>
+        </p:style>
+      </p:cxnSp>
+      <p:sp>
+        <p:nvSpPr>
+          <p:cNvPr id="51" name="직사각형 50">
+            <a:extLst>
+              <a:ext uri="{FF2B5EF4-FFF2-40B4-BE49-F238E27FC236}">
+                <a16:creationId xmlns:a16="http://schemas.microsoft.com/office/drawing/2014/main" id="{B57BF018-22E3-4061-9F5E-E197B51404EB}"/>
               </a:ext>
             </a:extLst>
           </p:cNvPr>
@@ -14488,8 +14768,8 @@
         </p:nvSpPr>
         <p:spPr>
           <a:xfrm>
-            <a:off x="3826542" y="2242901"/>
-            <a:ext cx="618224" cy="647406"/>
+            <a:off x="4244152" y="-106699"/>
+            <a:ext cx="926497" cy="661861"/>
           </a:xfrm>
           <a:prstGeom prst="rect">
             <a:avLst/>
@@ -14551,7 +14831,7 @@
                   <a:schemeClr val="tx1"/>
                 </a:solidFill>
               </a:rPr>
-              <a:t>고객</a:t>
+              <a:t>카테고리 관리</a:t>
             </a:r>
             <a:endParaRPr lang="en-US" altLang="ko-KR" sz="800" dirty="0">
               <a:solidFill>
@@ -14559,40 +14839,29 @@
               </a:solidFill>
             </a:endParaRPr>
           </a:p>
-          <a:p>
-            <a:pPr algn="ctr"/>
-            <a:r>
-              <a:rPr lang="ko-KR" altLang="en-US" sz="800" dirty="0">
-                <a:solidFill>
-                  <a:schemeClr val="tx1"/>
-                </a:solidFill>
-              </a:rPr>
-              <a:t>검색</a:t>
-            </a:r>
-          </a:p>
         </p:txBody>
       </p:sp>
       <p:cxnSp>
         <p:nvCxnSpPr>
-          <p:cNvPr id="117" name="연결선: 꺾임 116">
-            <a:extLst>
-              <a:ext uri="{FF2B5EF4-FFF2-40B4-BE49-F238E27FC236}">
-                <a16:creationId xmlns:a16="http://schemas.microsoft.com/office/drawing/2014/main" id="{8B76C225-55E8-4599-82B8-4DEA3B818067}"/>
+          <p:cNvPr id="4" name="직선 화살표 연결선 3">
+            <a:extLst>
+              <a:ext uri="{FF2B5EF4-FFF2-40B4-BE49-F238E27FC236}">
+                <a16:creationId xmlns:a16="http://schemas.microsoft.com/office/drawing/2014/main" id="{EACDA705-7EEE-46F7-8F8E-2242978BF626}"/>
               </a:ext>
             </a:extLst>
           </p:cNvPr>
           <p:cNvCxnSpPr>
-            <a:stCxn id="36" idx="0"/>
-            <a:endCxn id="92" idx="1"/>
+            <a:stCxn id="42" idx="3"/>
+            <a:endCxn id="51" idx="1"/>
           </p:cNvCxnSpPr>
           <p:nvPr/>
         </p:nvCxnSpPr>
         <p:spPr>
-          <a:xfrm rot="5400000" flipH="1" flipV="1">
-            <a:off x="3410136" y="2466858"/>
-            <a:ext cx="316659" cy="516153"/>
-          </a:xfrm>
-          <a:prstGeom prst="bentConnector2">
+          <a:xfrm flipV="1">
+            <a:off x="2768314" y="224232"/>
+            <a:ext cx="1475838" cy="2060600"/>
+          </a:xfrm>
+          <a:prstGeom prst="straightConnector1">
             <a:avLst/>
           </a:prstGeom>
           <a:ln>
@@ -14617,59 +14886,12 @@
           </a:fontRef>
         </p:style>
       </p:cxnSp>
-      <p:cxnSp>
-        <p:nvCxnSpPr>
-          <p:cNvPr id="119" name="연결선: 꺾임 118">
-            <a:extLst>
-              <a:ext uri="{FF2B5EF4-FFF2-40B4-BE49-F238E27FC236}">
-                <a16:creationId xmlns:a16="http://schemas.microsoft.com/office/drawing/2014/main" id="{1FCCD9C6-B3B4-4A49-9D32-8C7A7C5D5C43}"/>
-              </a:ext>
-            </a:extLst>
-          </p:cNvPr>
-          <p:cNvCxnSpPr>
-            <a:stCxn id="92" idx="2"/>
-            <a:endCxn id="36" idx="2"/>
-          </p:cNvCxnSpPr>
-          <p:nvPr/>
-        </p:nvCxnSpPr>
-        <p:spPr>
-          <a:xfrm rot="5400000">
-            <a:off x="3402841" y="2797856"/>
-            <a:ext cx="640362" cy="825265"/>
-          </a:xfrm>
-          <a:prstGeom prst="bentConnector3">
-            <a:avLst>
-              <a:gd name="adj1" fmla="val 135699"/>
-            </a:avLst>
-          </a:prstGeom>
-          <a:ln>
-            <a:solidFill>
-              <a:srgbClr val="00B050"/>
-            </a:solidFill>
-            <a:tailEnd type="triangle"/>
-          </a:ln>
-        </p:spPr>
-        <p:style>
-          <a:lnRef idx="1">
-            <a:schemeClr val="accent1"/>
-          </a:lnRef>
-          <a:fillRef idx="0">
-            <a:schemeClr val="accent1"/>
-          </a:fillRef>
-          <a:effectRef idx="0">
-            <a:schemeClr val="accent1"/>
-          </a:effectRef>
-          <a:fontRef idx="minor">
-            <a:schemeClr val="tx1"/>
-          </a:fontRef>
-        </p:style>
-      </p:cxnSp>
-      <p:sp>
-        <p:nvSpPr>
-          <p:cNvPr id="120" name="직사각형 119">
-            <a:extLst>
-              <a:ext uri="{FF2B5EF4-FFF2-40B4-BE49-F238E27FC236}">
-                <a16:creationId xmlns:a16="http://schemas.microsoft.com/office/drawing/2014/main" id="{6C00B847-5BD7-4F47-B272-9C207FB0F48B}"/>
+      <p:sp>
+        <p:nvSpPr>
+          <p:cNvPr id="54" name="직사각형 53">
+            <a:extLst>
+              <a:ext uri="{FF2B5EF4-FFF2-40B4-BE49-F238E27FC236}">
+                <a16:creationId xmlns:a16="http://schemas.microsoft.com/office/drawing/2014/main" id="{3686A371-9144-48B0-8BA8-45FAB7D3BCE5}"/>
               </a:ext>
             </a:extLst>
           </p:cNvPr>
@@ -14678,8 +14900,8 @@
         </p:nvSpPr>
         <p:spPr>
           <a:xfrm>
-            <a:off x="3793588" y="3876031"/>
-            <a:ext cx="618224" cy="647406"/>
+            <a:off x="7610696" y="-1119800"/>
+            <a:ext cx="926497" cy="661861"/>
           </a:xfrm>
           <a:prstGeom prst="rect">
             <a:avLst/>
@@ -14741,7 +14963,7 @@
                   <a:schemeClr val="tx1"/>
                 </a:solidFill>
               </a:rPr>
-              <a:t>주문</a:t>
+              <a:t>카테고리 등록</a:t>
             </a:r>
             <a:endParaRPr lang="en-US" altLang="ko-KR" sz="800" dirty="0">
               <a:solidFill>
@@ -14749,117 +14971,14 @@
               </a:solidFill>
             </a:endParaRPr>
           </a:p>
-          <a:p>
-            <a:pPr algn="ctr"/>
-            <a:r>
-              <a:rPr lang="ko-KR" altLang="en-US" sz="800" dirty="0">
-                <a:solidFill>
-                  <a:schemeClr val="tx1"/>
-                </a:solidFill>
-              </a:rPr>
-              <a:t>검색</a:t>
-            </a:r>
-          </a:p>
-        </p:txBody>
-      </p:sp>
-      <p:cxnSp>
-        <p:nvCxnSpPr>
-          <p:cNvPr id="122" name="연결선: 꺾임 121">
-            <a:extLst>
-              <a:ext uri="{FF2B5EF4-FFF2-40B4-BE49-F238E27FC236}">
-                <a16:creationId xmlns:a16="http://schemas.microsoft.com/office/drawing/2014/main" id="{2105F17A-1AF9-4288-AF6A-D7ADFC01653C}"/>
-              </a:ext>
-            </a:extLst>
-          </p:cNvPr>
-          <p:cNvCxnSpPr>
-            <a:stCxn id="73" idx="0"/>
-            <a:endCxn id="120" idx="1"/>
-          </p:cNvCxnSpPr>
-          <p:nvPr/>
-        </p:nvCxnSpPr>
-        <p:spPr>
-          <a:xfrm rot="5400000" flipH="1" flipV="1">
-            <a:off x="3471063" y="4039061"/>
-            <a:ext cx="161851" cy="483199"/>
-          </a:xfrm>
-          <a:prstGeom prst="bentConnector2">
-            <a:avLst/>
-          </a:prstGeom>
-          <a:ln>
-            <a:solidFill>
-              <a:srgbClr val="00B050"/>
-            </a:solidFill>
-            <a:tailEnd type="triangle"/>
-          </a:ln>
-        </p:spPr>
-        <p:style>
-          <a:lnRef idx="1">
-            <a:schemeClr val="accent1"/>
-          </a:lnRef>
-          <a:fillRef idx="0">
-            <a:schemeClr val="accent1"/>
-          </a:fillRef>
-          <a:effectRef idx="0">
-            <a:schemeClr val="accent1"/>
-          </a:effectRef>
-          <a:fontRef idx="minor">
-            <a:schemeClr val="tx1"/>
-          </a:fontRef>
-        </p:style>
-      </p:cxnSp>
-      <p:cxnSp>
-        <p:nvCxnSpPr>
-          <p:cNvPr id="124" name="연결선: 꺾임 123">
-            <a:extLst>
-              <a:ext uri="{FF2B5EF4-FFF2-40B4-BE49-F238E27FC236}">
-                <a16:creationId xmlns:a16="http://schemas.microsoft.com/office/drawing/2014/main" id="{2BC15EF1-75EB-4336-9EF8-E08A045ACCD2}"/>
-              </a:ext>
-            </a:extLst>
-          </p:cNvPr>
-          <p:cNvCxnSpPr>
-            <a:stCxn id="120" idx="2"/>
-            <a:endCxn id="73" idx="2"/>
-          </p:cNvCxnSpPr>
-          <p:nvPr/>
-        </p:nvCxnSpPr>
-        <p:spPr>
-          <a:xfrm rot="5400000">
-            <a:off x="3463768" y="4370059"/>
-            <a:ext cx="485554" cy="792311"/>
-          </a:xfrm>
-          <a:prstGeom prst="bentConnector3">
-            <a:avLst>
-              <a:gd name="adj1" fmla="val 147080"/>
-            </a:avLst>
-          </a:prstGeom>
-          <a:ln>
-            <a:solidFill>
-              <a:srgbClr val="00B050"/>
-            </a:solidFill>
-            <a:tailEnd type="triangle"/>
-          </a:ln>
-        </p:spPr>
-        <p:style>
-          <a:lnRef idx="1">
-            <a:schemeClr val="accent1"/>
-          </a:lnRef>
-          <a:fillRef idx="0">
-            <a:schemeClr val="accent1"/>
-          </a:fillRef>
-          <a:effectRef idx="0">
-            <a:schemeClr val="accent1"/>
-          </a:effectRef>
-          <a:fontRef idx="minor">
-            <a:schemeClr val="tx1"/>
-          </a:fontRef>
-        </p:style>
-      </p:cxnSp>
-      <p:sp>
-        <p:nvSpPr>
-          <p:cNvPr id="125" name="직사각형 124">
-            <a:extLst>
-              <a:ext uri="{FF2B5EF4-FFF2-40B4-BE49-F238E27FC236}">
-                <a16:creationId xmlns:a16="http://schemas.microsoft.com/office/drawing/2014/main" id="{1F2B120A-7F06-447A-A6FC-5BDB604D3DB5}"/>
+        </p:txBody>
+      </p:sp>
+      <p:sp>
+        <p:nvSpPr>
+          <p:cNvPr id="55" name="직사각형 54">
+            <a:extLst>
+              <a:ext uri="{FF2B5EF4-FFF2-40B4-BE49-F238E27FC236}">
+                <a16:creationId xmlns:a16="http://schemas.microsoft.com/office/drawing/2014/main" id="{6A0B71CB-BE79-43E3-ADE3-1B05EC352863}"/>
               </a:ext>
             </a:extLst>
           </p:cNvPr>
@@ -14868,8 +14987,8 @@
         </p:nvSpPr>
         <p:spPr>
           <a:xfrm>
-            <a:off x="3723022" y="5283529"/>
-            <a:ext cx="618224" cy="647406"/>
+            <a:off x="7610695" y="9489"/>
+            <a:ext cx="926497" cy="661861"/>
           </a:xfrm>
           <a:prstGeom prst="rect">
             <a:avLst/>
@@ -14931,7 +15050,7 @@
                   <a:schemeClr val="tx1"/>
                 </a:solidFill>
               </a:rPr>
-              <a:t>상품</a:t>
+              <a:t>카테고리 수정</a:t>
             </a:r>
             <a:endParaRPr lang="en-US" altLang="ko-KR" sz="800" dirty="0">
               <a:solidFill>
@@ -14939,6 +15058,77 @@
               </a:solidFill>
             </a:endParaRPr>
           </a:p>
+        </p:txBody>
+      </p:sp>
+      <p:sp>
+        <p:nvSpPr>
+          <p:cNvPr id="56" name="직사각형 55">
+            <a:extLst>
+              <a:ext uri="{FF2B5EF4-FFF2-40B4-BE49-F238E27FC236}">
+                <a16:creationId xmlns:a16="http://schemas.microsoft.com/office/drawing/2014/main" id="{D6952380-CF0C-4716-8AAA-0B42D7E5B045}"/>
+              </a:ext>
+            </a:extLst>
+          </p:cNvPr>
+          <p:cNvSpPr/>
+          <p:nvPr/>
+        </p:nvSpPr>
+        <p:spPr>
+          <a:xfrm>
+            <a:off x="7610695" y="1089573"/>
+            <a:ext cx="926497" cy="661861"/>
+          </a:xfrm>
+          <a:prstGeom prst="rect">
+            <a:avLst/>
+          </a:prstGeom>
+          <a:gradFill flip="none" rotWithShape="1">
+            <a:gsLst>
+              <a:gs pos="0">
+                <a:srgbClr val="00B050">
+                  <a:tint val="66000"/>
+                  <a:satMod val="160000"/>
+                </a:srgbClr>
+              </a:gs>
+              <a:gs pos="50000">
+                <a:srgbClr val="00B050">
+                  <a:tint val="44500"/>
+                  <a:satMod val="160000"/>
+                </a:srgbClr>
+              </a:gs>
+              <a:gs pos="100000">
+                <a:srgbClr val="00B050">
+                  <a:tint val="23500"/>
+                  <a:satMod val="160000"/>
+                </a:srgbClr>
+              </a:gs>
+            </a:gsLst>
+            <a:lin ang="2700000" scaled="1"/>
+            <a:tileRect/>
+          </a:gradFill>
+          <a:ln>
+            <a:solidFill>
+              <a:srgbClr val="00B050"/>
+            </a:solidFill>
+          </a:ln>
+        </p:spPr>
+        <p:style>
+          <a:lnRef idx="2">
+            <a:schemeClr val="accent1">
+              <a:shade val="50000"/>
+            </a:schemeClr>
+          </a:lnRef>
+          <a:fillRef idx="1">
+            <a:schemeClr val="accent1"/>
+          </a:fillRef>
+          <a:effectRef idx="0">
+            <a:schemeClr val="accent1"/>
+          </a:effectRef>
+          <a:fontRef idx="minor">
+            <a:schemeClr val="lt1"/>
+          </a:fontRef>
+        </p:style>
+        <p:txBody>
+          <a:bodyPr rtlCol="0" anchor="ctr"/>
+          <a:lstStyle/>
           <a:p>
             <a:pPr algn="ctr"/>
             <a:r>
@@ -14947,32 +15137,37 @@
                   <a:schemeClr val="tx1"/>
                 </a:solidFill>
               </a:rPr>
-              <a:t>검색</a:t>
-            </a:r>
+              <a:t>카테고리 삭제</a:t>
+            </a:r>
+            <a:endParaRPr lang="en-US" altLang="ko-KR" sz="800" dirty="0">
+              <a:solidFill>
+                <a:schemeClr val="tx1"/>
+              </a:solidFill>
+            </a:endParaRPr>
           </a:p>
         </p:txBody>
       </p:sp>
       <p:cxnSp>
         <p:nvCxnSpPr>
-          <p:cNvPr id="65" name="연결선: 꺾임 64">
-            <a:extLst>
-              <a:ext uri="{FF2B5EF4-FFF2-40B4-BE49-F238E27FC236}">
-                <a16:creationId xmlns:a16="http://schemas.microsoft.com/office/drawing/2014/main" id="{9D02DCAA-FD75-4E65-AD48-E21D29BBD223}"/>
+          <p:cNvPr id="9" name="직선 화살표 연결선 8">
+            <a:extLst>
+              <a:ext uri="{FF2B5EF4-FFF2-40B4-BE49-F238E27FC236}">
+                <a16:creationId xmlns:a16="http://schemas.microsoft.com/office/drawing/2014/main" id="{CC87EFA5-A201-47CE-9CDE-92A8628C773C}"/>
               </a:ext>
             </a:extLst>
           </p:cNvPr>
           <p:cNvCxnSpPr>
-            <a:stCxn id="83" idx="0"/>
-            <a:endCxn id="125" idx="1"/>
+            <a:cxnSpLocks/>
+            <a:stCxn id="51" idx="3"/>
           </p:cNvCxnSpPr>
           <p:nvPr/>
         </p:nvCxnSpPr>
         <p:spPr>
-          <a:xfrm rot="5400000" flipH="1" flipV="1">
-            <a:off x="3394919" y="5507197"/>
-            <a:ext cx="228067" cy="428139"/>
-          </a:xfrm>
-          <a:prstGeom prst="bentConnector2">
+          <a:xfrm flipV="1">
+            <a:off x="5170649" y="-716299"/>
+            <a:ext cx="2440047" cy="940531"/>
+          </a:xfrm>
+          <a:prstGeom prst="straightConnector1">
             <a:avLst/>
           </a:prstGeom>
           <a:ln>
@@ -14999,28 +15194,26 @@
       </p:cxnSp>
       <p:cxnSp>
         <p:nvCxnSpPr>
-          <p:cNvPr id="67" name="연결선: 꺾임 66">
-            <a:extLst>
-              <a:ext uri="{FF2B5EF4-FFF2-40B4-BE49-F238E27FC236}">
-                <a16:creationId xmlns:a16="http://schemas.microsoft.com/office/drawing/2014/main" id="{A6287C7D-4647-4651-BEFD-3140A14C646B}"/>
+          <p:cNvPr id="12" name="직선 화살표 연결선 11">
+            <a:extLst>
+              <a:ext uri="{FF2B5EF4-FFF2-40B4-BE49-F238E27FC236}">
+                <a16:creationId xmlns:a16="http://schemas.microsoft.com/office/drawing/2014/main" id="{6B8FD480-A29D-46A6-826C-D521046C4EA9}"/>
               </a:ext>
             </a:extLst>
           </p:cNvPr>
           <p:cNvCxnSpPr>
-            <a:stCxn id="125" idx="2"/>
-            <a:endCxn id="83" idx="2"/>
+            <a:stCxn id="51" idx="3"/>
+            <a:endCxn id="55" idx="1"/>
           </p:cNvCxnSpPr>
           <p:nvPr/>
         </p:nvCxnSpPr>
         <p:spPr>
-          <a:xfrm rot="5400000">
-            <a:off x="3387624" y="5838195"/>
-            <a:ext cx="551770" cy="737251"/>
-          </a:xfrm>
-          <a:prstGeom prst="bentConnector3">
-            <a:avLst>
-              <a:gd name="adj1" fmla="val 141430"/>
-            </a:avLst>
+          <a:xfrm>
+            <a:off x="5170649" y="224232"/>
+            <a:ext cx="2440046" cy="116188"/>
+          </a:xfrm>
+          <a:prstGeom prst="straightConnector1">
+            <a:avLst/>
           </a:prstGeom>
           <a:ln>
             <a:solidFill>
@@ -15046,23 +15239,23 @@
       </p:cxnSp>
       <p:cxnSp>
         <p:nvCxnSpPr>
-          <p:cNvPr id="70" name="직선 화살표 연결선 69">
-            <a:extLst>
-              <a:ext uri="{FF2B5EF4-FFF2-40B4-BE49-F238E27FC236}">
-                <a16:creationId xmlns:a16="http://schemas.microsoft.com/office/drawing/2014/main" id="{462A402B-1B1F-4A9C-909F-E483A50063CE}"/>
+          <p:cNvPr id="15" name="직선 화살표 연결선 14">
+            <a:extLst>
+              <a:ext uri="{FF2B5EF4-FFF2-40B4-BE49-F238E27FC236}">
+                <a16:creationId xmlns:a16="http://schemas.microsoft.com/office/drawing/2014/main" id="{EA4915E1-3DE7-480F-A25D-08C07E934743}"/>
               </a:ext>
             </a:extLst>
           </p:cNvPr>
           <p:cNvCxnSpPr>
-            <a:stCxn id="83" idx="3"/>
-            <a:endCxn id="86" idx="1"/>
+            <a:stCxn id="51" idx="3"/>
+            <a:endCxn id="56" idx="1"/>
           </p:cNvCxnSpPr>
           <p:nvPr/>
         </p:nvCxnSpPr>
         <p:spPr>
-          <a:xfrm flipV="1">
-            <a:off x="3603995" y="6158072"/>
-            <a:ext cx="1643678" cy="930"/>
+          <a:xfrm>
+            <a:off x="5170649" y="224232"/>
+            <a:ext cx="2440046" cy="1196272"/>
           </a:xfrm>
           <a:prstGeom prst="straightConnector1">
             <a:avLst/>

--- a/doc/시나리오.pptx
+++ b/doc/시나리오.pptx
@@ -12046,7 +12046,7 @@
         </p:nvSpPr>
         <p:spPr>
           <a:xfrm>
-            <a:off x="86841" y="4209571"/>
+            <a:off x="55193" y="3836442"/>
             <a:ext cx="731257" cy="177408"/>
           </a:xfrm>
           <a:prstGeom prst="rect">
@@ -12436,14 +12436,15 @@
           </p:cNvPr>
           <p:cNvCxnSpPr>
             <a:cxnSpLocks/>
+            <a:stCxn id="5" idx="6"/>
             <a:endCxn id="17" idx="1"/>
           </p:cNvCxnSpPr>
           <p:nvPr/>
         </p:nvCxnSpPr>
         <p:spPr>
           <a:xfrm>
-            <a:off x="659640" y="3753289"/>
-            <a:ext cx="1182177" cy="1140130"/>
+            <a:off x="659640" y="3346889"/>
+            <a:ext cx="1182177" cy="1546530"/>
           </a:xfrm>
           <a:prstGeom prst="straightConnector1">
             <a:avLst/>
@@ -12481,14 +12482,15 @@
           </p:cNvPr>
           <p:cNvCxnSpPr>
             <a:cxnSpLocks/>
+            <a:stCxn id="5" idx="6"/>
             <a:endCxn id="18" idx="1"/>
           </p:cNvCxnSpPr>
           <p:nvPr/>
         </p:nvCxnSpPr>
         <p:spPr>
           <a:xfrm>
-            <a:off x="659640" y="3753289"/>
-            <a:ext cx="1182177" cy="2651460"/>
+            <a:off x="659640" y="3346889"/>
+            <a:ext cx="1182177" cy="3057860"/>
           </a:xfrm>
           <a:prstGeom prst="straightConnector1">
             <a:avLst/>

--- a/doc/시나리오.pptx
+++ b/doc/시나리오.pptx
@@ -11660,6 +11660,25 @@
                 </a:rPr>
                 <a:t>주문번호</a:t>
               </a:r>
+              <a:r>
+                <a:rPr lang="en-US" altLang="ko-KR" sz="800" dirty="0">
+                  <a:solidFill>
+                    <a:schemeClr val="tx1"/>
+                  </a:solidFill>
+                </a:rPr>
+                <a:t>,</a:t>
+              </a:r>
+            </a:p>
+            <a:p>
+              <a:pPr algn="ctr"/>
+              <a:r>
+                <a:rPr lang="ko-KR" altLang="en-US" sz="800" dirty="0">
+                  <a:solidFill>
+                    <a:schemeClr val="tx1"/>
+                  </a:solidFill>
+                </a:rPr>
+                <a:t>아이디</a:t>
+              </a:r>
               <a:endParaRPr lang="en-US" altLang="ko-KR" sz="800" dirty="0">
                 <a:solidFill>
                   <a:schemeClr val="tx1"/>
@@ -11746,6 +11765,25 @@
                   </a:solidFill>
                 </a:rPr>
                 <a:t>주문번호</a:t>
+              </a:r>
+              <a:r>
+                <a:rPr lang="en-US" altLang="ko-KR" sz="800" dirty="0">
+                  <a:solidFill>
+                    <a:schemeClr val="tx1"/>
+                  </a:solidFill>
+                </a:rPr>
+                <a:t>,</a:t>
+              </a:r>
+            </a:p>
+            <a:p>
+              <a:pPr algn="ctr"/>
+              <a:r>
+                <a:rPr lang="ko-KR" altLang="en-US" sz="800" dirty="0">
+                  <a:solidFill>
+                    <a:schemeClr val="tx1"/>
+                  </a:solidFill>
+                </a:rPr>
+                <a:t>비밀번호</a:t>
               </a:r>
               <a:endParaRPr lang="en-US" altLang="ko-KR" sz="800" dirty="0">
                 <a:solidFill>
